--- a/Documentos/Perfil.pptx
+++ b/Documentos/Perfil.pptx
@@ -4,6 +4,9 @@
   <p:sldMasterIdLst>
     <p:sldMasterId id="2147483648" r:id="rId1"/>
   </p:sldMasterIdLst>
+  <p:notesMasterIdLst>
+    <p:notesMasterId r:id="rId38"/>
+  </p:notesMasterIdLst>
   <p:sldIdLst>
     <p:sldId id="256" r:id="rId2"/>
     <p:sldId id="257" r:id="rId3"/>
@@ -35,6 +38,12 @@
     <p:sldId id="287" r:id="rId29"/>
     <p:sldId id="288" r:id="rId30"/>
     <p:sldId id="289" r:id="rId31"/>
+    <p:sldId id="290" r:id="rId32"/>
+    <p:sldId id="291" r:id="rId33"/>
+    <p:sldId id="292" r:id="rId34"/>
+    <p:sldId id="293" r:id="rId35"/>
+    <p:sldId id="294" r:id="rId36"/>
+    <p:sldId id="295" r:id="rId37"/>
   </p:sldIdLst>
   <p:sldSz cx="9144000" cy="6858000" type="screen4x3"/>
   <p:notesSz cx="6858000" cy="9144000"/>
@@ -134,6 +143,440 @@
     </a:lvl9pPr>
   </p:defaultTextStyle>
 </p:presentation>
+</file>
+
+<file path=ppt/notesMasters/notesMaster1.xml><?xml version="1.0" encoding="utf-8"?>
+<p:notesMaster xmlns:a="http://schemas.openxmlformats.org/drawingml/2006/main" xmlns:r="http://schemas.openxmlformats.org/officeDocument/2006/relationships" xmlns:p="http://schemas.openxmlformats.org/presentationml/2006/main">
+  <p:cSld>
+    <p:bg>
+      <p:bgRef idx="1001">
+        <a:schemeClr val="bg1"/>
+      </p:bgRef>
+    </p:bg>
+    <p:spTree>
+      <p:nvGrpSpPr>
+        <p:cNvPr id="1" name=""/>
+        <p:cNvGrpSpPr/>
+        <p:nvPr/>
+      </p:nvGrpSpPr>
+      <p:grpSpPr>
+        <a:xfrm>
+          <a:off x="0" y="0"/>
+          <a:ext cx="0" cy="0"/>
+          <a:chOff x="0" y="0"/>
+          <a:chExt cx="0" cy="0"/>
+        </a:xfrm>
+      </p:grpSpPr>
+      <p:sp>
+        <p:nvSpPr>
+          <p:cNvPr id="2" name="1 Marcador de encabezado"/>
+          <p:cNvSpPr>
+            <a:spLocks noGrp="1"/>
+          </p:cNvSpPr>
+          <p:nvPr>
+            <p:ph type="hdr" sz="quarter"/>
+          </p:nvPr>
+        </p:nvSpPr>
+        <p:spPr>
+          <a:xfrm>
+            <a:off x="0" y="0"/>
+            <a:ext cx="2971800" cy="457200"/>
+          </a:xfrm>
+          <a:prstGeom prst="rect">
+            <a:avLst/>
+          </a:prstGeom>
+        </p:spPr>
+        <p:txBody>
+          <a:bodyPr vert="horz" lIns="91440" tIns="45720" rIns="91440" bIns="45720" rtlCol="0"/>
+          <a:lstStyle>
+            <a:lvl1pPr algn="l">
+              <a:defRPr sz="1200"/>
+            </a:lvl1pPr>
+          </a:lstStyle>
+          <a:p>
+            <a:endParaRPr lang="es-SV"/>
+          </a:p>
+        </p:txBody>
+      </p:sp>
+      <p:sp>
+        <p:nvSpPr>
+          <p:cNvPr id="3" name="2 Marcador de fecha"/>
+          <p:cNvSpPr>
+            <a:spLocks noGrp="1"/>
+          </p:cNvSpPr>
+          <p:nvPr>
+            <p:ph type="dt" idx="1"/>
+          </p:nvPr>
+        </p:nvSpPr>
+        <p:spPr>
+          <a:xfrm>
+            <a:off x="3884613" y="0"/>
+            <a:ext cx="2971800" cy="457200"/>
+          </a:xfrm>
+          <a:prstGeom prst="rect">
+            <a:avLst/>
+          </a:prstGeom>
+        </p:spPr>
+        <p:txBody>
+          <a:bodyPr vert="horz" lIns="91440" tIns="45720" rIns="91440" bIns="45720" rtlCol="0"/>
+          <a:lstStyle>
+            <a:lvl1pPr algn="r">
+              <a:defRPr sz="1200"/>
+            </a:lvl1pPr>
+          </a:lstStyle>
+          <a:p>
+            <a:fld id="{45640EB2-0A08-4C14-98F4-51B308B111E5}" type="datetimeFigureOut">
+              <a:rPr lang="es-SV" smtClean="0"/>
+              <a:t>27 Sept. 2016</a:t>
+            </a:fld>
+            <a:endParaRPr lang="es-SV"/>
+          </a:p>
+        </p:txBody>
+      </p:sp>
+      <p:sp>
+        <p:nvSpPr>
+          <p:cNvPr id="4" name="3 Marcador de imagen de diapositiva"/>
+          <p:cNvSpPr>
+            <a:spLocks noGrp="1" noRot="1" noChangeAspect="1"/>
+          </p:cNvSpPr>
+          <p:nvPr>
+            <p:ph type="sldImg" idx="2"/>
+          </p:nvPr>
+        </p:nvSpPr>
+        <p:spPr>
+          <a:xfrm>
+            <a:off x="1143000" y="685800"/>
+            <a:ext cx="4572000" cy="3429000"/>
+          </a:xfrm>
+          <a:prstGeom prst="rect">
+            <a:avLst/>
+          </a:prstGeom>
+          <a:noFill/>
+          <a:ln w="12700">
+            <a:solidFill>
+              <a:prstClr val="black"/>
+            </a:solidFill>
+          </a:ln>
+        </p:spPr>
+        <p:txBody>
+          <a:bodyPr vert="horz" lIns="91440" tIns="45720" rIns="91440" bIns="45720" rtlCol="0" anchor="ctr"/>
+          <a:lstStyle/>
+          <a:p>
+            <a:endParaRPr lang="es-SV"/>
+          </a:p>
+        </p:txBody>
+      </p:sp>
+      <p:sp>
+        <p:nvSpPr>
+          <p:cNvPr id="5" name="4 Marcador de notas"/>
+          <p:cNvSpPr>
+            <a:spLocks noGrp="1"/>
+          </p:cNvSpPr>
+          <p:nvPr>
+            <p:ph type="body" sz="quarter" idx="3"/>
+          </p:nvPr>
+        </p:nvSpPr>
+        <p:spPr>
+          <a:xfrm>
+            <a:off x="685800" y="4343400"/>
+            <a:ext cx="5486400" cy="4114800"/>
+          </a:xfrm>
+          <a:prstGeom prst="rect">
+            <a:avLst/>
+          </a:prstGeom>
+        </p:spPr>
+        <p:txBody>
+          <a:bodyPr vert="horz" lIns="91440" tIns="45720" rIns="91440" bIns="45720" rtlCol="0"/>
+          <a:lstStyle/>
+          <a:p>
+            <a:pPr lvl="0"/>
+            <a:r>
+              <a:rPr lang="es-ES" smtClean="0"/>
+              <a:t>Haga clic para modificar el estilo de texto del patrón</a:t>
+            </a:r>
+          </a:p>
+          <a:p>
+            <a:pPr lvl="1"/>
+            <a:r>
+              <a:rPr lang="es-ES" smtClean="0"/>
+              <a:t>Segundo nivel</a:t>
+            </a:r>
+          </a:p>
+          <a:p>
+            <a:pPr lvl="2"/>
+            <a:r>
+              <a:rPr lang="es-ES" smtClean="0"/>
+              <a:t>Tercer nivel</a:t>
+            </a:r>
+          </a:p>
+          <a:p>
+            <a:pPr lvl="3"/>
+            <a:r>
+              <a:rPr lang="es-ES" smtClean="0"/>
+              <a:t>Cuarto nivel</a:t>
+            </a:r>
+          </a:p>
+          <a:p>
+            <a:pPr lvl="4"/>
+            <a:r>
+              <a:rPr lang="es-ES" smtClean="0"/>
+              <a:t>Quinto nivel</a:t>
+            </a:r>
+            <a:endParaRPr lang="es-SV"/>
+          </a:p>
+        </p:txBody>
+      </p:sp>
+      <p:sp>
+        <p:nvSpPr>
+          <p:cNvPr id="6" name="5 Marcador de pie de página"/>
+          <p:cNvSpPr>
+            <a:spLocks noGrp="1"/>
+          </p:cNvSpPr>
+          <p:nvPr>
+            <p:ph type="ftr" sz="quarter" idx="4"/>
+          </p:nvPr>
+        </p:nvSpPr>
+        <p:spPr>
+          <a:xfrm>
+            <a:off x="0" y="8685213"/>
+            <a:ext cx="2971800" cy="457200"/>
+          </a:xfrm>
+          <a:prstGeom prst="rect">
+            <a:avLst/>
+          </a:prstGeom>
+        </p:spPr>
+        <p:txBody>
+          <a:bodyPr vert="horz" lIns="91440" tIns="45720" rIns="91440" bIns="45720" rtlCol="0" anchor="b"/>
+          <a:lstStyle>
+            <a:lvl1pPr algn="l">
+              <a:defRPr sz="1200"/>
+            </a:lvl1pPr>
+          </a:lstStyle>
+          <a:p>
+            <a:endParaRPr lang="es-SV"/>
+          </a:p>
+        </p:txBody>
+      </p:sp>
+      <p:sp>
+        <p:nvSpPr>
+          <p:cNvPr id="7" name="6 Marcador de número de diapositiva"/>
+          <p:cNvSpPr>
+            <a:spLocks noGrp="1"/>
+          </p:cNvSpPr>
+          <p:nvPr>
+            <p:ph type="sldNum" sz="quarter" idx="5"/>
+          </p:nvPr>
+        </p:nvSpPr>
+        <p:spPr>
+          <a:xfrm>
+            <a:off x="3884613" y="8685213"/>
+            <a:ext cx="2971800" cy="457200"/>
+          </a:xfrm>
+          <a:prstGeom prst="rect">
+            <a:avLst/>
+          </a:prstGeom>
+        </p:spPr>
+        <p:txBody>
+          <a:bodyPr vert="horz" lIns="91440" tIns="45720" rIns="91440" bIns="45720" rtlCol="0" anchor="b"/>
+          <a:lstStyle>
+            <a:lvl1pPr algn="r">
+              <a:defRPr sz="1200"/>
+            </a:lvl1pPr>
+          </a:lstStyle>
+          <a:p>
+            <a:fld id="{46099207-8C99-44FF-BAB7-DBD737E3C3CD}" type="slidenum">
+              <a:rPr lang="es-SV" smtClean="0"/>
+              <a:t>‹Nº›</a:t>
+            </a:fld>
+            <a:endParaRPr lang="es-SV"/>
+          </a:p>
+        </p:txBody>
+      </p:sp>
+    </p:spTree>
+    <p:extLst>
+      <p:ext uri="{BB962C8B-B14F-4D97-AF65-F5344CB8AC3E}">
+        <p14:creationId xmlns:p14="http://schemas.microsoft.com/office/powerpoint/2010/main" val="4072239421"/>
+      </p:ext>
+    </p:extLst>
+  </p:cSld>
+  <p:clrMap bg1="lt1" tx1="dk1" bg2="lt2" tx2="dk2" accent1="accent1" accent2="accent2" accent3="accent3" accent4="accent4" accent5="accent5" accent6="accent6" hlink="hlink" folHlink="folHlink"/>
+  <p:notesStyle>
+    <a:lvl1pPr marL="0" algn="l" defTabSz="914400" rtl="0" eaLnBrk="1" latinLnBrk="0" hangingPunct="1">
+      <a:defRPr sz="1200" kern="1200">
+        <a:solidFill>
+          <a:schemeClr val="tx1"/>
+        </a:solidFill>
+        <a:latin typeface="+mn-lt"/>
+        <a:ea typeface="+mn-ea"/>
+        <a:cs typeface="+mn-cs"/>
+      </a:defRPr>
+    </a:lvl1pPr>
+    <a:lvl2pPr marL="457200" algn="l" defTabSz="914400" rtl="0" eaLnBrk="1" latinLnBrk="0" hangingPunct="1">
+      <a:defRPr sz="1200" kern="1200">
+        <a:solidFill>
+          <a:schemeClr val="tx1"/>
+        </a:solidFill>
+        <a:latin typeface="+mn-lt"/>
+        <a:ea typeface="+mn-ea"/>
+        <a:cs typeface="+mn-cs"/>
+      </a:defRPr>
+    </a:lvl2pPr>
+    <a:lvl3pPr marL="914400" algn="l" defTabSz="914400" rtl="0" eaLnBrk="1" latinLnBrk="0" hangingPunct="1">
+      <a:defRPr sz="1200" kern="1200">
+        <a:solidFill>
+          <a:schemeClr val="tx1"/>
+        </a:solidFill>
+        <a:latin typeface="+mn-lt"/>
+        <a:ea typeface="+mn-ea"/>
+        <a:cs typeface="+mn-cs"/>
+      </a:defRPr>
+    </a:lvl3pPr>
+    <a:lvl4pPr marL="1371600" algn="l" defTabSz="914400" rtl="0" eaLnBrk="1" latinLnBrk="0" hangingPunct="1">
+      <a:defRPr sz="1200" kern="1200">
+        <a:solidFill>
+          <a:schemeClr val="tx1"/>
+        </a:solidFill>
+        <a:latin typeface="+mn-lt"/>
+        <a:ea typeface="+mn-ea"/>
+        <a:cs typeface="+mn-cs"/>
+      </a:defRPr>
+    </a:lvl4pPr>
+    <a:lvl5pPr marL="1828800" algn="l" defTabSz="914400" rtl="0" eaLnBrk="1" latinLnBrk="0" hangingPunct="1">
+      <a:defRPr sz="1200" kern="1200">
+        <a:solidFill>
+          <a:schemeClr val="tx1"/>
+        </a:solidFill>
+        <a:latin typeface="+mn-lt"/>
+        <a:ea typeface="+mn-ea"/>
+        <a:cs typeface="+mn-cs"/>
+      </a:defRPr>
+    </a:lvl5pPr>
+    <a:lvl6pPr marL="2286000" algn="l" defTabSz="914400" rtl="0" eaLnBrk="1" latinLnBrk="0" hangingPunct="1">
+      <a:defRPr sz="1200" kern="1200">
+        <a:solidFill>
+          <a:schemeClr val="tx1"/>
+        </a:solidFill>
+        <a:latin typeface="+mn-lt"/>
+        <a:ea typeface="+mn-ea"/>
+        <a:cs typeface="+mn-cs"/>
+      </a:defRPr>
+    </a:lvl6pPr>
+    <a:lvl7pPr marL="2743200" algn="l" defTabSz="914400" rtl="0" eaLnBrk="1" latinLnBrk="0" hangingPunct="1">
+      <a:defRPr sz="1200" kern="1200">
+        <a:solidFill>
+          <a:schemeClr val="tx1"/>
+        </a:solidFill>
+        <a:latin typeface="+mn-lt"/>
+        <a:ea typeface="+mn-ea"/>
+        <a:cs typeface="+mn-cs"/>
+      </a:defRPr>
+    </a:lvl7pPr>
+    <a:lvl8pPr marL="3200400" algn="l" defTabSz="914400" rtl="0" eaLnBrk="1" latinLnBrk="0" hangingPunct="1">
+      <a:defRPr sz="1200" kern="1200">
+        <a:solidFill>
+          <a:schemeClr val="tx1"/>
+        </a:solidFill>
+        <a:latin typeface="+mn-lt"/>
+        <a:ea typeface="+mn-ea"/>
+        <a:cs typeface="+mn-cs"/>
+      </a:defRPr>
+    </a:lvl8pPr>
+    <a:lvl9pPr marL="3657600" algn="l" defTabSz="914400" rtl="0" eaLnBrk="1" latinLnBrk="0" hangingPunct="1">
+      <a:defRPr sz="1200" kern="1200">
+        <a:solidFill>
+          <a:schemeClr val="tx1"/>
+        </a:solidFill>
+        <a:latin typeface="+mn-lt"/>
+        <a:ea typeface="+mn-ea"/>
+        <a:cs typeface="+mn-cs"/>
+      </a:defRPr>
+    </a:lvl9pPr>
+  </p:notesStyle>
+</p:notesMaster>
+</file>
+
+<file path=ppt/notesSlides/notesSlide1.xml><?xml version="1.0" encoding="utf-8"?>
+<p:notes xmlns:a="http://schemas.openxmlformats.org/drawingml/2006/main" xmlns:r="http://schemas.openxmlformats.org/officeDocument/2006/relationships" xmlns:p="http://schemas.openxmlformats.org/presentationml/2006/main">
+  <p:cSld>
+    <p:spTree>
+      <p:nvGrpSpPr>
+        <p:cNvPr id="1" name=""/>
+        <p:cNvGrpSpPr/>
+        <p:nvPr/>
+      </p:nvGrpSpPr>
+      <p:grpSpPr>
+        <a:xfrm>
+          <a:off x="0" y="0"/>
+          <a:ext cx="0" cy="0"/>
+          <a:chOff x="0" y="0"/>
+          <a:chExt cx="0" cy="0"/>
+        </a:xfrm>
+      </p:grpSpPr>
+      <p:sp>
+        <p:nvSpPr>
+          <p:cNvPr id="2" name="1 Marcador de imagen de diapositiva"/>
+          <p:cNvSpPr>
+            <a:spLocks noGrp="1" noRot="1" noChangeAspect="1"/>
+          </p:cNvSpPr>
+          <p:nvPr>
+            <p:ph type="sldImg"/>
+          </p:nvPr>
+        </p:nvSpPr>
+        <p:spPr/>
+      </p:sp>
+      <p:sp>
+        <p:nvSpPr>
+          <p:cNvPr id="3" name="2 Marcador de notas"/>
+          <p:cNvSpPr>
+            <a:spLocks noGrp="1"/>
+          </p:cNvSpPr>
+          <p:nvPr>
+            <p:ph type="body" idx="1"/>
+          </p:nvPr>
+        </p:nvSpPr>
+        <p:spPr/>
+        <p:txBody>
+          <a:bodyPr/>
+          <a:lstStyle/>
+          <a:p>
+            <a:endParaRPr lang="es-SV" dirty="0"/>
+          </a:p>
+        </p:txBody>
+      </p:sp>
+      <p:sp>
+        <p:nvSpPr>
+          <p:cNvPr id="4" name="3 Marcador de número de diapositiva"/>
+          <p:cNvSpPr>
+            <a:spLocks noGrp="1"/>
+          </p:cNvSpPr>
+          <p:nvPr>
+            <p:ph type="sldNum" sz="quarter" idx="10"/>
+          </p:nvPr>
+        </p:nvSpPr>
+        <p:spPr/>
+        <p:txBody>
+          <a:bodyPr/>
+          <a:lstStyle/>
+          <a:p>
+            <a:fld id="{46099207-8C99-44FF-BAB7-DBD737E3C3CD}" type="slidenum">
+              <a:rPr lang="es-SV" smtClean="0"/>
+              <a:t>31</a:t>
+            </a:fld>
+            <a:endParaRPr lang="es-SV"/>
+          </a:p>
+        </p:txBody>
+      </p:sp>
+    </p:spTree>
+    <p:extLst>
+      <p:ext uri="{BB962C8B-B14F-4D97-AF65-F5344CB8AC3E}">
+        <p14:creationId xmlns:p14="http://schemas.microsoft.com/office/powerpoint/2010/main" val="322725476"/>
+      </p:ext>
+    </p:extLst>
+  </p:cSld>
+  <p:clrMapOvr>
+    <a:masterClrMapping/>
+  </p:clrMapOvr>
+</p:notes>
 </file>
 
 <file path=ppt/slideLayouts/slideLayout1.xml><?xml version="1.0" encoding="utf-8"?>
@@ -7803,14 +8246,20 @@
               <a:buNone/>
             </a:pPr>
             <a:r>
-              <a:rPr lang="es-ES" dirty="0" smtClean="0"/>
+              <a:rPr lang="es-ES" dirty="0" smtClean="0">
+                <a:latin typeface="Berlin Sans FB" pitchFamily="34" charset="0"/>
+              </a:rPr>
               <a:t>Desarrollar </a:t>
             </a:r>
             <a:r>
-              <a:rPr lang="es-ES" dirty="0"/>
+              <a:rPr lang="es-ES" dirty="0">
+                <a:latin typeface="Berlin Sans FB" pitchFamily="34" charset="0"/>
+              </a:rPr>
               <a:t>un sistema informático para la administración del Grupo Promesa, en el municipio de San Vicente, departamento de San Vicente, para un mayor acceso a la información y reducción del consumo de papel.</a:t>
             </a:r>
-            <a:endParaRPr lang="es-SV" dirty="0"/>
+            <a:endParaRPr lang="es-SV" dirty="0">
+              <a:latin typeface="Berlin Sans FB" pitchFamily="34" charset="0"/>
+            </a:endParaRPr>
           </a:p>
         </p:txBody>
       </p:sp>
@@ -8734,11 +9183,15 @@
               <a:buNone/>
             </a:pPr>
             <a:r>
-              <a:rPr lang="es-SV" dirty="0"/>
+              <a:rPr lang="es-SV" dirty="0">
+                <a:latin typeface="Berlin Sans FB" pitchFamily="34" charset="0"/>
+              </a:rPr>
               <a:t>Generar un control centralizado de toda la información que se maneja entre el hospital, clínica y farmacia Divino Diño</a:t>
             </a:r>
             <a:r>
-              <a:rPr lang="es-SV" dirty="0" smtClean="0"/>
+              <a:rPr lang="es-SV" dirty="0" smtClean="0">
+                <a:latin typeface="Berlin Sans FB" pitchFamily="34" charset="0"/>
+              </a:rPr>
               <a:t>.</a:t>
             </a:r>
           </a:p>
@@ -8746,18 +9199,24 @@
             <a:pPr marL="0" lvl="0" indent="0" algn="just">
               <a:buNone/>
             </a:pPr>
-            <a:endParaRPr lang="es-SV" dirty="0"/>
+            <a:endParaRPr lang="es-SV" dirty="0">
+              <a:latin typeface="Berlin Sans FB" pitchFamily="34" charset="0"/>
+            </a:endParaRPr>
           </a:p>
           <a:p>
             <a:pPr marL="0" lvl="0" indent="0" algn="just">
               <a:buNone/>
             </a:pPr>
             <a:r>
-              <a:rPr lang="es-SV" dirty="0"/>
+              <a:rPr lang="es-SV" dirty="0">
+                <a:latin typeface="Berlin Sans FB" pitchFamily="34" charset="0"/>
+              </a:rPr>
               <a:t>Agilizar el manejo de la información por medio de la sistematización de los procesos realizados en las diferentes áreas</a:t>
             </a:r>
             <a:r>
-              <a:rPr lang="es-SV" dirty="0" smtClean="0"/>
+              <a:rPr lang="es-SV" dirty="0" smtClean="0">
+                <a:latin typeface="Berlin Sans FB" pitchFamily="34" charset="0"/>
+              </a:rPr>
               <a:t>.</a:t>
             </a:r>
           </a:p>
@@ -8765,14 +9224,18 @@
             <a:pPr marL="0" lvl="0" indent="0" algn="just">
               <a:buNone/>
             </a:pPr>
-            <a:endParaRPr lang="es-SV" dirty="0"/>
+            <a:endParaRPr lang="es-SV" dirty="0">
+              <a:latin typeface="Berlin Sans FB" pitchFamily="34" charset="0"/>
+            </a:endParaRPr>
           </a:p>
           <a:p>
             <a:pPr marL="0" indent="0" algn="just">
               <a:buNone/>
             </a:pPr>
             <a:r>
-              <a:rPr lang="es-SV" dirty="0"/>
+              <a:rPr lang="es-SV" dirty="0">
+                <a:latin typeface="Berlin Sans FB" pitchFamily="34" charset="0"/>
+              </a:rPr>
               <a:t>Mejorar la disponibilidad de información entre el hospital, clínica y farmacia Divino Niño.</a:t>
             </a:r>
           </a:p>
@@ -10990,42 +11453,56 @@
           <a:p>
             <a:pPr lvl="0"/>
             <a:r>
-              <a:rPr lang="es-SV" dirty="0"/>
+              <a:rPr lang="es-SV" dirty="0">
+                <a:latin typeface="Berlin Sans FB" pitchFamily="34" charset="0"/>
+              </a:rPr>
               <a:t>Se agilizará la apertura, búsqueda y edición de expedientes de los pacientes.</a:t>
             </a:r>
           </a:p>
           <a:p>
             <a:pPr lvl="0"/>
             <a:r>
-              <a:rPr lang="es-SV" dirty="0"/>
+              <a:rPr lang="es-SV" dirty="0">
+                <a:latin typeface="Berlin Sans FB" pitchFamily="34" charset="0"/>
+              </a:rPr>
               <a:t>Control de ingresos y egresos de medicamentos y utensilios hospitalarios del botiquín.</a:t>
             </a:r>
           </a:p>
           <a:p>
             <a:pPr lvl="0"/>
             <a:r>
-              <a:rPr lang="es-SV" dirty="0"/>
+              <a:rPr lang="es-SV" dirty="0">
+                <a:latin typeface="Berlin Sans FB" pitchFamily="34" charset="0"/>
+              </a:rPr>
               <a:t>Erradicación de los ingresos duplicados de datos de los clientes si este ya ha sido almacenado en el sistema.</a:t>
             </a:r>
           </a:p>
           <a:p>
             <a:pPr lvl="0"/>
             <a:r>
-              <a:rPr lang="es-SV" dirty="0"/>
+              <a:rPr lang="es-SV" dirty="0">
+                <a:latin typeface="Berlin Sans FB" pitchFamily="34" charset="0"/>
+              </a:rPr>
               <a:t>Control de la agenda de citas hechas por los pacientes para las diversas áreas. </a:t>
             </a:r>
           </a:p>
           <a:p>
             <a:pPr lvl="0"/>
             <a:r>
-              <a:rPr lang="es-SV" dirty="0"/>
+              <a:rPr lang="es-SV" dirty="0">
+                <a:latin typeface="Berlin Sans FB" pitchFamily="34" charset="0"/>
+              </a:rPr>
               <a:t>Se agregará las funciones de la recepción del laboratorio clínico, rayos x, electrocardiograma y ultrasonografía, además de la reimpresión de la boleta de exámenes si es necesario</a:t>
             </a:r>
             <a:r>
-              <a:rPr lang="es-SV" dirty="0" smtClean="0"/>
+              <a:rPr lang="es-SV" dirty="0" smtClean="0">
+                <a:latin typeface="Berlin Sans FB" pitchFamily="34" charset="0"/>
+              </a:rPr>
               <a:t>.</a:t>
             </a:r>
-            <a:endParaRPr lang="es-SV" dirty="0"/>
+            <a:endParaRPr lang="es-SV" dirty="0">
+              <a:latin typeface="Berlin Sans FB" pitchFamily="34" charset="0"/>
+            </a:endParaRPr>
           </a:p>
         </p:txBody>
       </p:sp>
@@ -11212,27 +11689,35 @@
           <a:p>
             <a:pPr lvl="0"/>
             <a:r>
-              <a:rPr lang="es-SV" dirty="0"/>
+              <a:rPr lang="es-SV" dirty="0">
+                <a:latin typeface="Berlin Sans FB" pitchFamily="34" charset="0"/>
+              </a:rPr>
               <a:t>Generación de asientos contables de forma más rápida, siendo incluso de forma automática las que estén relacionadas al área de cobros y facturación.</a:t>
             </a:r>
           </a:p>
           <a:p>
             <a:pPr lvl="0"/>
             <a:r>
-              <a:rPr lang="es-SV" dirty="0"/>
+              <a:rPr lang="es-SV" dirty="0">
+                <a:latin typeface="Berlin Sans FB" pitchFamily="34" charset="0"/>
+              </a:rPr>
               <a:t>Disponibilidad de la información contable tanto de la farmacia como de la clínica médica, mejor control de la planilla de empleados en la institución.</a:t>
             </a:r>
           </a:p>
           <a:p>
             <a:pPr lvl="0"/>
             <a:r>
-              <a:rPr lang="es-SV" dirty="0"/>
+              <a:rPr lang="es-SV" dirty="0">
+                <a:latin typeface="Berlin Sans FB" pitchFamily="34" charset="0"/>
+              </a:rPr>
               <a:t>Registro de activo de la institución abarcando también el control del que se encuentra en el laboratorio clínico.</a:t>
             </a:r>
           </a:p>
           <a:p>
             <a:r>
-              <a:rPr lang="es-SV" dirty="0"/>
+              <a:rPr lang="es-SV" dirty="0">
+                <a:latin typeface="Berlin Sans FB" pitchFamily="34" charset="0"/>
+              </a:rPr>
               <a:t>Control del combustible gastado por la ambulancia cuando esta es usada para una emergencia.</a:t>
             </a:r>
           </a:p>
@@ -11375,27 +11860,35 @@
           <a:p>
             <a:pPr lvl="0"/>
             <a:r>
-              <a:rPr lang="es-SV" dirty="0"/>
+              <a:rPr lang="es-SV" dirty="0">
+                <a:latin typeface="Berlin Sans FB" pitchFamily="34" charset="0"/>
+              </a:rPr>
               <a:t>Formularios especializados para que se llenen con los datos de los exámenes y así en poder imprimir de mejor manera la información </a:t>
             </a:r>
           </a:p>
           <a:p>
             <a:pPr lvl="0"/>
             <a:r>
-              <a:rPr lang="es-SV" dirty="0"/>
+              <a:rPr lang="es-SV" dirty="0">
+                <a:latin typeface="Berlin Sans FB" pitchFamily="34" charset="0"/>
+              </a:rPr>
               <a:t>Eliminar el proceso de escribir a mano los exámenes.</a:t>
             </a:r>
           </a:p>
           <a:p>
             <a:pPr lvl="0"/>
             <a:r>
-              <a:rPr lang="es-SV" dirty="0"/>
+              <a:rPr lang="es-SV" dirty="0">
+                <a:latin typeface="Berlin Sans FB" pitchFamily="34" charset="0"/>
+              </a:rPr>
               <a:t>Inventario de insumos.</a:t>
             </a:r>
           </a:p>
           <a:p>
             <a:r>
-              <a:rPr lang="es-SV" dirty="0"/>
+              <a:rPr lang="es-SV" dirty="0">
+                <a:latin typeface="Berlin Sans FB" pitchFamily="34" charset="0"/>
+              </a:rPr>
               <a:t>Activo fijo pasará a ser responsabilidad de administración</a:t>
             </a:r>
           </a:p>
@@ -11632,20 +12125,26 @@
           <a:p>
             <a:pPr lvl="0"/>
             <a:r>
-              <a:rPr lang="es-SV" dirty="0"/>
+              <a:rPr lang="es-SV" dirty="0">
+                <a:latin typeface="Berlin Sans FB" pitchFamily="34" charset="0"/>
+              </a:rPr>
               <a:t>Formularios de petición de utensilios para cirugía.</a:t>
             </a:r>
           </a:p>
           <a:p>
             <a:pPr lvl="0"/>
             <a:r>
-              <a:rPr lang="es-SV" dirty="0"/>
+              <a:rPr lang="es-SV" dirty="0">
+                <a:latin typeface="Berlin Sans FB" pitchFamily="34" charset="0"/>
+              </a:rPr>
               <a:t>Control de pacientes hospitalizados. </a:t>
             </a:r>
           </a:p>
           <a:p>
             <a:r>
-              <a:rPr lang="es-SV" dirty="0"/>
+              <a:rPr lang="es-SV" dirty="0">
+                <a:latin typeface="Berlin Sans FB" pitchFamily="34" charset="0"/>
+              </a:rPr>
               <a:t>Registro de signos vitales en la parte de consulta médica</a:t>
             </a:r>
           </a:p>
@@ -11786,13 +12285,17 @@
           <a:p>
             <a:pPr lvl="0"/>
             <a:r>
-              <a:rPr lang="es-SV" dirty="0"/>
+              <a:rPr lang="es-SV" dirty="0">
+                <a:latin typeface="Berlin Sans FB" pitchFamily="34" charset="0"/>
+              </a:rPr>
               <a:t>Registro de síntomas, diagnóstico y receta de los pacientes.</a:t>
             </a:r>
           </a:p>
           <a:p>
             <a:r>
-              <a:rPr lang="es-SV" dirty="0"/>
+              <a:rPr lang="es-SV" dirty="0">
+                <a:latin typeface="Berlin Sans FB" pitchFamily="34" charset="0"/>
+              </a:rPr>
               <a:t>Programación de citas médicas.</a:t>
             </a:r>
           </a:p>
@@ -11933,35 +12436,45 @@
           <a:p>
             <a:pPr lvl="0"/>
             <a:r>
-              <a:rPr lang="es-SV" dirty="0"/>
+              <a:rPr lang="es-SV" dirty="0">
+                <a:latin typeface="Berlin Sans FB" pitchFamily="34" charset="0"/>
+              </a:rPr>
               <a:t>Registro de compras y ventas de medicamentos. </a:t>
             </a:r>
           </a:p>
           <a:p>
             <a:pPr lvl="0"/>
             <a:r>
-              <a:rPr lang="es-SV" dirty="0"/>
+              <a:rPr lang="es-SV" dirty="0">
+                <a:latin typeface="Berlin Sans FB" pitchFamily="34" charset="0"/>
+              </a:rPr>
               <a:t>Control de abastecimiento del botiquín de manera remota.</a:t>
             </a:r>
           </a:p>
           <a:p>
             <a:pPr lvl="0"/>
             <a:r>
-              <a:rPr lang="es-SV" dirty="0"/>
+              <a:rPr lang="es-SV" dirty="0">
+                <a:latin typeface="Berlin Sans FB" pitchFamily="34" charset="0"/>
+              </a:rPr>
               <a:t>Control de medicamentos cercanos a caducar.</a:t>
             </a:r>
           </a:p>
           <a:p>
             <a:pPr lvl="0"/>
             <a:r>
-              <a:rPr lang="es-SV" dirty="0"/>
+              <a:rPr lang="es-SV" dirty="0">
+                <a:latin typeface="Berlin Sans FB" pitchFamily="34" charset="0"/>
+              </a:rPr>
               <a:t>Notificación de cantidad de medicamentos disponibles.</a:t>
             </a:r>
           </a:p>
           <a:p>
             <a:pPr lvl="0"/>
             <a:r>
-              <a:rPr lang="es-SV" dirty="0"/>
+              <a:rPr lang="es-SV" dirty="0">
+                <a:latin typeface="Berlin Sans FB" pitchFamily="34" charset="0"/>
+              </a:rPr>
               <a:t>Registro de promociones.</a:t>
             </a:r>
           </a:p>
@@ -12102,14 +12615,18 @@
           <a:p>
             <a:pPr lvl="0"/>
             <a:r>
-              <a:rPr lang="es-SV" dirty="0"/>
+              <a:rPr lang="es-SV" dirty="0">
+                <a:latin typeface="Berlin Sans FB" pitchFamily="34" charset="0"/>
+              </a:rPr>
               <a:t>Centralizará la información de las diversas áreas</a:t>
             </a:r>
           </a:p>
           <a:p>
             <a:pPr lvl="0"/>
             <a:r>
-              <a:rPr lang="es-SV" dirty="0"/>
+              <a:rPr lang="es-SV" dirty="0">
+                <a:latin typeface="Berlin Sans FB" pitchFamily="34" charset="0"/>
+              </a:rPr>
               <a:t>Reducir el transporte que esta sección realiza para poder obtener los datos.</a:t>
             </a:r>
           </a:p>
@@ -12265,7 +12782,16 @@
                 </a:solidFill>
                 <a:latin typeface="Berlin Sans FB" pitchFamily="34" charset="0"/>
               </a:rPr>
-              <a:t>DESCRIPCIÓN DEL PROBLEMA</a:t>
+              <a:t>DESCRIPCIÓN DEL </a:t>
+            </a:r>
+            <a:r>
+              <a:rPr lang="es-SV" dirty="0" smtClean="0">
+                <a:solidFill>
+                  <a:srgbClr val="7030A0"/>
+                </a:solidFill>
+                <a:latin typeface="Berlin Sans FB" pitchFamily="34" charset="0"/>
+              </a:rPr>
+              <a:t>TEMA</a:t>
             </a:r>
             <a:endParaRPr lang="es-SV" dirty="0">
               <a:solidFill>
@@ -12719,10 +13245,5212 @@
           </a:p>
         </p:txBody>
       </p:sp>
+      <p:pic>
+        <p:nvPicPr>
+          <p:cNvPr id="4" name="Picture 3" descr="C:\Users\CRRuiz\Downloads\desktop.png"/>
+          <p:cNvPicPr>
+            <a:picLocks noChangeAspect="1" noChangeArrowheads="1"/>
+          </p:cNvPicPr>
+          <p:nvPr/>
+        </p:nvPicPr>
+        <p:blipFill>
+          <a:blip r:embed="rId2" cstate="print">
+            <a:extLst>
+              <a:ext uri="{28A0092B-C50C-407E-A947-70E740481C1C}">
+                <a14:useLocalDpi xmlns:a14="http://schemas.microsoft.com/office/drawing/2010/main" val="0"/>
+              </a:ext>
+            </a:extLst>
+          </a:blip>
+          <a:srcRect/>
+          <a:stretch>
+            <a:fillRect/>
+          </a:stretch>
+        </p:blipFill>
+        <p:spPr bwMode="auto">
+          <a:xfrm>
+            <a:off x="4250516" y="1340768"/>
+            <a:ext cx="1080000" cy="1080000"/>
+          </a:xfrm>
+          <a:prstGeom prst="rect">
+            <a:avLst/>
+          </a:prstGeom>
+          <a:noFill/>
+          <a:effectLst>
+            <a:outerShdw blurRad="50800" dist="38100" dir="2700000" algn="tl" rotWithShape="0">
+              <a:prstClr val="black">
+                <a:alpha val="40000"/>
+              </a:prstClr>
+            </a:outerShdw>
+          </a:effectLst>
+          <a:extLst>
+            <a:ext uri="{909E8E84-426E-40DD-AFC4-6F175D3DCCD1}">
+              <a14:hiddenFill xmlns:a14="http://schemas.microsoft.com/office/drawing/2010/main">
+                <a:solidFill>
+                  <a:srgbClr val="FFFFFF"/>
+                </a:solidFill>
+              </a14:hiddenFill>
+            </a:ext>
+          </a:extLst>
+        </p:spPr>
+      </p:pic>
+      <p:sp>
+        <p:nvSpPr>
+          <p:cNvPr id="5" name="4 CuadroTexto"/>
+          <p:cNvSpPr txBox="1"/>
+          <p:nvPr/>
+        </p:nvSpPr>
+        <p:spPr>
+          <a:xfrm>
+            <a:off x="3948189" y="2566645"/>
+            <a:ext cx="1617751" cy="646331"/>
+          </a:xfrm>
+          <a:prstGeom prst="rect">
+            <a:avLst/>
+          </a:prstGeom>
+          <a:noFill/>
+        </p:spPr>
+        <p:txBody>
+          <a:bodyPr wrap="none" rtlCol="0">
+            <a:spAutoFit/>
+          </a:bodyPr>
+          <a:lstStyle/>
+          <a:p>
+            <a:pPr algn="ctr"/>
+            <a:r>
+              <a:rPr lang="es-SV" dirty="0" smtClean="0">
+                <a:solidFill>
+                  <a:schemeClr val="accent4">
+                    <a:lumMod val="50000"/>
+                  </a:schemeClr>
+                </a:solidFill>
+                <a:latin typeface="Berlin Sans FB" pitchFamily="34" charset="0"/>
+              </a:rPr>
+              <a:t>Administración</a:t>
+            </a:r>
+          </a:p>
+          <a:p>
+            <a:pPr algn="ctr"/>
+            <a:r>
+              <a:rPr lang="es-SV" dirty="0" smtClean="0">
+                <a:solidFill>
+                  <a:schemeClr val="accent4">
+                    <a:lumMod val="50000"/>
+                  </a:schemeClr>
+                </a:solidFill>
+                <a:latin typeface="Berlin Sans FB" pitchFamily="34" charset="0"/>
+              </a:rPr>
+              <a:t>General</a:t>
+            </a:r>
+            <a:endParaRPr lang="es-SV" dirty="0">
+              <a:solidFill>
+                <a:schemeClr val="accent4">
+                  <a:lumMod val="50000"/>
+                </a:schemeClr>
+              </a:solidFill>
+              <a:latin typeface="Berlin Sans FB" pitchFamily="34" charset="0"/>
+            </a:endParaRPr>
+          </a:p>
+        </p:txBody>
+      </p:sp>
+      <p:pic>
+        <p:nvPicPr>
+          <p:cNvPr id="6" name="Picture 2" descr="C:\Users\CRRuiz\Downloads\database.png"/>
+          <p:cNvPicPr>
+            <a:picLocks noChangeAspect="1" noChangeArrowheads="1"/>
+          </p:cNvPicPr>
+          <p:nvPr/>
+        </p:nvPicPr>
+        <p:blipFill>
+          <a:blip r:embed="rId3" cstate="print">
+            <a:extLst>
+              <a:ext uri="{28A0092B-C50C-407E-A947-70E740481C1C}">
+                <a14:useLocalDpi xmlns:a14="http://schemas.microsoft.com/office/drawing/2010/main" val="0"/>
+              </a:ext>
+            </a:extLst>
+          </a:blip>
+          <a:srcRect/>
+          <a:stretch>
+            <a:fillRect/>
+          </a:stretch>
+        </p:blipFill>
+        <p:spPr bwMode="auto">
+          <a:xfrm>
+            <a:off x="1151602" y="3471960"/>
+            <a:ext cx="720000" cy="720000"/>
+          </a:xfrm>
+          <a:prstGeom prst="rect">
+            <a:avLst/>
+          </a:prstGeom>
+          <a:noFill/>
+          <a:effectLst>
+            <a:outerShdw blurRad="50800" dist="38100" dir="2700000" algn="tl" rotWithShape="0">
+              <a:prstClr val="black">
+                <a:alpha val="40000"/>
+              </a:prstClr>
+            </a:outerShdw>
+          </a:effectLst>
+          <a:extLst>
+            <a:ext uri="{909E8E84-426E-40DD-AFC4-6F175D3DCCD1}">
+              <a14:hiddenFill xmlns:a14="http://schemas.microsoft.com/office/drawing/2010/main">
+                <a:solidFill>
+                  <a:srgbClr val="FFFFFF"/>
+                </a:solidFill>
+              </a14:hiddenFill>
+            </a:ext>
+          </a:extLst>
+        </p:spPr>
+      </p:pic>
+      <p:sp>
+        <p:nvSpPr>
+          <p:cNvPr id="7" name="6 CuadroTexto"/>
+          <p:cNvSpPr txBox="1"/>
+          <p:nvPr/>
+        </p:nvSpPr>
+        <p:spPr>
+          <a:xfrm>
+            <a:off x="799708" y="4294837"/>
+            <a:ext cx="1423788" cy="646331"/>
+          </a:xfrm>
+          <a:prstGeom prst="rect">
+            <a:avLst/>
+          </a:prstGeom>
+          <a:noFill/>
+        </p:spPr>
+        <p:txBody>
+          <a:bodyPr wrap="none" rtlCol="0">
+            <a:spAutoFit/>
+          </a:bodyPr>
+          <a:lstStyle/>
+          <a:p>
+            <a:pPr algn="ctr"/>
+            <a:r>
+              <a:rPr lang="es-SV" dirty="0" smtClean="0">
+                <a:solidFill>
+                  <a:schemeClr val="accent4">
+                    <a:lumMod val="50000"/>
+                  </a:schemeClr>
+                </a:solidFill>
+                <a:latin typeface="Berlin Sans FB" pitchFamily="34" charset="0"/>
+              </a:rPr>
+              <a:t>Migración de</a:t>
+            </a:r>
+          </a:p>
+          <a:p>
+            <a:pPr algn="ctr"/>
+            <a:r>
+              <a:rPr lang="es-SV" dirty="0" smtClean="0">
+                <a:solidFill>
+                  <a:schemeClr val="accent4">
+                    <a:lumMod val="50000"/>
+                  </a:schemeClr>
+                </a:solidFill>
+                <a:latin typeface="Berlin Sans FB" pitchFamily="34" charset="0"/>
+              </a:rPr>
+              <a:t>datos</a:t>
+            </a:r>
+            <a:endParaRPr lang="es-SV" dirty="0">
+              <a:solidFill>
+                <a:schemeClr val="accent4">
+                  <a:lumMod val="50000"/>
+                </a:schemeClr>
+              </a:solidFill>
+              <a:latin typeface="Berlin Sans FB" pitchFamily="34" charset="0"/>
+            </a:endParaRPr>
+          </a:p>
+        </p:txBody>
+      </p:sp>
+      <p:pic>
+        <p:nvPicPr>
+          <p:cNvPr id="8" name="Picture 15" descr="C:\Users\CRRuiz\Downloads\users.png"/>
+          <p:cNvPicPr>
+            <a:picLocks noChangeAspect="1" noChangeArrowheads="1"/>
+          </p:cNvPicPr>
+          <p:nvPr/>
+        </p:nvPicPr>
+        <p:blipFill>
+          <a:blip r:embed="rId4" cstate="print">
+            <a:extLst>
+              <a:ext uri="{28A0092B-C50C-407E-A947-70E740481C1C}">
+                <a14:useLocalDpi xmlns:a14="http://schemas.microsoft.com/office/drawing/2010/main" val="0"/>
+              </a:ext>
+            </a:extLst>
+          </a:blip>
+          <a:srcRect/>
+          <a:stretch>
+            <a:fillRect/>
+          </a:stretch>
+        </p:blipFill>
+        <p:spPr bwMode="auto">
+          <a:xfrm>
+            <a:off x="2867944" y="3471960"/>
+            <a:ext cx="720000" cy="720000"/>
+          </a:xfrm>
+          <a:prstGeom prst="rect">
+            <a:avLst/>
+          </a:prstGeom>
+          <a:noFill/>
+          <a:effectLst>
+            <a:outerShdw blurRad="50800" dist="38100" dir="2700000" algn="tl" rotWithShape="0">
+              <a:prstClr val="black">
+                <a:alpha val="40000"/>
+              </a:prstClr>
+            </a:outerShdw>
+          </a:effectLst>
+          <a:extLst>
+            <a:ext uri="{909E8E84-426E-40DD-AFC4-6F175D3DCCD1}">
+              <a14:hiddenFill xmlns:a14="http://schemas.microsoft.com/office/drawing/2010/main">
+                <a:solidFill>
+                  <a:srgbClr val="FFFFFF"/>
+                </a:solidFill>
+              </a14:hiddenFill>
+            </a:ext>
+          </a:extLst>
+        </p:spPr>
+      </p:pic>
+      <p:sp>
+        <p:nvSpPr>
+          <p:cNvPr id="9" name="8 CuadroTexto"/>
+          <p:cNvSpPr txBox="1"/>
+          <p:nvPr/>
+        </p:nvSpPr>
+        <p:spPr>
+          <a:xfrm>
+            <a:off x="2674748" y="4294837"/>
+            <a:ext cx="1106393" cy="646331"/>
+          </a:xfrm>
+          <a:prstGeom prst="rect">
+            <a:avLst/>
+          </a:prstGeom>
+          <a:noFill/>
+        </p:spPr>
+        <p:txBody>
+          <a:bodyPr wrap="none" rtlCol="0">
+            <a:spAutoFit/>
+          </a:bodyPr>
+          <a:lstStyle/>
+          <a:p>
+            <a:pPr algn="ctr"/>
+            <a:r>
+              <a:rPr lang="es-SV" dirty="0" smtClean="0">
+                <a:solidFill>
+                  <a:schemeClr val="accent4">
+                    <a:lumMod val="50000"/>
+                  </a:schemeClr>
+                </a:solidFill>
+                <a:latin typeface="Berlin Sans FB" pitchFamily="34" charset="0"/>
+              </a:rPr>
+              <a:t>Recursos</a:t>
+            </a:r>
+          </a:p>
+          <a:p>
+            <a:pPr algn="ctr"/>
+            <a:r>
+              <a:rPr lang="es-SV" dirty="0" smtClean="0">
+                <a:solidFill>
+                  <a:schemeClr val="accent4">
+                    <a:lumMod val="50000"/>
+                  </a:schemeClr>
+                </a:solidFill>
+                <a:latin typeface="Berlin Sans FB" pitchFamily="34" charset="0"/>
+              </a:rPr>
+              <a:t>Humanos</a:t>
+            </a:r>
+            <a:endParaRPr lang="es-SV" dirty="0">
+              <a:solidFill>
+                <a:schemeClr val="accent4">
+                  <a:lumMod val="50000"/>
+                </a:schemeClr>
+              </a:solidFill>
+              <a:latin typeface="Berlin Sans FB" pitchFamily="34" charset="0"/>
+            </a:endParaRPr>
+          </a:p>
+        </p:txBody>
+      </p:sp>
+      <p:pic>
+        <p:nvPicPr>
+          <p:cNvPr id="10" name="Picture 14" descr="C:\Users\CRRuiz\Downloads\graph.png"/>
+          <p:cNvPicPr>
+            <a:picLocks noChangeAspect="1" noChangeArrowheads="1"/>
+          </p:cNvPicPr>
+          <p:nvPr/>
+        </p:nvPicPr>
+        <p:blipFill>
+          <a:blip r:embed="rId5" cstate="print">
+            <a:extLst>
+              <a:ext uri="{28A0092B-C50C-407E-A947-70E740481C1C}">
+                <a14:useLocalDpi xmlns:a14="http://schemas.microsoft.com/office/drawing/2010/main" val="0"/>
+              </a:ext>
+            </a:extLst>
+          </a:blip>
+          <a:srcRect/>
+          <a:stretch>
+            <a:fillRect/>
+          </a:stretch>
+        </p:blipFill>
+        <p:spPr bwMode="auto">
+          <a:xfrm>
+            <a:off x="4430516" y="3471960"/>
+            <a:ext cx="720000" cy="720000"/>
+          </a:xfrm>
+          <a:prstGeom prst="rect">
+            <a:avLst/>
+          </a:prstGeom>
+          <a:noFill/>
+          <a:effectLst>
+            <a:outerShdw blurRad="50800" dist="38100" dir="2700000" algn="tl" rotWithShape="0">
+              <a:prstClr val="black">
+                <a:alpha val="40000"/>
+              </a:prstClr>
+            </a:outerShdw>
+          </a:effectLst>
+          <a:extLst>
+            <a:ext uri="{909E8E84-426E-40DD-AFC4-6F175D3DCCD1}">
+              <a14:hiddenFill xmlns:a14="http://schemas.microsoft.com/office/drawing/2010/main">
+                <a:solidFill>
+                  <a:srgbClr val="FFFFFF"/>
+                </a:solidFill>
+              </a14:hiddenFill>
+            </a:ext>
+          </a:extLst>
+        </p:spPr>
+      </p:pic>
+      <p:pic>
+        <p:nvPicPr>
+          <p:cNvPr id="11" name="Picture 20" descr="C:\Users\CRRuiz\Downloads\bookshelf.png"/>
+          <p:cNvPicPr>
+            <a:picLocks noChangeAspect="1" noChangeArrowheads="1"/>
+          </p:cNvPicPr>
+          <p:nvPr/>
+        </p:nvPicPr>
+        <p:blipFill>
+          <a:blip r:embed="rId6" cstate="print">
+            <a:extLst>
+              <a:ext uri="{28A0092B-C50C-407E-A947-70E740481C1C}">
+                <a14:useLocalDpi xmlns:a14="http://schemas.microsoft.com/office/drawing/2010/main" val="0"/>
+              </a:ext>
+            </a:extLst>
+          </a:blip>
+          <a:srcRect/>
+          <a:stretch>
+            <a:fillRect/>
+          </a:stretch>
+        </p:blipFill>
+        <p:spPr bwMode="auto">
+          <a:xfrm>
+            <a:off x="6156176" y="3471960"/>
+            <a:ext cx="720000" cy="720000"/>
+          </a:xfrm>
+          <a:prstGeom prst="rect">
+            <a:avLst/>
+          </a:prstGeom>
+          <a:noFill/>
+          <a:effectLst>
+            <a:outerShdw blurRad="50800" dist="38100" dir="2700000" algn="tl" rotWithShape="0">
+              <a:prstClr val="black">
+                <a:alpha val="40000"/>
+              </a:prstClr>
+            </a:outerShdw>
+          </a:effectLst>
+          <a:extLst>
+            <a:ext uri="{909E8E84-426E-40DD-AFC4-6F175D3DCCD1}">
+              <a14:hiddenFill xmlns:a14="http://schemas.microsoft.com/office/drawing/2010/main">
+                <a:solidFill>
+                  <a:srgbClr val="FFFFFF"/>
+                </a:solidFill>
+              </a14:hiddenFill>
+            </a:ext>
+          </a:extLst>
+        </p:spPr>
+      </p:pic>
+      <p:sp>
+        <p:nvSpPr>
+          <p:cNvPr id="12" name="11 CuadroTexto"/>
+          <p:cNvSpPr txBox="1"/>
+          <p:nvPr/>
+        </p:nvSpPr>
+        <p:spPr>
+          <a:xfrm>
+            <a:off x="4060618" y="4433336"/>
+            <a:ext cx="1433406" cy="369332"/>
+          </a:xfrm>
+          <a:prstGeom prst="rect">
+            <a:avLst/>
+          </a:prstGeom>
+          <a:noFill/>
+        </p:spPr>
+        <p:txBody>
+          <a:bodyPr wrap="none" rtlCol="0">
+            <a:spAutoFit/>
+          </a:bodyPr>
+          <a:lstStyle/>
+          <a:p>
+            <a:pPr algn="ctr"/>
+            <a:r>
+              <a:rPr lang="es-SV" dirty="0" smtClean="0">
+                <a:solidFill>
+                  <a:schemeClr val="accent4">
+                    <a:lumMod val="50000"/>
+                  </a:schemeClr>
+                </a:solidFill>
+                <a:latin typeface="Berlin Sans FB" pitchFamily="34" charset="0"/>
+              </a:rPr>
+              <a:t>Contabilidad</a:t>
+            </a:r>
+            <a:endParaRPr lang="es-SV" dirty="0">
+              <a:solidFill>
+                <a:schemeClr val="accent4">
+                  <a:lumMod val="50000"/>
+                </a:schemeClr>
+              </a:solidFill>
+              <a:latin typeface="Berlin Sans FB" pitchFamily="34" charset="0"/>
+            </a:endParaRPr>
+          </a:p>
+        </p:txBody>
+      </p:sp>
+      <p:sp>
+        <p:nvSpPr>
+          <p:cNvPr id="13" name="12 CuadroTexto"/>
+          <p:cNvSpPr txBox="1"/>
+          <p:nvPr/>
+        </p:nvSpPr>
+        <p:spPr>
+          <a:xfrm>
+            <a:off x="5917297" y="4433336"/>
+            <a:ext cx="1197764" cy="369332"/>
+          </a:xfrm>
+          <a:prstGeom prst="rect">
+            <a:avLst/>
+          </a:prstGeom>
+          <a:noFill/>
+        </p:spPr>
+        <p:txBody>
+          <a:bodyPr wrap="none" rtlCol="0">
+            <a:spAutoFit/>
+          </a:bodyPr>
+          <a:lstStyle/>
+          <a:p>
+            <a:pPr algn="ctr"/>
+            <a:r>
+              <a:rPr lang="es-SV" dirty="0" smtClean="0">
+                <a:solidFill>
+                  <a:schemeClr val="accent4">
+                    <a:lumMod val="50000"/>
+                  </a:schemeClr>
+                </a:solidFill>
+                <a:latin typeface="Berlin Sans FB" pitchFamily="34" charset="0"/>
+              </a:rPr>
+              <a:t>Activo Fijo</a:t>
+            </a:r>
+            <a:endParaRPr lang="es-SV" dirty="0">
+              <a:solidFill>
+                <a:schemeClr val="accent4">
+                  <a:lumMod val="50000"/>
+                </a:schemeClr>
+              </a:solidFill>
+              <a:latin typeface="Berlin Sans FB" pitchFamily="34" charset="0"/>
+            </a:endParaRPr>
+          </a:p>
+        </p:txBody>
+      </p:sp>
+      <p:pic>
+        <p:nvPicPr>
+          <p:cNvPr id="1026" name="Picture 2" descr="C:\Users\CRRuiz\Downloads\piggy-bank.png"/>
+          <p:cNvPicPr>
+            <a:picLocks noChangeAspect="1" noChangeArrowheads="1"/>
+          </p:cNvPicPr>
+          <p:nvPr/>
+        </p:nvPicPr>
+        <p:blipFill>
+          <a:blip r:embed="rId7" cstate="print">
+            <a:extLst>
+              <a:ext uri="{28A0092B-C50C-407E-A947-70E740481C1C}">
+                <a14:useLocalDpi xmlns:a14="http://schemas.microsoft.com/office/drawing/2010/main" val="0"/>
+              </a:ext>
+            </a:extLst>
+          </a:blip>
+          <a:srcRect/>
+          <a:stretch>
+            <a:fillRect/>
+          </a:stretch>
+        </p:blipFill>
+        <p:spPr bwMode="auto">
+          <a:xfrm>
+            <a:off x="7596336" y="3471960"/>
+            <a:ext cx="720000" cy="720000"/>
+          </a:xfrm>
+          <a:prstGeom prst="rect">
+            <a:avLst/>
+          </a:prstGeom>
+          <a:noFill/>
+          <a:effectLst>
+            <a:outerShdw blurRad="50800" dist="38100" dir="2700000" algn="tl" rotWithShape="0">
+              <a:prstClr val="black">
+                <a:alpha val="40000"/>
+              </a:prstClr>
+            </a:outerShdw>
+          </a:effectLst>
+          <a:extLst>
+            <a:ext uri="{909E8E84-426E-40DD-AFC4-6F175D3DCCD1}">
+              <a14:hiddenFill xmlns:a14="http://schemas.microsoft.com/office/drawing/2010/main">
+                <a:solidFill>
+                  <a:srgbClr val="FFFFFF"/>
+                </a:solidFill>
+              </a14:hiddenFill>
+            </a:ext>
+          </a:extLst>
+        </p:spPr>
+      </p:pic>
+      <p:sp>
+        <p:nvSpPr>
+          <p:cNvPr id="18" name="17 CuadroTexto"/>
+          <p:cNvSpPr txBox="1"/>
+          <p:nvPr/>
+        </p:nvSpPr>
+        <p:spPr>
+          <a:xfrm>
+            <a:off x="7373485" y="4294837"/>
+            <a:ext cx="1165705" cy="646331"/>
+          </a:xfrm>
+          <a:prstGeom prst="rect">
+            <a:avLst/>
+          </a:prstGeom>
+          <a:noFill/>
+        </p:spPr>
+        <p:txBody>
+          <a:bodyPr wrap="none" rtlCol="0">
+            <a:spAutoFit/>
+          </a:bodyPr>
+          <a:lstStyle/>
+          <a:p>
+            <a:pPr algn="ctr"/>
+            <a:r>
+              <a:rPr lang="es-SV" dirty="0" smtClean="0">
+                <a:solidFill>
+                  <a:schemeClr val="accent4">
+                    <a:lumMod val="50000"/>
+                  </a:schemeClr>
+                </a:solidFill>
+                <a:latin typeface="Berlin Sans FB" pitchFamily="34" charset="0"/>
+              </a:rPr>
+              <a:t>Cuentas</a:t>
+            </a:r>
+          </a:p>
+          <a:p>
+            <a:pPr algn="ctr"/>
+            <a:r>
+              <a:rPr lang="es-SV" dirty="0" smtClean="0">
+                <a:solidFill>
+                  <a:schemeClr val="accent4">
+                    <a:lumMod val="50000"/>
+                  </a:schemeClr>
+                </a:solidFill>
+                <a:latin typeface="Berlin Sans FB" pitchFamily="34" charset="0"/>
+              </a:rPr>
+              <a:t>Por pagar</a:t>
+            </a:r>
+            <a:endParaRPr lang="es-SV" dirty="0">
+              <a:solidFill>
+                <a:schemeClr val="accent4">
+                  <a:lumMod val="50000"/>
+                </a:schemeClr>
+              </a:solidFill>
+              <a:latin typeface="Berlin Sans FB" pitchFamily="34" charset="0"/>
+            </a:endParaRPr>
+          </a:p>
+        </p:txBody>
+      </p:sp>
+      <p:pic>
+        <p:nvPicPr>
+          <p:cNvPr id="1027" name="Picture 3" descr="C:\Users\CRRuiz\Downloads\trolley.png"/>
+          <p:cNvPicPr>
+            <a:picLocks noChangeAspect="1" noChangeArrowheads="1"/>
+          </p:cNvPicPr>
+          <p:nvPr/>
+        </p:nvPicPr>
+        <p:blipFill>
+          <a:blip r:embed="rId8" cstate="print">
+            <a:extLst>
+              <a:ext uri="{28A0092B-C50C-407E-A947-70E740481C1C}">
+                <a14:useLocalDpi xmlns:a14="http://schemas.microsoft.com/office/drawing/2010/main" val="0"/>
+              </a:ext>
+            </a:extLst>
+          </a:blip>
+          <a:srcRect/>
+          <a:stretch>
+            <a:fillRect/>
+          </a:stretch>
+        </p:blipFill>
+        <p:spPr bwMode="auto">
+          <a:xfrm>
+            <a:off x="1151602" y="5162668"/>
+            <a:ext cx="720000" cy="720000"/>
+          </a:xfrm>
+          <a:prstGeom prst="rect">
+            <a:avLst/>
+          </a:prstGeom>
+          <a:noFill/>
+          <a:effectLst>
+            <a:outerShdw blurRad="50800" dist="38100" dir="2700000" algn="tl" rotWithShape="0">
+              <a:prstClr val="black">
+                <a:alpha val="40000"/>
+              </a:prstClr>
+            </a:outerShdw>
+          </a:effectLst>
+          <a:extLst>
+            <a:ext uri="{909E8E84-426E-40DD-AFC4-6F175D3DCCD1}">
+              <a14:hiddenFill xmlns:a14="http://schemas.microsoft.com/office/drawing/2010/main">
+                <a:solidFill>
+                  <a:srgbClr val="FFFFFF"/>
+                </a:solidFill>
+              </a14:hiddenFill>
+            </a:ext>
+          </a:extLst>
+        </p:spPr>
+      </p:pic>
+      <p:sp>
+        <p:nvSpPr>
+          <p:cNvPr id="20" name="19 CuadroTexto"/>
+          <p:cNvSpPr txBox="1"/>
+          <p:nvPr/>
+        </p:nvSpPr>
+        <p:spPr>
+          <a:xfrm>
+            <a:off x="828562" y="6083835"/>
+            <a:ext cx="1366080" cy="369332"/>
+          </a:xfrm>
+          <a:prstGeom prst="rect">
+            <a:avLst/>
+          </a:prstGeom>
+          <a:noFill/>
+        </p:spPr>
+        <p:txBody>
+          <a:bodyPr wrap="none" rtlCol="0">
+            <a:spAutoFit/>
+          </a:bodyPr>
+          <a:lstStyle/>
+          <a:p>
+            <a:pPr algn="ctr"/>
+            <a:r>
+              <a:rPr lang="es-SV" dirty="0" smtClean="0">
+                <a:solidFill>
+                  <a:schemeClr val="accent4">
+                    <a:lumMod val="50000"/>
+                  </a:schemeClr>
+                </a:solidFill>
+                <a:latin typeface="Berlin Sans FB" pitchFamily="34" charset="0"/>
+              </a:rPr>
+              <a:t>Proveedores</a:t>
+            </a:r>
+            <a:endParaRPr lang="es-SV" dirty="0">
+              <a:solidFill>
+                <a:schemeClr val="accent4">
+                  <a:lumMod val="50000"/>
+                </a:schemeClr>
+              </a:solidFill>
+              <a:latin typeface="Berlin Sans FB" pitchFamily="34" charset="0"/>
+            </a:endParaRPr>
+          </a:p>
+        </p:txBody>
+      </p:sp>
+      <p:pic>
+        <p:nvPicPr>
+          <p:cNvPr id="21" name="Picture 6" descr="C:\Users\CRRuiz\Downloads\placeholder (1).png"/>
+          <p:cNvPicPr>
+            <a:picLocks noChangeAspect="1" noChangeArrowheads="1"/>
+          </p:cNvPicPr>
+          <p:nvPr/>
+        </p:nvPicPr>
+        <p:blipFill>
+          <a:blip r:embed="rId9" cstate="print">
+            <a:extLst>
+              <a:ext uri="{28A0092B-C50C-407E-A947-70E740481C1C}">
+                <a14:useLocalDpi xmlns:a14="http://schemas.microsoft.com/office/drawing/2010/main" val="0"/>
+              </a:ext>
+            </a:extLst>
+          </a:blip>
+          <a:srcRect/>
+          <a:stretch>
+            <a:fillRect/>
+          </a:stretch>
+        </p:blipFill>
+        <p:spPr bwMode="auto">
+          <a:xfrm>
+            <a:off x="2860757" y="5162668"/>
+            <a:ext cx="720000" cy="720000"/>
+          </a:xfrm>
+          <a:prstGeom prst="rect">
+            <a:avLst/>
+          </a:prstGeom>
+          <a:noFill/>
+          <a:effectLst>
+            <a:outerShdw blurRad="50800" dist="38100" dir="2700000" algn="tl" rotWithShape="0">
+              <a:prstClr val="black">
+                <a:alpha val="40000"/>
+              </a:prstClr>
+            </a:outerShdw>
+          </a:effectLst>
+          <a:extLst>
+            <a:ext uri="{909E8E84-426E-40DD-AFC4-6F175D3DCCD1}">
+              <a14:hiddenFill xmlns:a14="http://schemas.microsoft.com/office/drawing/2010/main">
+                <a:solidFill>
+                  <a:srgbClr val="FFFFFF"/>
+                </a:solidFill>
+              </a14:hiddenFill>
+            </a:ext>
+          </a:extLst>
+        </p:spPr>
+      </p:pic>
+      <p:sp>
+        <p:nvSpPr>
+          <p:cNvPr id="22" name="21 CuadroTexto"/>
+          <p:cNvSpPr txBox="1"/>
+          <p:nvPr/>
+        </p:nvSpPr>
+        <p:spPr>
+          <a:xfrm>
+            <a:off x="2570581" y="6090081"/>
+            <a:ext cx="1300356" cy="369332"/>
+          </a:xfrm>
+          <a:prstGeom prst="rect">
+            <a:avLst/>
+          </a:prstGeom>
+          <a:noFill/>
+        </p:spPr>
+        <p:txBody>
+          <a:bodyPr wrap="none" rtlCol="0">
+            <a:spAutoFit/>
+          </a:bodyPr>
+          <a:lstStyle/>
+          <a:p>
+            <a:pPr algn="ctr"/>
+            <a:r>
+              <a:rPr lang="es-SV" dirty="0" smtClean="0">
+                <a:solidFill>
+                  <a:schemeClr val="accent4">
+                    <a:lumMod val="50000"/>
+                  </a:schemeClr>
+                </a:solidFill>
+                <a:latin typeface="Berlin Sans FB" pitchFamily="34" charset="0"/>
+              </a:rPr>
+              <a:t>Ubicaciones</a:t>
+            </a:r>
+            <a:endParaRPr lang="es-SV" dirty="0">
+              <a:solidFill>
+                <a:schemeClr val="accent4">
+                  <a:lumMod val="50000"/>
+                </a:schemeClr>
+              </a:solidFill>
+              <a:latin typeface="Berlin Sans FB" pitchFamily="34" charset="0"/>
+            </a:endParaRPr>
+          </a:p>
+        </p:txBody>
+      </p:sp>
+      <p:pic>
+        <p:nvPicPr>
+          <p:cNvPr id="1028" name="Picture 4" descr="C:\Users\CRRuiz\Downloads\documentation.png"/>
+          <p:cNvPicPr>
+            <a:picLocks noChangeAspect="1" noChangeArrowheads="1"/>
+          </p:cNvPicPr>
+          <p:nvPr/>
+        </p:nvPicPr>
+        <p:blipFill>
+          <a:blip r:embed="rId10" cstate="print">
+            <a:extLst>
+              <a:ext uri="{28A0092B-C50C-407E-A947-70E740481C1C}">
+                <a14:useLocalDpi xmlns:a14="http://schemas.microsoft.com/office/drawing/2010/main" val="0"/>
+              </a:ext>
+            </a:extLst>
+          </a:blip>
+          <a:srcRect/>
+          <a:stretch>
+            <a:fillRect/>
+          </a:stretch>
+        </p:blipFill>
+        <p:spPr bwMode="auto">
+          <a:xfrm>
+            <a:off x="4430516" y="5185415"/>
+            <a:ext cx="720000" cy="720000"/>
+          </a:xfrm>
+          <a:prstGeom prst="rect">
+            <a:avLst/>
+          </a:prstGeom>
+          <a:noFill/>
+          <a:effectLst>
+            <a:outerShdw blurRad="50800" dist="38100" dir="2700000" algn="tl" rotWithShape="0">
+              <a:prstClr val="black">
+                <a:alpha val="40000"/>
+              </a:prstClr>
+            </a:outerShdw>
+          </a:effectLst>
+          <a:extLst>
+            <a:ext uri="{909E8E84-426E-40DD-AFC4-6F175D3DCCD1}">
+              <a14:hiddenFill xmlns:a14="http://schemas.microsoft.com/office/drawing/2010/main">
+                <a:solidFill>
+                  <a:srgbClr val="FFFFFF"/>
+                </a:solidFill>
+              </a14:hiddenFill>
+            </a:ext>
+          </a:extLst>
+        </p:spPr>
+      </p:pic>
+      <p:sp>
+        <p:nvSpPr>
+          <p:cNvPr id="24" name="23 CuadroTexto"/>
+          <p:cNvSpPr txBox="1"/>
+          <p:nvPr/>
+        </p:nvSpPr>
+        <p:spPr>
+          <a:xfrm>
+            <a:off x="4120004" y="6083835"/>
+            <a:ext cx="1370888" cy="369332"/>
+          </a:xfrm>
+          <a:prstGeom prst="rect">
+            <a:avLst/>
+          </a:prstGeom>
+          <a:noFill/>
+        </p:spPr>
+        <p:txBody>
+          <a:bodyPr wrap="none" rtlCol="0">
+            <a:spAutoFit/>
+          </a:bodyPr>
+          <a:lstStyle/>
+          <a:p>
+            <a:pPr algn="ctr"/>
+            <a:r>
+              <a:rPr lang="es-SV" dirty="0" smtClean="0">
+                <a:solidFill>
+                  <a:schemeClr val="accent4">
+                    <a:lumMod val="50000"/>
+                  </a:schemeClr>
+                </a:solidFill>
+                <a:latin typeface="Berlin Sans FB" pitchFamily="34" charset="0"/>
+              </a:rPr>
+              <a:t>Documentos</a:t>
+            </a:r>
+            <a:endParaRPr lang="es-SV" dirty="0">
+              <a:solidFill>
+                <a:schemeClr val="accent4">
+                  <a:lumMod val="50000"/>
+                </a:schemeClr>
+              </a:solidFill>
+              <a:latin typeface="Berlin Sans FB" pitchFamily="34" charset="0"/>
+            </a:endParaRPr>
+          </a:p>
+        </p:txBody>
+      </p:sp>
+      <p:pic>
+        <p:nvPicPr>
+          <p:cNvPr id="25" name="Picture 3" descr="C:\Users\CRRuiz\Downloads\hospital (1).png"/>
+          <p:cNvPicPr>
+            <a:picLocks noChangeAspect="1" noChangeArrowheads="1"/>
+          </p:cNvPicPr>
+          <p:nvPr/>
+        </p:nvPicPr>
+        <p:blipFill>
+          <a:blip r:embed="rId11" cstate="print">
+            <a:extLst>
+              <a:ext uri="{28A0092B-C50C-407E-A947-70E740481C1C}">
+                <a14:useLocalDpi xmlns:a14="http://schemas.microsoft.com/office/drawing/2010/main" val="0"/>
+              </a:ext>
+            </a:extLst>
+          </a:blip>
+          <a:srcRect/>
+          <a:stretch>
+            <a:fillRect/>
+          </a:stretch>
+        </p:blipFill>
+        <p:spPr bwMode="auto">
+          <a:xfrm>
+            <a:off x="6156176" y="5162668"/>
+            <a:ext cx="720000" cy="720000"/>
+          </a:xfrm>
+          <a:prstGeom prst="rect">
+            <a:avLst/>
+          </a:prstGeom>
+          <a:noFill/>
+          <a:effectLst>
+            <a:outerShdw blurRad="50800" dist="38100" dir="2700000" algn="tl" rotWithShape="0">
+              <a:prstClr val="black">
+                <a:alpha val="40000"/>
+              </a:prstClr>
+            </a:outerShdw>
+          </a:effectLst>
+          <a:extLst>
+            <a:ext uri="{909E8E84-426E-40DD-AFC4-6F175D3DCCD1}">
+              <a14:hiddenFill xmlns:a14="http://schemas.microsoft.com/office/drawing/2010/main">
+                <a:solidFill>
+                  <a:srgbClr val="FFFFFF"/>
+                </a:solidFill>
+              </a14:hiddenFill>
+            </a:ext>
+          </a:extLst>
+        </p:spPr>
+      </p:pic>
+      <p:sp>
+        <p:nvSpPr>
+          <p:cNvPr id="26" name="25 CuadroTexto"/>
+          <p:cNvSpPr txBox="1"/>
+          <p:nvPr/>
+        </p:nvSpPr>
+        <p:spPr>
+          <a:xfrm>
+            <a:off x="5944550" y="6083835"/>
+            <a:ext cx="1143262" cy="369332"/>
+          </a:xfrm>
+          <a:prstGeom prst="rect">
+            <a:avLst/>
+          </a:prstGeom>
+          <a:noFill/>
+        </p:spPr>
+        <p:txBody>
+          <a:bodyPr wrap="none" rtlCol="0">
+            <a:spAutoFit/>
+          </a:bodyPr>
+          <a:lstStyle/>
+          <a:p>
+            <a:pPr algn="ctr"/>
+            <a:r>
+              <a:rPr lang="es-SV" dirty="0" smtClean="0">
+                <a:solidFill>
+                  <a:schemeClr val="accent4">
+                    <a:lumMod val="50000"/>
+                  </a:schemeClr>
+                </a:solidFill>
+                <a:latin typeface="Berlin Sans FB" pitchFamily="34" charset="0"/>
+              </a:rPr>
+              <a:t>Sucursales</a:t>
+            </a:r>
+            <a:endParaRPr lang="es-SV" dirty="0">
+              <a:solidFill>
+                <a:schemeClr val="accent4">
+                  <a:lumMod val="50000"/>
+                </a:schemeClr>
+              </a:solidFill>
+              <a:latin typeface="Berlin Sans FB" pitchFamily="34" charset="0"/>
+            </a:endParaRPr>
+          </a:p>
+        </p:txBody>
+      </p:sp>
+      <p:pic>
+        <p:nvPicPr>
+          <p:cNvPr id="1029" name="Picture 5" descr="C:\Users\CRRuiz\Downloads\locked.png"/>
+          <p:cNvPicPr>
+            <a:picLocks noChangeAspect="1" noChangeArrowheads="1"/>
+          </p:cNvPicPr>
+          <p:nvPr/>
+        </p:nvPicPr>
+        <p:blipFill>
+          <a:blip r:embed="rId12" cstate="print">
+            <a:extLst>
+              <a:ext uri="{28A0092B-C50C-407E-A947-70E740481C1C}">
+                <a14:useLocalDpi xmlns:a14="http://schemas.microsoft.com/office/drawing/2010/main" val="0"/>
+              </a:ext>
+            </a:extLst>
+          </a:blip>
+          <a:srcRect/>
+          <a:stretch>
+            <a:fillRect/>
+          </a:stretch>
+        </p:blipFill>
+        <p:spPr bwMode="auto">
+          <a:xfrm>
+            <a:off x="7326336" y="5185415"/>
+            <a:ext cx="540000" cy="540000"/>
+          </a:xfrm>
+          <a:prstGeom prst="rect">
+            <a:avLst/>
+          </a:prstGeom>
+          <a:noFill/>
+          <a:effectLst>
+            <a:outerShdw blurRad="50800" dist="38100" dir="2700000" algn="tl" rotWithShape="0">
+              <a:prstClr val="black">
+                <a:alpha val="40000"/>
+              </a:prstClr>
+            </a:outerShdw>
+          </a:effectLst>
+          <a:extLst>
+            <a:ext uri="{909E8E84-426E-40DD-AFC4-6F175D3DCCD1}">
+              <a14:hiddenFill xmlns:a14="http://schemas.microsoft.com/office/drawing/2010/main">
+                <a:solidFill>
+                  <a:srgbClr val="FFFFFF"/>
+                </a:solidFill>
+              </a14:hiddenFill>
+            </a:ext>
+          </a:extLst>
+        </p:spPr>
+      </p:pic>
+      <p:pic>
+        <p:nvPicPr>
+          <p:cNvPr id="28" name="Picture 3" descr="C:\Users\CRRuiz\Downloads\question (1).png"/>
+          <p:cNvPicPr>
+            <a:picLocks noChangeAspect="1" noChangeArrowheads="1"/>
+          </p:cNvPicPr>
+          <p:nvPr/>
+        </p:nvPicPr>
+        <p:blipFill>
+          <a:blip r:embed="rId13" cstate="print">
+            <a:extLst>
+              <a:ext uri="{28A0092B-C50C-407E-A947-70E740481C1C}">
+                <a14:useLocalDpi xmlns:a14="http://schemas.microsoft.com/office/drawing/2010/main" val="0"/>
+              </a:ext>
+            </a:extLst>
+          </a:blip>
+          <a:srcRect/>
+          <a:stretch>
+            <a:fillRect/>
+          </a:stretch>
+        </p:blipFill>
+        <p:spPr bwMode="auto">
+          <a:xfrm>
+            <a:off x="7912965" y="5394341"/>
+            <a:ext cx="540000" cy="540000"/>
+          </a:xfrm>
+          <a:prstGeom prst="rect">
+            <a:avLst/>
+          </a:prstGeom>
+          <a:noFill/>
+          <a:effectLst>
+            <a:outerShdw blurRad="50800" dist="38100" dir="2700000" algn="tl" rotWithShape="0">
+              <a:prstClr val="black">
+                <a:alpha val="40000"/>
+              </a:prstClr>
+            </a:outerShdw>
+          </a:effectLst>
+          <a:extLst>
+            <a:ext uri="{909E8E84-426E-40DD-AFC4-6F175D3DCCD1}">
+              <a14:hiddenFill xmlns:a14="http://schemas.microsoft.com/office/drawing/2010/main">
+                <a:solidFill>
+                  <a:srgbClr val="FFFFFF"/>
+                </a:solidFill>
+              </a14:hiddenFill>
+            </a:ext>
+          </a:extLst>
+        </p:spPr>
+      </p:pic>
+      <p:sp>
+        <p:nvSpPr>
+          <p:cNvPr id="29" name="28 CuadroTexto"/>
+          <p:cNvSpPr txBox="1"/>
+          <p:nvPr/>
+        </p:nvSpPr>
+        <p:spPr>
+          <a:xfrm>
+            <a:off x="7402023" y="5951581"/>
+            <a:ext cx="1220206" cy="646331"/>
+          </a:xfrm>
+          <a:prstGeom prst="rect">
+            <a:avLst/>
+          </a:prstGeom>
+          <a:noFill/>
+        </p:spPr>
+        <p:txBody>
+          <a:bodyPr wrap="none" rtlCol="0">
+            <a:spAutoFit/>
+          </a:bodyPr>
+          <a:lstStyle/>
+          <a:p>
+            <a:pPr algn="ctr"/>
+            <a:r>
+              <a:rPr lang="es-SV" dirty="0" smtClean="0">
+                <a:solidFill>
+                  <a:schemeClr val="accent4">
+                    <a:lumMod val="50000"/>
+                  </a:schemeClr>
+                </a:solidFill>
+                <a:latin typeface="Berlin Sans FB" pitchFamily="34" charset="0"/>
+              </a:rPr>
+              <a:t>Seguridad </a:t>
+            </a:r>
+          </a:p>
+          <a:p>
+            <a:pPr algn="ctr"/>
+            <a:r>
+              <a:rPr lang="es-SV" dirty="0">
+                <a:solidFill>
+                  <a:schemeClr val="accent4">
+                    <a:lumMod val="50000"/>
+                  </a:schemeClr>
+                </a:solidFill>
+                <a:latin typeface="Berlin Sans FB" pitchFamily="34" charset="0"/>
+              </a:rPr>
+              <a:t>&amp;</a:t>
+            </a:r>
+            <a:r>
+              <a:rPr lang="es-SV" dirty="0" smtClean="0">
+                <a:solidFill>
+                  <a:schemeClr val="accent4">
+                    <a:lumMod val="50000"/>
+                  </a:schemeClr>
+                </a:solidFill>
+                <a:latin typeface="Berlin Sans FB" pitchFamily="34" charset="0"/>
+              </a:rPr>
+              <a:t> Ayuda</a:t>
+            </a:r>
+            <a:endParaRPr lang="es-SV" dirty="0">
+              <a:solidFill>
+                <a:schemeClr val="accent4">
+                  <a:lumMod val="50000"/>
+                </a:schemeClr>
+              </a:solidFill>
+              <a:latin typeface="Berlin Sans FB" pitchFamily="34" charset="0"/>
+            </a:endParaRPr>
+          </a:p>
+        </p:txBody>
+      </p:sp>
     </p:spTree>
     <p:extLst>
       <p:ext uri="{BB962C8B-B14F-4D97-AF65-F5344CB8AC3E}">
         <p14:creationId xmlns:p14="http://schemas.microsoft.com/office/powerpoint/2010/main" val="3840514009"/>
+      </p:ext>
+    </p:extLst>
+  </p:cSld>
+  <p:clrMapOvr>
+    <a:masterClrMapping/>
+  </p:clrMapOvr>
+</p:sld>
+</file>
+
+<file path=ppt/slides/slide31.xml><?xml version="1.0" encoding="utf-8"?>
+<p:sld xmlns:a="http://schemas.openxmlformats.org/drawingml/2006/main" xmlns:r="http://schemas.openxmlformats.org/officeDocument/2006/relationships" xmlns:p="http://schemas.openxmlformats.org/presentationml/2006/main">
+  <p:cSld>
+    <p:spTree>
+      <p:nvGrpSpPr>
+        <p:cNvPr id="1" name=""/>
+        <p:cNvGrpSpPr/>
+        <p:nvPr/>
+      </p:nvGrpSpPr>
+      <p:grpSpPr>
+        <a:xfrm>
+          <a:off x="0" y="0"/>
+          <a:ext cx="0" cy="0"/>
+          <a:chOff x="0" y="0"/>
+          <a:chExt cx="0" cy="0"/>
+        </a:xfrm>
+      </p:grpSpPr>
+      <p:pic>
+        <p:nvPicPr>
+          <p:cNvPr id="5" name="Picture 2" descr="C:\Users\CRRuiz\Downloads\hospital.png"/>
+          <p:cNvPicPr>
+            <a:picLocks noChangeAspect="1" noChangeArrowheads="1"/>
+          </p:cNvPicPr>
+          <p:nvPr/>
+        </p:nvPicPr>
+        <p:blipFill>
+          <a:blip r:embed="rId3" cstate="print">
+            <a:extLst>
+              <a:ext uri="{28A0092B-C50C-407E-A947-70E740481C1C}">
+                <a14:useLocalDpi xmlns:a14="http://schemas.microsoft.com/office/drawing/2010/main" val="0"/>
+              </a:ext>
+            </a:extLst>
+          </a:blip>
+          <a:srcRect/>
+          <a:stretch>
+            <a:fillRect/>
+          </a:stretch>
+        </p:blipFill>
+        <p:spPr bwMode="auto">
+          <a:xfrm>
+            <a:off x="3563888" y="1340768"/>
+            <a:ext cx="1080000" cy="1080000"/>
+          </a:xfrm>
+          <a:prstGeom prst="rect">
+            <a:avLst/>
+          </a:prstGeom>
+          <a:noFill/>
+          <a:effectLst>
+            <a:outerShdw blurRad="50800" dist="38100" dir="2700000" algn="tl" rotWithShape="0">
+              <a:prstClr val="black">
+                <a:alpha val="40000"/>
+              </a:prstClr>
+            </a:outerShdw>
+          </a:effectLst>
+          <a:extLst>
+            <a:ext uri="{909E8E84-426E-40DD-AFC4-6F175D3DCCD1}">
+              <a14:hiddenFill xmlns:a14="http://schemas.microsoft.com/office/drawing/2010/main">
+                <a:solidFill>
+                  <a:srgbClr val="FFFFFF"/>
+                </a:solidFill>
+              </a14:hiddenFill>
+            </a:ext>
+          </a:extLst>
+        </p:spPr>
+      </p:pic>
+      <p:pic>
+        <p:nvPicPr>
+          <p:cNvPr id="6" name="Picture 3" descr="C:\Users\CRRuiz\Downloads\hospital (1).png"/>
+          <p:cNvPicPr>
+            <a:picLocks noChangeAspect="1" noChangeArrowheads="1"/>
+          </p:cNvPicPr>
+          <p:nvPr/>
+        </p:nvPicPr>
+        <p:blipFill>
+          <a:blip r:embed="rId4" cstate="print">
+            <a:extLst>
+              <a:ext uri="{28A0092B-C50C-407E-A947-70E740481C1C}">
+                <a14:useLocalDpi xmlns:a14="http://schemas.microsoft.com/office/drawing/2010/main" val="0"/>
+              </a:ext>
+            </a:extLst>
+          </a:blip>
+          <a:srcRect/>
+          <a:stretch>
+            <a:fillRect/>
+          </a:stretch>
+        </p:blipFill>
+        <p:spPr bwMode="auto">
+          <a:xfrm>
+            <a:off x="4790516" y="1340768"/>
+            <a:ext cx="1080000" cy="1080000"/>
+          </a:xfrm>
+          <a:prstGeom prst="rect">
+            <a:avLst/>
+          </a:prstGeom>
+          <a:noFill/>
+          <a:effectLst>
+            <a:outerShdw blurRad="50800" dist="38100" dir="2700000" algn="tl" rotWithShape="0">
+              <a:prstClr val="black">
+                <a:alpha val="40000"/>
+              </a:prstClr>
+            </a:outerShdw>
+          </a:effectLst>
+          <a:extLst>
+            <a:ext uri="{909E8E84-426E-40DD-AFC4-6F175D3DCCD1}">
+              <a14:hiddenFill xmlns:a14="http://schemas.microsoft.com/office/drawing/2010/main">
+                <a:solidFill>
+                  <a:srgbClr val="FFFFFF"/>
+                </a:solidFill>
+              </a14:hiddenFill>
+            </a:ext>
+          </a:extLst>
+        </p:spPr>
+      </p:pic>
+      <p:pic>
+        <p:nvPicPr>
+          <p:cNvPr id="7" name="Picture 2" descr="C:\Users\CRRuiz\Downloads\reception.png"/>
+          <p:cNvPicPr>
+            <a:picLocks noChangeAspect="1" noChangeArrowheads="1"/>
+          </p:cNvPicPr>
+          <p:nvPr/>
+        </p:nvPicPr>
+        <p:blipFill>
+          <a:blip r:embed="rId5" cstate="print">
+            <a:extLst>
+              <a:ext uri="{28A0092B-C50C-407E-A947-70E740481C1C}">
+                <a14:useLocalDpi xmlns:a14="http://schemas.microsoft.com/office/drawing/2010/main" val="0"/>
+              </a:ext>
+            </a:extLst>
+          </a:blip>
+          <a:srcRect/>
+          <a:stretch>
+            <a:fillRect/>
+          </a:stretch>
+        </p:blipFill>
+        <p:spPr bwMode="auto">
+          <a:xfrm>
+            <a:off x="1151602" y="3471960"/>
+            <a:ext cx="720000" cy="720000"/>
+          </a:xfrm>
+          <a:prstGeom prst="rect">
+            <a:avLst/>
+          </a:prstGeom>
+          <a:noFill/>
+          <a:effectLst>
+            <a:outerShdw blurRad="50800" dist="38100" dir="2700000" algn="tl" rotWithShape="0">
+              <a:prstClr val="black">
+                <a:alpha val="40000"/>
+              </a:prstClr>
+            </a:outerShdw>
+          </a:effectLst>
+          <a:extLst>
+            <a:ext uri="{909E8E84-426E-40DD-AFC4-6F175D3DCCD1}">
+              <a14:hiddenFill xmlns:a14="http://schemas.microsoft.com/office/drawing/2010/main">
+                <a:solidFill>
+                  <a:srgbClr val="FFFFFF"/>
+                </a:solidFill>
+              </a14:hiddenFill>
+            </a:ext>
+          </a:extLst>
+        </p:spPr>
+      </p:pic>
+      <p:sp>
+        <p:nvSpPr>
+          <p:cNvPr id="9" name="8 CuadroTexto"/>
+          <p:cNvSpPr txBox="1"/>
+          <p:nvPr/>
+        </p:nvSpPr>
+        <p:spPr>
+          <a:xfrm>
+            <a:off x="788488" y="4294837"/>
+            <a:ext cx="1446230" cy="646331"/>
+          </a:xfrm>
+          <a:prstGeom prst="rect">
+            <a:avLst/>
+          </a:prstGeom>
+          <a:noFill/>
+        </p:spPr>
+        <p:txBody>
+          <a:bodyPr wrap="none" rtlCol="0">
+            <a:spAutoFit/>
+          </a:bodyPr>
+          <a:lstStyle/>
+          <a:p>
+            <a:pPr algn="ctr"/>
+            <a:r>
+              <a:rPr lang="es-SV" dirty="0" smtClean="0">
+                <a:solidFill>
+                  <a:schemeClr val="accent4">
+                    <a:lumMod val="50000"/>
+                  </a:schemeClr>
+                </a:solidFill>
+                <a:latin typeface="Berlin Sans FB" pitchFamily="34" charset="0"/>
+              </a:rPr>
+              <a:t>Recepción de</a:t>
+            </a:r>
+          </a:p>
+          <a:p>
+            <a:pPr algn="ctr"/>
+            <a:r>
+              <a:rPr lang="es-SV" dirty="0" smtClean="0">
+                <a:solidFill>
+                  <a:schemeClr val="accent4">
+                    <a:lumMod val="50000"/>
+                  </a:schemeClr>
+                </a:solidFill>
+                <a:latin typeface="Berlin Sans FB" pitchFamily="34" charset="0"/>
+              </a:rPr>
+              <a:t>Pacientes</a:t>
+            </a:r>
+            <a:endParaRPr lang="es-SV" dirty="0">
+              <a:solidFill>
+                <a:schemeClr val="accent4">
+                  <a:lumMod val="50000"/>
+                </a:schemeClr>
+              </a:solidFill>
+              <a:latin typeface="Berlin Sans FB" pitchFamily="34" charset="0"/>
+            </a:endParaRPr>
+          </a:p>
+        </p:txBody>
+      </p:sp>
+      <p:pic>
+        <p:nvPicPr>
+          <p:cNvPr id="10" name="Picture 17" descr="C:\Users\CRRuiz\Downloads\x-rays.png"/>
+          <p:cNvPicPr>
+            <a:picLocks noChangeAspect="1" noChangeArrowheads="1"/>
+          </p:cNvPicPr>
+          <p:nvPr/>
+        </p:nvPicPr>
+        <p:blipFill>
+          <a:blip r:embed="rId6" cstate="print">
+            <a:extLst>
+              <a:ext uri="{28A0092B-C50C-407E-A947-70E740481C1C}">
+                <a14:useLocalDpi xmlns:a14="http://schemas.microsoft.com/office/drawing/2010/main" val="0"/>
+              </a:ext>
+            </a:extLst>
+          </a:blip>
+          <a:srcRect/>
+          <a:stretch>
+            <a:fillRect/>
+          </a:stretch>
+        </p:blipFill>
+        <p:spPr bwMode="auto">
+          <a:xfrm>
+            <a:off x="4430516" y="3471960"/>
+            <a:ext cx="720000" cy="720000"/>
+          </a:xfrm>
+          <a:prstGeom prst="rect">
+            <a:avLst/>
+          </a:prstGeom>
+          <a:noFill/>
+          <a:effectLst>
+            <a:outerShdw blurRad="50800" dist="38100" dir="2700000" algn="tl" rotWithShape="0">
+              <a:prstClr val="black">
+                <a:alpha val="40000"/>
+              </a:prstClr>
+            </a:outerShdw>
+          </a:effectLst>
+          <a:extLst>
+            <a:ext uri="{909E8E84-426E-40DD-AFC4-6F175D3DCCD1}">
+              <a14:hiddenFill xmlns:a14="http://schemas.microsoft.com/office/drawing/2010/main">
+                <a:solidFill>
+                  <a:srgbClr val="FFFFFF"/>
+                </a:solidFill>
+              </a14:hiddenFill>
+            </a:ext>
+          </a:extLst>
+        </p:spPr>
+      </p:pic>
+      <p:pic>
+        <p:nvPicPr>
+          <p:cNvPr id="11" name="Picture 16" descr="C:\Users\CRRuiz\Downloads\microscope (2).png"/>
+          <p:cNvPicPr>
+            <a:picLocks noChangeAspect="1" noChangeArrowheads="1"/>
+          </p:cNvPicPr>
+          <p:nvPr/>
+        </p:nvPicPr>
+        <p:blipFill>
+          <a:blip r:embed="rId7" cstate="print">
+            <a:extLst>
+              <a:ext uri="{28A0092B-C50C-407E-A947-70E740481C1C}">
+                <a14:useLocalDpi xmlns:a14="http://schemas.microsoft.com/office/drawing/2010/main" val="0"/>
+              </a:ext>
+            </a:extLst>
+          </a:blip>
+          <a:srcRect/>
+          <a:stretch>
+            <a:fillRect/>
+          </a:stretch>
+        </p:blipFill>
+        <p:spPr bwMode="auto">
+          <a:xfrm>
+            <a:off x="2843888" y="3471960"/>
+            <a:ext cx="720000" cy="720000"/>
+          </a:xfrm>
+          <a:prstGeom prst="rect">
+            <a:avLst/>
+          </a:prstGeom>
+          <a:noFill/>
+          <a:effectLst>
+            <a:outerShdw blurRad="50800" dist="38100" dir="2700000" algn="tl" rotWithShape="0">
+              <a:prstClr val="black">
+                <a:alpha val="40000"/>
+              </a:prstClr>
+            </a:outerShdw>
+          </a:effectLst>
+          <a:extLst>
+            <a:ext uri="{909E8E84-426E-40DD-AFC4-6F175D3DCCD1}">
+              <a14:hiddenFill xmlns:a14="http://schemas.microsoft.com/office/drawing/2010/main">
+                <a:solidFill>
+                  <a:srgbClr val="FFFFFF"/>
+                </a:solidFill>
+              </a14:hiddenFill>
+            </a:ext>
+          </a:extLst>
+        </p:spPr>
+      </p:pic>
+      <p:pic>
+        <p:nvPicPr>
+          <p:cNvPr id="12" name="Picture 18" descr="C:\Users\CRRuiz\Downloads\sonography.png"/>
+          <p:cNvPicPr>
+            <a:picLocks noChangeAspect="1" noChangeArrowheads="1"/>
+          </p:cNvPicPr>
+          <p:nvPr/>
+        </p:nvPicPr>
+        <p:blipFill>
+          <a:blip r:embed="rId8" cstate="print">
+            <a:extLst>
+              <a:ext uri="{28A0092B-C50C-407E-A947-70E740481C1C}">
+                <a14:useLocalDpi xmlns:a14="http://schemas.microsoft.com/office/drawing/2010/main" val="0"/>
+              </a:ext>
+            </a:extLst>
+          </a:blip>
+          <a:srcRect/>
+          <a:stretch>
+            <a:fillRect/>
+          </a:stretch>
+        </p:blipFill>
+        <p:spPr bwMode="auto">
+          <a:xfrm>
+            <a:off x="6156176" y="3471960"/>
+            <a:ext cx="720000" cy="720000"/>
+          </a:xfrm>
+          <a:prstGeom prst="rect">
+            <a:avLst/>
+          </a:prstGeom>
+          <a:noFill/>
+          <a:effectLst>
+            <a:outerShdw blurRad="50800" dist="38100" dir="2700000" algn="tl" rotWithShape="0">
+              <a:prstClr val="black">
+                <a:alpha val="40000"/>
+              </a:prstClr>
+            </a:outerShdw>
+          </a:effectLst>
+          <a:extLst>
+            <a:ext uri="{909E8E84-426E-40DD-AFC4-6F175D3DCCD1}">
+              <a14:hiddenFill xmlns:a14="http://schemas.microsoft.com/office/drawing/2010/main">
+                <a:solidFill>
+                  <a:srgbClr val="FFFFFF"/>
+                </a:solidFill>
+              </a14:hiddenFill>
+            </a:ext>
+          </a:extLst>
+        </p:spPr>
+      </p:pic>
+      <p:sp>
+        <p:nvSpPr>
+          <p:cNvPr id="13" name="12 CuadroTexto"/>
+          <p:cNvSpPr txBox="1"/>
+          <p:nvPr/>
+        </p:nvSpPr>
+        <p:spPr>
+          <a:xfrm>
+            <a:off x="2540086" y="4294837"/>
+            <a:ext cx="1327608" cy="646331"/>
+          </a:xfrm>
+          <a:prstGeom prst="rect">
+            <a:avLst/>
+          </a:prstGeom>
+          <a:noFill/>
+        </p:spPr>
+        <p:txBody>
+          <a:bodyPr wrap="none" rtlCol="0">
+            <a:spAutoFit/>
+          </a:bodyPr>
+          <a:lstStyle/>
+          <a:p>
+            <a:pPr algn="ctr"/>
+            <a:r>
+              <a:rPr lang="es-SV" dirty="0" smtClean="0">
+                <a:solidFill>
+                  <a:schemeClr val="accent4">
+                    <a:lumMod val="50000"/>
+                  </a:schemeClr>
+                </a:solidFill>
+                <a:latin typeface="Berlin Sans FB" pitchFamily="34" charset="0"/>
+              </a:rPr>
+              <a:t>Laboratorio</a:t>
+            </a:r>
+          </a:p>
+          <a:p>
+            <a:pPr algn="ctr"/>
+            <a:r>
+              <a:rPr lang="es-SV" dirty="0" smtClean="0">
+                <a:solidFill>
+                  <a:schemeClr val="accent4">
+                    <a:lumMod val="50000"/>
+                  </a:schemeClr>
+                </a:solidFill>
+                <a:latin typeface="Berlin Sans FB" pitchFamily="34" charset="0"/>
+              </a:rPr>
+              <a:t>Clínico</a:t>
+            </a:r>
+            <a:endParaRPr lang="es-SV" dirty="0">
+              <a:solidFill>
+                <a:schemeClr val="accent4">
+                  <a:lumMod val="50000"/>
+                </a:schemeClr>
+              </a:solidFill>
+              <a:latin typeface="Berlin Sans FB" pitchFamily="34" charset="0"/>
+            </a:endParaRPr>
+          </a:p>
+        </p:txBody>
+      </p:sp>
+      <p:sp>
+        <p:nvSpPr>
+          <p:cNvPr id="14" name="13 CuadroTexto"/>
+          <p:cNvSpPr txBox="1"/>
+          <p:nvPr/>
+        </p:nvSpPr>
+        <p:spPr>
+          <a:xfrm>
+            <a:off x="4304442" y="4433336"/>
+            <a:ext cx="939681" cy="369332"/>
+          </a:xfrm>
+          <a:prstGeom prst="rect">
+            <a:avLst/>
+          </a:prstGeom>
+          <a:noFill/>
+        </p:spPr>
+        <p:txBody>
+          <a:bodyPr wrap="none" rtlCol="0">
+            <a:spAutoFit/>
+          </a:bodyPr>
+          <a:lstStyle/>
+          <a:p>
+            <a:pPr algn="ctr"/>
+            <a:r>
+              <a:rPr lang="es-SV" dirty="0" smtClean="0">
+                <a:solidFill>
+                  <a:schemeClr val="accent4">
+                    <a:lumMod val="50000"/>
+                  </a:schemeClr>
+                </a:solidFill>
+                <a:latin typeface="Berlin Sans FB" pitchFamily="34" charset="0"/>
+              </a:rPr>
+              <a:t>Rayos X</a:t>
+            </a:r>
+            <a:endParaRPr lang="es-SV" dirty="0">
+              <a:solidFill>
+                <a:schemeClr val="accent4">
+                  <a:lumMod val="50000"/>
+                </a:schemeClr>
+              </a:solidFill>
+              <a:latin typeface="Berlin Sans FB" pitchFamily="34" charset="0"/>
+            </a:endParaRPr>
+          </a:p>
+        </p:txBody>
+      </p:sp>
+      <p:sp>
+        <p:nvSpPr>
+          <p:cNvPr id="15" name="14 CuadroTexto"/>
+          <p:cNvSpPr txBox="1"/>
+          <p:nvPr/>
+        </p:nvSpPr>
+        <p:spPr>
+          <a:xfrm>
+            <a:off x="5680854" y="4433336"/>
+            <a:ext cx="1670650" cy="369332"/>
+          </a:xfrm>
+          <a:prstGeom prst="rect">
+            <a:avLst/>
+          </a:prstGeom>
+          <a:noFill/>
+        </p:spPr>
+        <p:txBody>
+          <a:bodyPr wrap="none" rtlCol="0">
+            <a:spAutoFit/>
+          </a:bodyPr>
+          <a:lstStyle/>
+          <a:p>
+            <a:pPr algn="ctr"/>
+            <a:r>
+              <a:rPr lang="es-SV" dirty="0" smtClean="0">
+                <a:solidFill>
+                  <a:schemeClr val="accent4">
+                    <a:lumMod val="50000"/>
+                  </a:schemeClr>
+                </a:solidFill>
+                <a:latin typeface="Berlin Sans FB" pitchFamily="34" charset="0"/>
+              </a:rPr>
+              <a:t>Ultrasonografía</a:t>
+            </a:r>
+            <a:endParaRPr lang="es-SV" dirty="0">
+              <a:solidFill>
+                <a:schemeClr val="accent4">
+                  <a:lumMod val="50000"/>
+                </a:schemeClr>
+              </a:solidFill>
+              <a:latin typeface="Berlin Sans FB" pitchFamily="34" charset="0"/>
+            </a:endParaRPr>
+          </a:p>
+        </p:txBody>
+      </p:sp>
+      <p:grpSp>
+        <p:nvGrpSpPr>
+          <p:cNvPr id="16" name="15 Grupo"/>
+          <p:cNvGrpSpPr/>
+          <p:nvPr/>
+        </p:nvGrpSpPr>
+        <p:grpSpPr>
+          <a:xfrm>
+            <a:off x="7820285" y="3471960"/>
+            <a:ext cx="720000" cy="720000"/>
+            <a:chOff x="4166708" y="4777816"/>
+            <a:chExt cx="1080000" cy="1080000"/>
+          </a:xfrm>
+          <a:effectLst>
+            <a:outerShdw blurRad="50800" dist="38100" dir="2700000" algn="tl" rotWithShape="0">
+              <a:prstClr val="black">
+                <a:alpha val="40000"/>
+              </a:prstClr>
+            </a:outerShdw>
+          </a:effectLst>
+        </p:grpSpPr>
+        <p:sp>
+          <p:nvSpPr>
+            <p:cNvPr id="17" name="16 Elipse"/>
+            <p:cNvSpPr/>
+            <p:nvPr/>
+          </p:nvSpPr>
+          <p:spPr>
+            <a:xfrm>
+              <a:off x="4166708" y="4777816"/>
+              <a:ext cx="1080000" cy="1080000"/>
+            </a:xfrm>
+            <a:prstGeom prst="ellipse">
+              <a:avLst/>
+            </a:prstGeom>
+            <a:solidFill>
+              <a:schemeClr val="accent4">
+                <a:lumMod val="60000"/>
+                <a:lumOff val="40000"/>
+              </a:schemeClr>
+            </a:solidFill>
+            <a:ln>
+              <a:noFill/>
+            </a:ln>
+          </p:spPr>
+          <p:style>
+            <a:lnRef idx="2">
+              <a:schemeClr val="accent1">
+                <a:shade val="50000"/>
+              </a:schemeClr>
+            </a:lnRef>
+            <a:fillRef idx="1">
+              <a:schemeClr val="accent1"/>
+            </a:fillRef>
+            <a:effectRef idx="0">
+              <a:schemeClr val="accent1"/>
+            </a:effectRef>
+            <a:fontRef idx="minor">
+              <a:schemeClr val="lt1"/>
+            </a:fontRef>
+          </p:style>
+          <p:txBody>
+            <a:bodyPr rtlCol="0" anchor="ctr"/>
+            <a:lstStyle/>
+            <a:p>
+              <a:pPr algn="ctr"/>
+              <a:endParaRPr lang="es-SV"/>
+            </a:p>
+          </p:txBody>
+        </p:sp>
+        <p:pic>
+          <p:nvPicPr>
+            <p:cNvPr id="18" name="Picture 7" descr="C:\Users\CRRuiz\Downloads\stretcher.png"/>
+            <p:cNvPicPr>
+              <a:picLocks noChangeAspect="1" noChangeArrowheads="1"/>
+            </p:cNvPicPr>
+            <p:nvPr/>
+          </p:nvPicPr>
+          <p:blipFill>
+            <a:blip r:embed="rId9" cstate="print">
+              <a:extLst>
+                <a:ext uri="{28A0092B-C50C-407E-A947-70E740481C1C}">
+                  <a14:useLocalDpi xmlns:a14="http://schemas.microsoft.com/office/drawing/2010/main" val="0"/>
+                </a:ext>
+              </a:extLst>
+            </a:blip>
+            <a:srcRect/>
+            <a:stretch>
+              <a:fillRect/>
+            </a:stretch>
+          </p:blipFill>
+          <p:spPr bwMode="auto">
+            <a:xfrm>
+              <a:off x="4355816" y="4958262"/>
+              <a:ext cx="720240" cy="720240"/>
+            </a:xfrm>
+            <a:prstGeom prst="rect">
+              <a:avLst/>
+            </a:prstGeom>
+            <a:noFill/>
+            <a:extLst>
+              <a:ext uri="{909E8E84-426E-40DD-AFC4-6F175D3DCCD1}">
+                <a14:hiddenFill xmlns:a14="http://schemas.microsoft.com/office/drawing/2010/main">
+                  <a:solidFill>
+                    <a:srgbClr val="FFFFFF"/>
+                  </a:solidFill>
+                </a14:hiddenFill>
+              </a:ext>
+            </a:extLst>
+          </p:spPr>
+        </p:pic>
+      </p:grpSp>
+      <p:sp>
+        <p:nvSpPr>
+          <p:cNvPr id="20" name="19 CuadroTexto"/>
+          <p:cNvSpPr txBox="1"/>
+          <p:nvPr/>
+        </p:nvSpPr>
+        <p:spPr>
+          <a:xfrm>
+            <a:off x="7500451" y="4294837"/>
+            <a:ext cx="1359668" cy="646331"/>
+          </a:xfrm>
+          <a:prstGeom prst="rect">
+            <a:avLst/>
+          </a:prstGeom>
+          <a:noFill/>
+        </p:spPr>
+        <p:txBody>
+          <a:bodyPr wrap="none" rtlCol="0">
+            <a:spAutoFit/>
+          </a:bodyPr>
+          <a:lstStyle/>
+          <a:p>
+            <a:pPr algn="ctr"/>
+            <a:r>
+              <a:rPr lang="es-SV" dirty="0" smtClean="0">
+                <a:solidFill>
+                  <a:schemeClr val="accent4">
+                    <a:lumMod val="50000"/>
+                  </a:schemeClr>
+                </a:solidFill>
+                <a:latin typeface="Berlin Sans FB" pitchFamily="34" charset="0"/>
+              </a:rPr>
+              <a:t>Sala de</a:t>
+            </a:r>
+          </a:p>
+          <a:p>
+            <a:pPr algn="ctr"/>
+            <a:r>
+              <a:rPr lang="es-SV" dirty="0" smtClean="0">
+                <a:solidFill>
+                  <a:schemeClr val="accent4">
+                    <a:lumMod val="50000"/>
+                  </a:schemeClr>
+                </a:solidFill>
+                <a:latin typeface="Berlin Sans FB" pitchFamily="34" charset="0"/>
+              </a:rPr>
+              <a:t>Operaciones</a:t>
+            </a:r>
+            <a:endParaRPr lang="es-SV" dirty="0">
+              <a:solidFill>
+                <a:schemeClr val="accent4">
+                  <a:lumMod val="50000"/>
+                </a:schemeClr>
+              </a:solidFill>
+              <a:latin typeface="Berlin Sans FB" pitchFamily="34" charset="0"/>
+            </a:endParaRPr>
+          </a:p>
+        </p:txBody>
+      </p:sp>
+      <p:sp>
+        <p:nvSpPr>
+          <p:cNvPr id="21" name="20 CuadroTexto"/>
+          <p:cNvSpPr txBox="1"/>
+          <p:nvPr/>
+        </p:nvSpPr>
+        <p:spPr>
+          <a:xfrm>
+            <a:off x="3839991" y="2566645"/>
+            <a:ext cx="1834155" cy="646331"/>
+          </a:xfrm>
+          <a:prstGeom prst="rect">
+            <a:avLst/>
+          </a:prstGeom>
+          <a:noFill/>
+        </p:spPr>
+        <p:txBody>
+          <a:bodyPr wrap="none" rtlCol="0">
+            <a:spAutoFit/>
+          </a:bodyPr>
+          <a:lstStyle/>
+          <a:p>
+            <a:pPr algn="ctr"/>
+            <a:r>
+              <a:rPr lang="es-SV" dirty="0" smtClean="0">
+                <a:solidFill>
+                  <a:schemeClr val="accent4">
+                    <a:lumMod val="50000"/>
+                  </a:schemeClr>
+                </a:solidFill>
+                <a:latin typeface="Berlin Sans FB" pitchFamily="34" charset="0"/>
+              </a:rPr>
+              <a:t>Clínica y Hospital</a:t>
+            </a:r>
+          </a:p>
+          <a:p>
+            <a:pPr algn="ctr"/>
+            <a:r>
+              <a:rPr lang="es-SV" dirty="0" smtClean="0">
+                <a:solidFill>
+                  <a:schemeClr val="accent4">
+                    <a:lumMod val="50000"/>
+                  </a:schemeClr>
+                </a:solidFill>
+                <a:latin typeface="Berlin Sans FB" pitchFamily="34" charset="0"/>
+              </a:rPr>
+              <a:t>Divino Niño</a:t>
+            </a:r>
+            <a:endParaRPr lang="es-SV" dirty="0">
+              <a:solidFill>
+                <a:schemeClr val="accent4">
+                  <a:lumMod val="50000"/>
+                </a:schemeClr>
+              </a:solidFill>
+              <a:latin typeface="Berlin Sans FB" pitchFamily="34" charset="0"/>
+            </a:endParaRPr>
+          </a:p>
+        </p:txBody>
+      </p:sp>
+      <p:sp>
+        <p:nvSpPr>
+          <p:cNvPr id="23" name="22 CuadroTexto"/>
+          <p:cNvSpPr txBox="1"/>
+          <p:nvPr/>
+        </p:nvSpPr>
+        <p:spPr>
+          <a:xfrm>
+            <a:off x="829364" y="5931334"/>
+            <a:ext cx="1364476" cy="646331"/>
+          </a:xfrm>
+          <a:prstGeom prst="rect">
+            <a:avLst/>
+          </a:prstGeom>
+          <a:noFill/>
+        </p:spPr>
+        <p:txBody>
+          <a:bodyPr wrap="none" rtlCol="0">
+            <a:spAutoFit/>
+          </a:bodyPr>
+          <a:lstStyle/>
+          <a:p>
+            <a:pPr algn="ctr"/>
+            <a:r>
+              <a:rPr lang="es-SV" dirty="0" smtClean="0">
+                <a:solidFill>
+                  <a:schemeClr val="accent4">
+                    <a:lumMod val="50000"/>
+                  </a:schemeClr>
+                </a:solidFill>
+                <a:latin typeface="Berlin Sans FB" pitchFamily="34" charset="0"/>
+              </a:rPr>
+              <a:t>Sala de</a:t>
+            </a:r>
+          </a:p>
+          <a:p>
+            <a:pPr algn="ctr"/>
+            <a:r>
+              <a:rPr lang="es-SV" dirty="0" smtClean="0">
+                <a:solidFill>
+                  <a:schemeClr val="accent4">
+                    <a:lumMod val="50000"/>
+                  </a:schemeClr>
+                </a:solidFill>
+                <a:latin typeface="Berlin Sans FB" pitchFamily="34" charset="0"/>
+              </a:rPr>
+              <a:t>Observación</a:t>
+            </a:r>
+            <a:endParaRPr lang="es-SV" dirty="0">
+              <a:solidFill>
+                <a:schemeClr val="accent4">
+                  <a:lumMod val="50000"/>
+                </a:schemeClr>
+              </a:solidFill>
+              <a:latin typeface="Berlin Sans FB" pitchFamily="34" charset="0"/>
+            </a:endParaRPr>
+          </a:p>
+        </p:txBody>
+      </p:sp>
+      <p:pic>
+        <p:nvPicPr>
+          <p:cNvPr id="24" name="Picture 3" descr="C:\Users\CRRuiz\Downloads\magnifying-glass.png"/>
+          <p:cNvPicPr>
+            <a:picLocks noChangeAspect="1" noChangeArrowheads="1"/>
+          </p:cNvPicPr>
+          <p:nvPr/>
+        </p:nvPicPr>
+        <p:blipFill>
+          <a:blip r:embed="rId10" cstate="print">
+            <a:extLst>
+              <a:ext uri="{28A0092B-C50C-407E-A947-70E740481C1C}">
+                <a14:useLocalDpi xmlns:a14="http://schemas.microsoft.com/office/drawing/2010/main" val="0"/>
+              </a:ext>
+            </a:extLst>
+          </a:blip>
+          <a:srcRect/>
+          <a:stretch>
+            <a:fillRect/>
+          </a:stretch>
+        </p:blipFill>
+        <p:spPr bwMode="auto">
+          <a:xfrm>
+            <a:off x="1177627" y="5132996"/>
+            <a:ext cx="720000" cy="720000"/>
+          </a:xfrm>
+          <a:prstGeom prst="rect">
+            <a:avLst/>
+          </a:prstGeom>
+          <a:noFill/>
+          <a:effectLst>
+            <a:outerShdw blurRad="50800" dist="38100" dir="2700000" algn="tl" rotWithShape="0">
+              <a:prstClr val="black">
+                <a:alpha val="40000"/>
+              </a:prstClr>
+            </a:outerShdw>
+          </a:effectLst>
+          <a:extLst>
+            <a:ext uri="{909E8E84-426E-40DD-AFC4-6F175D3DCCD1}">
+              <a14:hiddenFill xmlns:a14="http://schemas.microsoft.com/office/drawing/2010/main">
+                <a:solidFill>
+                  <a:srgbClr val="FFFFFF"/>
+                </a:solidFill>
+              </a14:hiddenFill>
+            </a:ext>
+          </a:extLst>
+        </p:spPr>
+      </p:pic>
+      <p:pic>
+        <p:nvPicPr>
+          <p:cNvPr id="25" name="Picture 5" descr="C:\Users\CRRuiz\Downloads\bed.png"/>
+          <p:cNvPicPr>
+            <a:picLocks noChangeAspect="1" noChangeArrowheads="1"/>
+          </p:cNvPicPr>
+          <p:nvPr/>
+        </p:nvPicPr>
+        <p:blipFill>
+          <a:blip r:embed="rId11" cstate="print">
+            <a:extLst>
+              <a:ext uri="{28A0092B-C50C-407E-A947-70E740481C1C}">
+                <a14:useLocalDpi xmlns:a14="http://schemas.microsoft.com/office/drawing/2010/main" val="0"/>
+              </a:ext>
+            </a:extLst>
+          </a:blip>
+          <a:srcRect/>
+          <a:stretch>
+            <a:fillRect/>
+          </a:stretch>
+        </p:blipFill>
+        <p:spPr bwMode="auto">
+          <a:xfrm>
+            <a:off x="2764253" y="5155444"/>
+            <a:ext cx="720000" cy="720000"/>
+          </a:xfrm>
+          <a:prstGeom prst="rect">
+            <a:avLst/>
+          </a:prstGeom>
+          <a:noFill/>
+          <a:effectLst>
+            <a:outerShdw blurRad="50800" dist="38100" dir="2700000" algn="tl" rotWithShape="0">
+              <a:prstClr val="black">
+                <a:alpha val="40000"/>
+              </a:prstClr>
+            </a:outerShdw>
+          </a:effectLst>
+          <a:extLst>
+            <a:ext uri="{909E8E84-426E-40DD-AFC4-6F175D3DCCD1}">
+              <a14:hiddenFill xmlns:a14="http://schemas.microsoft.com/office/drawing/2010/main">
+                <a:solidFill>
+                  <a:srgbClr val="FFFFFF"/>
+                </a:solidFill>
+              </a14:hiddenFill>
+            </a:ext>
+          </a:extLst>
+        </p:spPr>
+      </p:pic>
+      <p:sp>
+        <p:nvSpPr>
+          <p:cNvPr id="26" name="25 CuadroTexto"/>
+          <p:cNvSpPr txBox="1"/>
+          <p:nvPr/>
+        </p:nvSpPr>
+        <p:spPr>
+          <a:xfrm>
+            <a:off x="2305762" y="6069834"/>
+            <a:ext cx="1636988" cy="369332"/>
+          </a:xfrm>
+          <a:prstGeom prst="rect">
+            <a:avLst/>
+          </a:prstGeom>
+          <a:noFill/>
+        </p:spPr>
+        <p:txBody>
+          <a:bodyPr wrap="none" rtlCol="0">
+            <a:spAutoFit/>
+          </a:bodyPr>
+          <a:lstStyle/>
+          <a:p>
+            <a:pPr algn="ctr"/>
+            <a:r>
+              <a:rPr lang="es-SV" dirty="0" smtClean="0">
+                <a:solidFill>
+                  <a:schemeClr val="accent4">
+                    <a:lumMod val="50000"/>
+                  </a:schemeClr>
+                </a:solidFill>
+                <a:latin typeface="Berlin Sans FB" pitchFamily="34" charset="0"/>
+              </a:rPr>
+              <a:t>Hospitalización</a:t>
+            </a:r>
+            <a:endParaRPr lang="es-SV" dirty="0">
+              <a:solidFill>
+                <a:schemeClr val="accent4">
+                  <a:lumMod val="50000"/>
+                </a:schemeClr>
+              </a:solidFill>
+              <a:latin typeface="Berlin Sans FB" pitchFamily="34" charset="0"/>
+            </a:endParaRPr>
+          </a:p>
+        </p:txBody>
+      </p:sp>
+      <p:pic>
+        <p:nvPicPr>
+          <p:cNvPr id="29" name="Picture 4" descr="C:\Users\CRRuiz\Downloads\notebook.png"/>
+          <p:cNvPicPr>
+            <a:picLocks noChangeAspect="1" noChangeArrowheads="1"/>
+          </p:cNvPicPr>
+          <p:nvPr/>
+        </p:nvPicPr>
+        <p:blipFill>
+          <a:blip r:embed="rId12" cstate="print">
+            <a:extLst>
+              <a:ext uri="{28A0092B-C50C-407E-A947-70E740481C1C}">
+                <a14:useLocalDpi xmlns:a14="http://schemas.microsoft.com/office/drawing/2010/main" val="0"/>
+              </a:ext>
+            </a:extLst>
+          </a:blip>
+          <a:srcRect/>
+          <a:stretch>
+            <a:fillRect/>
+          </a:stretch>
+        </p:blipFill>
+        <p:spPr bwMode="auto">
+          <a:xfrm>
+            <a:off x="7826437" y="5211334"/>
+            <a:ext cx="720000" cy="720000"/>
+          </a:xfrm>
+          <a:prstGeom prst="rect">
+            <a:avLst/>
+          </a:prstGeom>
+          <a:noFill/>
+          <a:effectLst>
+            <a:outerShdw blurRad="50800" dist="38100" dir="2700000" algn="tl" rotWithShape="0">
+              <a:prstClr val="black">
+                <a:alpha val="40000"/>
+              </a:prstClr>
+            </a:outerShdw>
+          </a:effectLst>
+          <a:extLst>
+            <a:ext uri="{909E8E84-426E-40DD-AFC4-6F175D3DCCD1}">
+              <a14:hiddenFill xmlns:a14="http://schemas.microsoft.com/office/drawing/2010/main">
+                <a:solidFill>
+                  <a:srgbClr val="FFFFFF"/>
+                </a:solidFill>
+              </a14:hiddenFill>
+            </a:ext>
+          </a:extLst>
+        </p:spPr>
+      </p:pic>
+      <p:pic>
+        <p:nvPicPr>
+          <p:cNvPr id="30" name="Picture 4" descr="C:\Users\CRRuiz\Downloads\nurse.png"/>
+          <p:cNvPicPr>
+            <a:picLocks noChangeAspect="1" noChangeArrowheads="1"/>
+          </p:cNvPicPr>
+          <p:nvPr/>
+        </p:nvPicPr>
+        <p:blipFill>
+          <a:blip r:embed="rId13" cstate="print">
+            <a:extLst>
+              <a:ext uri="{28A0092B-C50C-407E-A947-70E740481C1C}">
+                <a14:useLocalDpi xmlns:a14="http://schemas.microsoft.com/office/drawing/2010/main" val="0"/>
+              </a:ext>
+            </a:extLst>
+          </a:blip>
+          <a:srcRect/>
+          <a:stretch>
+            <a:fillRect/>
+          </a:stretch>
+        </p:blipFill>
+        <p:spPr bwMode="auto">
+          <a:xfrm>
+            <a:off x="4430516" y="5155444"/>
+            <a:ext cx="720000" cy="720000"/>
+          </a:xfrm>
+          <a:prstGeom prst="rect">
+            <a:avLst/>
+          </a:prstGeom>
+          <a:noFill/>
+          <a:effectLst>
+            <a:outerShdw blurRad="50800" dist="38100" dir="2700000" algn="tl" rotWithShape="0">
+              <a:prstClr val="black">
+                <a:alpha val="40000"/>
+              </a:prstClr>
+            </a:outerShdw>
+          </a:effectLst>
+          <a:extLst>
+            <a:ext uri="{909E8E84-426E-40DD-AFC4-6F175D3DCCD1}">
+              <a14:hiddenFill xmlns:a14="http://schemas.microsoft.com/office/drawing/2010/main">
+                <a:solidFill>
+                  <a:srgbClr val="FFFFFF"/>
+                </a:solidFill>
+              </a14:hiddenFill>
+            </a:ext>
+          </a:extLst>
+        </p:spPr>
+      </p:pic>
+      <p:pic>
+        <p:nvPicPr>
+          <p:cNvPr id="31" name="Picture 2" descr="C:\Users\CRRuiz\Downloads\doctor.png"/>
+          <p:cNvPicPr>
+            <a:picLocks noChangeAspect="1" noChangeArrowheads="1"/>
+          </p:cNvPicPr>
+          <p:nvPr/>
+        </p:nvPicPr>
+        <p:blipFill>
+          <a:blip r:embed="rId14" cstate="print">
+            <a:extLst>
+              <a:ext uri="{28A0092B-C50C-407E-A947-70E740481C1C}">
+                <a14:useLocalDpi xmlns:a14="http://schemas.microsoft.com/office/drawing/2010/main" val="0"/>
+              </a:ext>
+            </a:extLst>
+          </a:blip>
+          <a:srcRect/>
+          <a:stretch>
+            <a:fillRect/>
+          </a:stretch>
+        </p:blipFill>
+        <p:spPr bwMode="auto">
+          <a:xfrm>
+            <a:off x="6156179" y="5155444"/>
+            <a:ext cx="720000" cy="720000"/>
+          </a:xfrm>
+          <a:prstGeom prst="rect">
+            <a:avLst/>
+          </a:prstGeom>
+          <a:noFill/>
+          <a:effectLst>
+            <a:outerShdw blurRad="50800" dist="38100" dir="2700000" algn="tl" rotWithShape="0">
+              <a:prstClr val="black">
+                <a:alpha val="40000"/>
+              </a:prstClr>
+            </a:outerShdw>
+          </a:effectLst>
+          <a:extLst>
+            <a:ext uri="{909E8E84-426E-40DD-AFC4-6F175D3DCCD1}">
+              <a14:hiddenFill xmlns:a14="http://schemas.microsoft.com/office/drawing/2010/main">
+                <a:solidFill>
+                  <a:srgbClr val="FFFFFF"/>
+                </a:solidFill>
+              </a14:hiddenFill>
+            </a:ext>
+          </a:extLst>
+        </p:spPr>
+      </p:pic>
+      <p:sp>
+        <p:nvSpPr>
+          <p:cNvPr id="32" name="31 CuadroTexto"/>
+          <p:cNvSpPr txBox="1"/>
+          <p:nvPr/>
+        </p:nvSpPr>
+        <p:spPr>
+          <a:xfrm>
+            <a:off x="4168392" y="6069833"/>
+            <a:ext cx="1244251" cy="369332"/>
+          </a:xfrm>
+          <a:prstGeom prst="rect">
+            <a:avLst/>
+          </a:prstGeom>
+          <a:noFill/>
+        </p:spPr>
+        <p:txBody>
+          <a:bodyPr wrap="none" rtlCol="0">
+            <a:spAutoFit/>
+          </a:bodyPr>
+          <a:lstStyle/>
+          <a:p>
+            <a:pPr algn="ctr"/>
+            <a:r>
+              <a:rPr lang="es-SV" dirty="0" smtClean="0">
+                <a:solidFill>
+                  <a:schemeClr val="accent4">
+                    <a:lumMod val="50000"/>
+                  </a:schemeClr>
+                </a:solidFill>
+                <a:latin typeface="Berlin Sans FB" pitchFamily="34" charset="0"/>
+              </a:rPr>
+              <a:t>Enfermería</a:t>
+            </a:r>
+            <a:endParaRPr lang="es-SV" dirty="0">
+              <a:solidFill>
+                <a:schemeClr val="accent4">
+                  <a:lumMod val="50000"/>
+                </a:schemeClr>
+              </a:solidFill>
+              <a:latin typeface="Berlin Sans FB" pitchFamily="34" charset="0"/>
+            </a:endParaRPr>
+          </a:p>
+        </p:txBody>
+      </p:sp>
+      <p:sp>
+        <p:nvSpPr>
+          <p:cNvPr id="33" name="32 CuadroTexto"/>
+          <p:cNvSpPr txBox="1"/>
+          <p:nvPr/>
+        </p:nvSpPr>
+        <p:spPr>
+          <a:xfrm>
+            <a:off x="6009471" y="5931333"/>
+            <a:ext cx="1013418" cy="646331"/>
+          </a:xfrm>
+          <a:prstGeom prst="rect">
+            <a:avLst/>
+          </a:prstGeom>
+          <a:noFill/>
+        </p:spPr>
+        <p:txBody>
+          <a:bodyPr wrap="none" rtlCol="0">
+            <a:spAutoFit/>
+          </a:bodyPr>
+          <a:lstStyle/>
+          <a:p>
+            <a:pPr algn="ctr"/>
+            <a:r>
+              <a:rPr lang="es-SV" dirty="0" smtClean="0">
+                <a:solidFill>
+                  <a:schemeClr val="accent4">
+                    <a:lumMod val="50000"/>
+                  </a:schemeClr>
+                </a:solidFill>
+                <a:latin typeface="Berlin Sans FB" pitchFamily="34" charset="0"/>
+              </a:rPr>
+              <a:t>Consulta</a:t>
+            </a:r>
+          </a:p>
+          <a:p>
+            <a:pPr algn="ctr"/>
+            <a:r>
+              <a:rPr lang="es-SV" dirty="0" smtClean="0">
+                <a:solidFill>
+                  <a:schemeClr val="accent4">
+                    <a:lumMod val="50000"/>
+                  </a:schemeClr>
+                </a:solidFill>
+                <a:latin typeface="Berlin Sans FB" pitchFamily="34" charset="0"/>
+              </a:rPr>
+              <a:t>Médica</a:t>
+            </a:r>
+            <a:endParaRPr lang="es-SV" dirty="0">
+              <a:solidFill>
+                <a:schemeClr val="accent4">
+                  <a:lumMod val="50000"/>
+                </a:schemeClr>
+              </a:solidFill>
+              <a:latin typeface="Berlin Sans FB" pitchFamily="34" charset="0"/>
+            </a:endParaRPr>
+          </a:p>
+        </p:txBody>
+      </p:sp>
+      <p:sp>
+        <p:nvSpPr>
+          <p:cNvPr id="34" name="33 CuadroTexto"/>
+          <p:cNvSpPr txBox="1"/>
+          <p:nvPr/>
+        </p:nvSpPr>
+        <p:spPr>
+          <a:xfrm>
+            <a:off x="7862471" y="6069834"/>
+            <a:ext cx="647934" cy="369332"/>
+          </a:xfrm>
+          <a:prstGeom prst="rect">
+            <a:avLst/>
+          </a:prstGeom>
+          <a:noFill/>
+        </p:spPr>
+        <p:txBody>
+          <a:bodyPr wrap="none" rtlCol="0">
+            <a:spAutoFit/>
+          </a:bodyPr>
+          <a:lstStyle/>
+          <a:p>
+            <a:pPr algn="ctr"/>
+            <a:r>
+              <a:rPr lang="es-SV" dirty="0" smtClean="0">
+                <a:solidFill>
+                  <a:schemeClr val="accent4">
+                    <a:lumMod val="50000"/>
+                  </a:schemeClr>
+                </a:solidFill>
+                <a:latin typeface="Berlin Sans FB" pitchFamily="34" charset="0"/>
+              </a:rPr>
+              <a:t>Citas</a:t>
+            </a:r>
+            <a:endParaRPr lang="es-SV" dirty="0">
+              <a:solidFill>
+                <a:schemeClr val="accent4">
+                  <a:lumMod val="50000"/>
+                </a:schemeClr>
+              </a:solidFill>
+              <a:latin typeface="Berlin Sans FB" pitchFamily="34" charset="0"/>
+            </a:endParaRPr>
+          </a:p>
+        </p:txBody>
+      </p:sp>
+    </p:spTree>
+    <p:extLst>
+      <p:ext uri="{BB962C8B-B14F-4D97-AF65-F5344CB8AC3E}">
+        <p14:creationId xmlns:p14="http://schemas.microsoft.com/office/powerpoint/2010/main" val="665310389"/>
+      </p:ext>
+    </p:extLst>
+  </p:cSld>
+  <p:clrMapOvr>
+    <a:masterClrMapping/>
+  </p:clrMapOvr>
+</p:sld>
+</file>
+
+<file path=ppt/slides/slide32.xml><?xml version="1.0" encoding="utf-8"?>
+<p:sld xmlns:a="http://schemas.openxmlformats.org/drawingml/2006/main" xmlns:r="http://schemas.openxmlformats.org/officeDocument/2006/relationships" xmlns:p="http://schemas.openxmlformats.org/presentationml/2006/main">
+  <p:cSld>
+    <p:spTree>
+      <p:nvGrpSpPr>
+        <p:cNvPr id="1" name=""/>
+        <p:cNvGrpSpPr/>
+        <p:nvPr/>
+      </p:nvGrpSpPr>
+      <p:grpSpPr>
+        <a:xfrm>
+          <a:off x="0" y="0"/>
+          <a:ext cx="0" cy="0"/>
+          <a:chOff x="0" y="0"/>
+          <a:chExt cx="0" cy="0"/>
+        </a:xfrm>
+      </p:grpSpPr>
+      <p:pic>
+        <p:nvPicPr>
+          <p:cNvPr id="6" name="Picture 4" descr="C:\Users\CRRuiz\Downloads\first-aid-kit.png"/>
+          <p:cNvPicPr>
+            <a:picLocks noChangeAspect="1" noChangeArrowheads="1"/>
+          </p:cNvPicPr>
+          <p:nvPr/>
+        </p:nvPicPr>
+        <p:blipFill>
+          <a:blip r:embed="rId2" cstate="print">
+            <a:extLst>
+              <a:ext uri="{28A0092B-C50C-407E-A947-70E740481C1C}">
+                <a14:useLocalDpi xmlns:a14="http://schemas.microsoft.com/office/drawing/2010/main" val="0"/>
+              </a:ext>
+            </a:extLst>
+          </a:blip>
+          <a:srcRect/>
+          <a:stretch>
+            <a:fillRect/>
+          </a:stretch>
+        </p:blipFill>
+        <p:spPr bwMode="auto">
+          <a:xfrm>
+            <a:off x="4250516" y="1340768"/>
+            <a:ext cx="1080000" cy="1080000"/>
+          </a:xfrm>
+          <a:prstGeom prst="rect">
+            <a:avLst/>
+          </a:prstGeom>
+          <a:noFill/>
+          <a:effectLst>
+            <a:outerShdw blurRad="50800" dist="38100" dir="2700000" algn="tl" rotWithShape="0">
+              <a:prstClr val="black">
+                <a:alpha val="40000"/>
+              </a:prstClr>
+            </a:outerShdw>
+          </a:effectLst>
+          <a:extLst>
+            <a:ext uri="{909E8E84-426E-40DD-AFC4-6F175D3DCCD1}">
+              <a14:hiddenFill xmlns:a14="http://schemas.microsoft.com/office/drawing/2010/main">
+                <a:solidFill>
+                  <a:srgbClr val="FFFFFF"/>
+                </a:solidFill>
+              </a14:hiddenFill>
+            </a:ext>
+          </a:extLst>
+        </p:spPr>
+      </p:pic>
+      <p:sp>
+        <p:nvSpPr>
+          <p:cNvPr id="5" name="4 CuadroTexto"/>
+          <p:cNvSpPr txBox="1"/>
+          <p:nvPr/>
+        </p:nvSpPr>
+        <p:spPr>
+          <a:xfrm>
+            <a:off x="4203068" y="2566645"/>
+            <a:ext cx="1107997" cy="369332"/>
+          </a:xfrm>
+          <a:prstGeom prst="rect">
+            <a:avLst/>
+          </a:prstGeom>
+          <a:noFill/>
+        </p:spPr>
+        <p:txBody>
+          <a:bodyPr wrap="none" rtlCol="0">
+            <a:spAutoFit/>
+          </a:bodyPr>
+          <a:lstStyle/>
+          <a:p>
+            <a:pPr algn="ctr"/>
+            <a:r>
+              <a:rPr lang="es-SV" dirty="0" smtClean="0">
+                <a:solidFill>
+                  <a:schemeClr val="accent4">
+                    <a:lumMod val="50000"/>
+                  </a:schemeClr>
+                </a:solidFill>
+                <a:latin typeface="Berlin Sans FB" pitchFamily="34" charset="0"/>
+              </a:rPr>
+              <a:t>Farmacia</a:t>
+            </a:r>
+            <a:endParaRPr lang="es-SV" dirty="0">
+              <a:solidFill>
+                <a:schemeClr val="accent4">
+                  <a:lumMod val="50000"/>
+                </a:schemeClr>
+              </a:solidFill>
+              <a:latin typeface="Berlin Sans FB" pitchFamily="34" charset="0"/>
+            </a:endParaRPr>
+          </a:p>
+        </p:txBody>
+      </p:sp>
+      <p:pic>
+        <p:nvPicPr>
+          <p:cNvPr id="7" name="Picture 6" descr="C:\Users\CRRuiz\Downloads\drugs.png"/>
+          <p:cNvPicPr>
+            <a:picLocks noChangeAspect="1" noChangeArrowheads="1"/>
+          </p:cNvPicPr>
+          <p:nvPr/>
+        </p:nvPicPr>
+        <p:blipFill>
+          <a:blip r:embed="rId3" cstate="print">
+            <a:extLst>
+              <a:ext uri="{28A0092B-C50C-407E-A947-70E740481C1C}">
+                <a14:useLocalDpi xmlns:a14="http://schemas.microsoft.com/office/drawing/2010/main" val="0"/>
+              </a:ext>
+            </a:extLst>
+          </a:blip>
+          <a:srcRect/>
+          <a:stretch>
+            <a:fillRect/>
+          </a:stretch>
+        </p:blipFill>
+        <p:spPr bwMode="auto">
+          <a:xfrm>
+            <a:off x="2889016" y="3463921"/>
+            <a:ext cx="720000" cy="720000"/>
+          </a:xfrm>
+          <a:prstGeom prst="rect">
+            <a:avLst/>
+          </a:prstGeom>
+          <a:noFill/>
+          <a:effectLst>
+            <a:outerShdw blurRad="50800" dist="38100" dir="2700000" algn="tl" rotWithShape="0">
+              <a:prstClr val="black">
+                <a:alpha val="40000"/>
+              </a:prstClr>
+            </a:outerShdw>
+          </a:effectLst>
+          <a:extLst>
+            <a:ext uri="{909E8E84-426E-40DD-AFC4-6F175D3DCCD1}">
+              <a14:hiddenFill xmlns:a14="http://schemas.microsoft.com/office/drawing/2010/main">
+                <a:solidFill>
+                  <a:srgbClr val="FFFFFF"/>
+                </a:solidFill>
+              </a14:hiddenFill>
+            </a:ext>
+          </a:extLst>
+        </p:spPr>
+      </p:pic>
+      <p:sp>
+        <p:nvSpPr>
+          <p:cNvPr id="9" name="8 CuadroTexto"/>
+          <p:cNvSpPr txBox="1"/>
+          <p:nvPr/>
+        </p:nvSpPr>
+        <p:spPr>
+          <a:xfrm>
+            <a:off x="2634665" y="4433127"/>
+            <a:ext cx="1138453" cy="369332"/>
+          </a:xfrm>
+          <a:prstGeom prst="rect">
+            <a:avLst/>
+          </a:prstGeom>
+          <a:noFill/>
+        </p:spPr>
+        <p:txBody>
+          <a:bodyPr wrap="none" rtlCol="0">
+            <a:spAutoFit/>
+          </a:bodyPr>
+          <a:lstStyle/>
+          <a:p>
+            <a:pPr algn="ctr"/>
+            <a:r>
+              <a:rPr lang="es-SV" dirty="0" smtClean="0">
+                <a:solidFill>
+                  <a:schemeClr val="accent4">
+                    <a:lumMod val="50000"/>
+                  </a:schemeClr>
+                </a:solidFill>
+                <a:latin typeface="Berlin Sans FB" pitchFamily="34" charset="0"/>
+              </a:rPr>
+              <a:t>Productos</a:t>
+            </a:r>
+            <a:endParaRPr lang="es-SV" dirty="0">
+              <a:solidFill>
+                <a:schemeClr val="accent4">
+                  <a:lumMod val="50000"/>
+                </a:schemeClr>
+              </a:solidFill>
+              <a:latin typeface="Berlin Sans FB" pitchFamily="34" charset="0"/>
+            </a:endParaRPr>
+          </a:p>
+        </p:txBody>
+      </p:sp>
+      <p:pic>
+        <p:nvPicPr>
+          <p:cNvPr id="10" name="Picture 2" descr="C:\Users\CRRuiz\Downloads\shopping-cart.png"/>
+          <p:cNvPicPr>
+            <a:picLocks noChangeAspect="1" noChangeArrowheads="1"/>
+          </p:cNvPicPr>
+          <p:nvPr/>
+        </p:nvPicPr>
+        <p:blipFill>
+          <a:blip r:embed="rId4" cstate="print">
+            <a:extLst>
+              <a:ext uri="{28A0092B-C50C-407E-A947-70E740481C1C}">
+                <a14:useLocalDpi xmlns:a14="http://schemas.microsoft.com/office/drawing/2010/main" val="0"/>
+              </a:ext>
+            </a:extLst>
+          </a:blip>
+          <a:srcRect/>
+          <a:stretch>
+            <a:fillRect/>
+          </a:stretch>
+        </p:blipFill>
+        <p:spPr bwMode="auto">
+          <a:xfrm>
+            <a:off x="5868144" y="3464353"/>
+            <a:ext cx="720000" cy="720000"/>
+          </a:xfrm>
+          <a:prstGeom prst="rect">
+            <a:avLst/>
+          </a:prstGeom>
+          <a:noFill/>
+          <a:effectLst>
+            <a:outerShdw blurRad="50800" dist="38100" dir="2700000" algn="tl" rotWithShape="0">
+              <a:prstClr val="black">
+                <a:alpha val="40000"/>
+              </a:prstClr>
+            </a:outerShdw>
+          </a:effectLst>
+          <a:extLst>
+            <a:ext uri="{909E8E84-426E-40DD-AFC4-6F175D3DCCD1}">
+              <a14:hiddenFill xmlns:a14="http://schemas.microsoft.com/office/drawing/2010/main">
+                <a:solidFill>
+                  <a:srgbClr val="FFFFFF"/>
+                </a:solidFill>
+              </a14:hiddenFill>
+            </a:ext>
+          </a:extLst>
+        </p:spPr>
+      </p:pic>
+      <p:pic>
+        <p:nvPicPr>
+          <p:cNvPr id="2050" name="Picture 2" descr="C:\Users\CRRuiz\Downloads\basket.png"/>
+          <p:cNvPicPr>
+            <a:picLocks noChangeAspect="1" noChangeArrowheads="1"/>
+          </p:cNvPicPr>
+          <p:nvPr/>
+        </p:nvPicPr>
+        <p:blipFill>
+          <a:blip r:embed="rId5" cstate="print">
+            <a:extLst>
+              <a:ext uri="{28A0092B-C50C-407E-A947-70E740481C1C}">
+                <a14:useLocalDpi xmlns:a14="http://schemas.microsoft.com/office/drawing/2010/main" val="0"/>
+              </a:ext>
+            </a:extLst>
+          </a:blip>
+          <a:srcRect/>
+          <a:stretch>
+            <a:fillRect/>
+          </a:stretch>
+        </p:blipFill>
+        <p:spPr bwMode="auto">
+          <a:xfrm>
+            <a:off x="4495877" y="3529714"/>
+            <a:ext cx="589277" cy="589277"/>
+          </a:xfrm>
+          <a:prstGeom prst="rect">
+            <a:avLst/>
+          </a:prstGeom>
+          <a:noFill/>
+          <a:extLst>
+            <a:ext uri="{909E8E84-426E-40DD-AFC4-6F175D3DCCD1}">
+              <a14:hiddenFill xmlns:a14="http://schemas.microsoft.com/office/drawing/2010/main">
+                <a:solidFill>
+                  <a:srgbClr val="FFFFFF"/>
+                </a:solidFill>
+              </a14:hiddenFill>
+            </a:ext>
+          </a:extLst>
+        </p:spPr>
+      </p:pic>
+      <p:sp>
+        <p:nvSpPr>
+          <p:cNvPr id="12" name="11 CuadroTexto"/>
+          <p:cNvSpPr txBox="1"/>
+          <p:nvPr/>
+        </p:nvSpPr>
+        <p:spPr>
+          <a:xfrm>
+            <a:off x="4271785" y="4433127"/>
+            <a:ext cx="1037465" cy="369332"/>
+          </a:xfrm>
+          <a:prstGeom prst="rect">
+            <a:avLst/>
+          </a:prstGeom>
+          <a:noFill/>
+        </p:spPr>
+        <p:txBody>
+          <a:bodyPr wrap="none" rtlCol="0">
+            <a:spAutoFit/>
+          </a:bodyPr>
+          <a:lstStyle/>
+          <a:p>
+            <a:pPr algn="ctr"/>
+            <a:r>
+              <a:rPr lang="es-SV" dirty="0" smtClean="0">
+                <a:solidFill>
+                  <a:schemeClr val="accent4">
+                    <a:lumMod val="50000"/>
+                  </a:schemeClr>
+                </a:solidFill>
+                <a:latin typeface="Berlin Sans FB" pitchFamily="34" charset="0"/>
+              </a:rPr>
+              <a:t>Entradas</a:t>
+            </a:r>
+            <a:endParaRPr lang="es-SV" dirty="0">
+              <a:solidFill>
+                <a:schemeClr val="accent4">
+                  <a:lumMod val="50000"/>
+                </a:schemeClr>
+              </a:solidFill>
+              <a:latin typeface="Berlin Sans FB" pitchFamily="34" charset="0"/>
+            </a:endParaRPr>
+          </a:p>
+        </p:txBody>
+      </p:sp>
+      <p:sp>
+        <p:nvSpPr>
+          <p:cNvPr id="13" name="12 CuadroTexto"/>
+          <p:cNvSpPr txBox="1"/>
+          <p:nvPr/>
+        </p:nvSpPr>
+        <p:spPr>
+          <a:xfrm>
+            <a:off x="5803990" y="4433127"/>
+            <a:ext cx="848310" cy="369332"/>
+          </a:xfrm>
+          <a:prstGeom prst="rect">
+            <a:avLst/>
+          </a:prstGeom>
+          <a:noFill/>
+        </p:spPr>
+        <p:txBody>
+          <a:bodyPr wrap="none" rtlCol="0">
+            <a:spAutoFit/>
+          </a:bodyPr>
+          <a:lstStyle/>
+          <a:p>
+            <a:pPr algn="ctr"/>
+            <a:r>
+              <a:rPr lang="es-SV" dirty="0" smtClean="0">
+                <a:solidFill>
+                  <a:schemeClr val="accent4">
+                    <a:lumMod val="50000"/>
+                  </a:schemeClr>
+                </a:solidFill>
+                <a:latin typeface="Berlin Sans FB" pitchFamily="34" charset="0"/>
+              </a:rPr>
+              <a:t>Salidas</a:t>
+            </a:r>
+            <a:endParaRPr lang="es-SV" dirty="0">
+              <a:solidFill>
+                <a:schemeClr val="accent4">
+                  <a:lumMod val="50000"/>
+                </a:schemeClr>
+              </a:solidFill>
+              <a:latin typeface="Berlin Sans FB" pitchFamily="34" charset="0"/>
+            </a:endParaRPr>
+          </a:p>
+        </p:txBody>
+      </p:sp>
+    </p:spTree>
+    <p:extLst>
+      <p:ext uri="{BB962C8B-B14F-4D97-AF65-F5344CB8AC3E}">
+        <p14:creationId xmlns:p14="http://schemas.microsoft.com/office/powerpoint/2010/main" val="3260618327"/>
+      </p:ext>
+    </p:extLst>
+  </p:cSld>
+  <p:clrMapOvr>
+    <a:masterClrMapping/>
+  </p:clrMapOvr>
+</p:sld>
+</file>
+
+<file path=ppt/slides/slide33.xml><?xml version="1.0" encoding="utf-8"?>
+<p:sld xmlns:a="http://schemas.openxmlformats.org/drawingml/2006/main" xmlns:r="http://schemas.openxmlformats.org/officeDocument/2006/relationships" xmlns:p="http://schemas.openxmlformats.org/presentationml/2006/main">
+  <p:cSld>
+    <p:spTree>
+      <p:nvGrpSpPr>
+        <p:cNvPr id="1" name=""/>
+        <p:cNvGrpSpPr/>
+        <p:nvPr/>
+      </p:nvGrpSpPr>
+      <p:grpSpPr>
+        <a:xfrm>
+          <a:off x="0" y="0"/>
+          <a:ext cx="0" cy="0"/>
+          <a:chOff x="0" y="0"/>
+          <a:chExt cx="0" cy="0"/>
+        </a:xfrm>
+      </p:grpSpPr>
+      <p:pic>
+        <p:nvPicPr>
+          <p:cNvPr id="3074" name="Picture 2" descr="C:\Users\CRRuiz\Downloads\stats.png"/>
+          <p:cNvPicPr>
+            <a:picLocks noChangeAspect="1" noChangeArrowheads="1"/>
+          </p:cNvPicPr>
+          <p:nvPr/>
+        </p:nvPicPr>
+        <p:blipFill>
+          <a:blip r:embed="rId2">
+            <a:extLst>
+              <a:ext uri="{28A0092B-C50C-407E-A947-70E740481C1C}">
+                <a14:useLocalDpi xmlns:a14="http://schemas.microsoft.com/office/drawing/2010/main" val="0"/>
+              </a:ext>
+            </a:extLst>
+          </a:blip>
+          <a:srcRect/>
+          <a:stretch>
+            <a:fillRect/>
+          </a:stretch>
+        </p:blipFill>
+        <p:spPr bwMode="auto">
+          <a:xfrm>
+            <a:off x="3492000" y="1266729"/>
+            <a:ext cx="2160000" cy="2160000"/>
+          </a:xfrm>
+          <a:prstGeom prst="rect">
+            <a:avLst/>
+          </a:prstGeom>
+          <a:noFill/>
+          <a:effectLst>
+            <a:outerShdw blurRad="50800" dist="38100" dir="2700000" algn="tl" rotWithShape="0">
+              <a:prstClr val="black">
+                <a:alpha val="40000"/>
+              </a:prstClr>
+            </a:outerShdw>
+          </a:effectLst>
+          <a:extLst>
+            <a:ext uri="{909E8E84-426E-40DD-AFC4-6F175D3DCCD1}">
+              <a14:hiddenFill xmlns:a14="http://schemas.microsoft.com/office/drawing/2010/main">
+                <a:solidFill>
+                  <a:srgbClr val="FFFFFF"/>
+                </a:solidFill>
+              </a14:hiddenFill>
+            </a:ext>
+          </a:extLst>
+        </p:spPr>
+      </p:pic>
+      <p:sp>
+        <p:nvSpPr>
+          <p:cNvPr id="5" name="4 CuadroTexto"/>
+          <p:cNvSpPr txBox="1"/>
+          <p:nvPr/>
+        </p:nvSpPr>
+        <p:spPr>
+          <a:xfrm>
+            <a:off x="4063688" y="4149080"/>
+            <a:ext cx="1016625" cy="369332"/>
+          </a:xfrm>
+          <a:prstGeom prst="rect">
+            <a:avLst/>
+          </a:prstGeom>
+          <a:noFill/>
+        </p:spPr>
+        <p:txBody>
+          <a:bodyPr wrap="none" rtlCol="0">
+            <a:spAutoFit/>
+          </a:bodyPr>
+          <a:lstStyle/>
+          <a:p>
+            <a:pPr algn="ctr"/>
+            <a:r>
+              <a:rPr lang="es-SV" dirty="0" smtClean="0">
+                <a:solidFill>
+                  <a:schemeClr val="accent4">
+                    <a:lumMod val="50000"/>
+                  </a:schemeClr>
+                </a:solidFill>
+                <a:latin typeface="Berlin Sans FB" pitchFamily="34" charset="0"/>
+              </a:rPr>
+              <a:t>Reportes</a:t>
+            </a:r>
+            <a:endParaRPr lang="es-SV" dirty="0">
+              <a:solidFill>
+                <a:schemeClr val="accent4">
+                  <a:lumMod val="50000"/>
+                </a:schemeClr>
+              </a:solidFill>
+              <a:latin typeface="Berlin Sans FB" pitchFamily="34" charset="0"/>
+            </a:endParaRPr>
+          </a:p>
+        </p:txBody>
+      </p:sp>
+    </p:spTree>
+    <p:extLst>
+      <p:ext uri="{BB962C8B-B14F-4D97-AF65-F5344CB8AC3E}">
+        <p14:creationId xmlns:p14="http://schemas.microsoft.com/office/powerpoint/2010/main" val="331838323"/>
+      </p:ext>
+    </p:extLst>
+  </p:cSld>
+  <p:clrMapOvr>
+    <a:masterClrMapping/>
+  </p:clrMapOvr>
+</p:sld>
+</file>
+
+<file path=ppt/slides/slide34.xml><?xml version="1.0" encoding="utf-8"?>
+<p:sld xmlns:a="http://schemas.openxmlformats.org/drawingml/2006/main" xmlns:r="http://schemas.openxmlformats.org/officeDocument/2006/relationships" xmlns:p="http://schemas.openxmlformats.org/presentationml/2006/main">
+  <p:cSld>
+    <p:spTree>
+      <p:nvGrpSpPr>
+        <p:cNvPr id="1" name=""/>
+        <p:cNvGrpSpPr/>
+        <p:nvPr/>
+      </p:nvGrpSpPr>
+      <p:grpSpPr>
+        <a:xfrm>
+          <a:off x="0" y="0"/>
+          <a:ext cx="0" cy="0"/>
+          <a:chOff x="0" y="0"/>
+          <a:chExt cx="0" cy="0"/>
+        </a:xfrm>
+      </p:grpSpPr>
+      <p:sp>
+        <p:nvSpPr>
+          <p:cNvPr id="5" name="4 CuadroTexto"/>
+          <p:cNvSpPr txBox="1"/>
+          <p:nvPr/>
+        </p:nvSpPr>
+        <p:spPr>
+          <a:xfrm>
+            <a:off x="957309" y="1150016"/>
+            <a:ext cx="1138453" cy="369332"/>
+          </a:xfrm>
+          <a:prstGeom prst="rect">
+            <a:avLst/>
+          </a:prstGeom>
+          <a:noFill/>
+        </p:spPr>
+        <p:txBody>
+          <a:bodyPr wrap="none" rtlCol="0">
+            <a:spAutoFit/>
+          </a:bodyPr>
+          <a:lstStyle/>
+          <a:p>
+            <a:pPr algn="ctr"/>
+            <a:r>
+              <a:rPr lang="es-SV" dirty="0" smtClean="0">
+                <a:solidFill>
+                  <a:schemeClr val="accent4">
+                    <a:lumMod val="50000"/>
+                  </a:schemeClr>
+                </a:solidFill>
+                <a:latin typeface="Berlin Sans FB" pitchFamily="34" charset="0"/>
+              </a:rPr>
+              <a:t>Productos</a:t>
+            </a:r>
+            <a:endParaRPr lang="es-SV" dirty="0">
+              <a:solidFill>
+                <a:schemeClr val="accent4">
+                  <a:lumMod val="50000"/>
+                </a:schemeClr>
+              </a:solidFill>
+              <a:latin typeface="Berlin Sans FB" pitchFamily="34" charset="0"/>
+            </a:endParaRPr>
+          </a:p>
+        </p:txBody>
+      </p:sp>
+      <p:pic>
+        <p:nvPicPr>
+          <p:cNvPr id="6" name="Picture 15" descr="C:\Users\CRRuiz\Downloads\users.png"/>
+          <p:cNvPicPr>
+            <a:picLocks noChangeAspect="1" noChangeArrowheads="1"/>
+          </p:cNvPicPr>
+          <p:nvPr/>
+        </p:nvPicPr>
+        <p:blipFill>
+          <a:blip r:embed="rId2" cstate="print">
+            <a:extLst>
+              <a:ext uri="{28A0092B-C50C-407E-A947-70E740481C1C}">
+                <a14:useLocalDpi xmlns:a14="http://schemas.microsoft.com/office/drawing/2010/main" val="0"/>
+              </a:ext>
+            </a:extLst>
+          </a:blip>
+          <a:srcRect/>
+          <a:stretch>
+            <a:fillRect/>
+          </a:stretch>
+        </p:blipFill>
+        <p:spPr bwMode="auto">
+          <a:xfrm>
+            <a:off x="2882876" y="188640"/>
+            <a:ext cx="720000" cy="720000"/>
+          </a:xfrm>
+          <a:prstGeom prst="rect">
+            <a:avLst/>
+          </a:prstGeom>
+          <a:noFill/>
+          <a:effectLst>
+            <a:outerShdw blurRad="50800" dist="38100" dir="2700000" algn="tl" rotWithShape="0">
+              <a:prstClr val="black">
+                <a:alpha val="40000"/>
+              </a:prstClr>
+            </a:outerShdw>
+          </a:effectLst>
+          <a:extLst>
+            <a:ext uri="{909E8E84-426E-40DD-AFC4-6F175D3DCCD1}">
+              <a14:hiddenFill xmlns:a14="http://schemas.microsoft.com/office/drawing/2010/main">
+                <a:solidFill>
+                  <a:srgbClr val="FFFFFF"/>
+                </a:solidFill>
+              </a14:hiddenFill>
+            </a:ext>
+          </a:extLst>
+        </p:spPr>
+      </p:pic>
+      <p:sp>
+        <p:nvSpPr>
+          <p:cNvPr id="7" name="6 CuadroTexto"/>
+          <p:cNvSpPr txBox="1"/>
+          <p:nvPr/>
+        </p:nvSpPr>
+        <p:spPr>
+          <a:xfrm>
+            <a:off x="2689680" y="1011517"/>
+            <a:ext cx="1106393" cy="646331"/>
+          </a:xfrm>
+          <a:prstGeom prst="rect">
+            <a:avLst/>
+          </a:prstGeom>
+          <a:noFill/>
+        </p:spPr>
+        <p:txBody>
+          <a:bodyPr wrap="none" rtlCol="0">
+            <a:spAutoFit/>
+          </a:bodyPr>
+          <a:lstStyle/>
+          <a:p>
+            <a:pPr algn="ctr"/>
+            <a:r>
+              <a:rPr lang="es-SV" dirty="0" smtClean="0">
+                <a:solidFill>
+                  <a:schemeClr val="accent4">
+                    <a:lumMod val="50000"/>
+                  </a:schemeClr>
+                </a:solidFill>
+                <a:latin typeface="Berlin Sans FB" pitchFamily="34" charset="0"/>
+              </a:rPr>
+              <a:t>Recursos</a:t>
+            </a:r>
+          </a:p>
+          <a:p>
+            <a:pPr algn="ctr"/>
+            <a:r>
+              <a:rPr lang="es-SV" dirty="0" smtClean="0">
+                <a:solidFill>
+                  <a:schemeClr val="accent4">
+                    <a:lumMod val="50000"/>
+                  </a:schemeClr>
+                </a:solidFill>
+                <a:latin typeface="Berlin Sans FB" pitchFamily="34" charset="0"/>
+              </a:rPr>
+              <a:t>Humanos</a:t>
+            </a:r>
+            <a:endParaRPr lang="es-SV" dirty="0">
+              <a:solidFill>
+                <a:schemeClr val="accent4">
+                  <a:lumMod val="50000"/>
+                </a:schemeClr>
+              </a:solidFill>
+              <a:latin typeface="Berlin Sans FB" pitchFamily="34" charset="0"/>
+            </a:endParaRPr>
+          </a:p>
+        </p:txBody>
+      </p:sp>
+      <p:pic>
+        <p:nvPicPr>
+          <p:cNvPr id="8" name="Picture 14" descr="C:\Users\CRRuiz\Downloads\graph.png"/>
+          <p:cNvPicPr>
+            <a:picLocks noChangeAspect="1" noChangeArrowheads="1"/>
+          </p:cNvPicPr>
+          <p:nvPr/>
+        </p:nvPicPr>
+        <p:blipFill>
+          <a:blip r:embed="rId3" cstate="print">
+            <a:extLst>
+              <a:ext uri="{28A0092B-C50C-407E-A947-70E740481C1C}">
+                <a14:useLocalDpi xmlns:a14="http://schemas.microsoft.com/office/drawing/2010/main" val="0"/>
+              </a:ext>
+            </a:extLst>
+          </a:blip>
+          <a:srcRect/>
+          <a:stretch>
+            <a:fillRect/>
+          </a:stretch>
+        </p:blipFill>
+        <p:spPr bwMode="auto">
+          <a:xfrm>
+            <a:off x="4445448" y="188640"/>
+            <a:ext cx="720000" cy="720000"/>
+          </a:xfrm>
+          <a:prstGeom prst="rect">
+            <a:avLst/>
+          </a:prstGeom>
+          <a:noFill/>
+          <a:effectLst>
+            <a:outerShdw blurRad="50800" dist="38100" dir="2700000" algn="tl" rotWithShape="0">
+              <a:prstClr val="black">
+                <a:alpha val="40000"/>
+              </a:prstClr>
+            </a:outerShdw>
+          </a:effectLst>
+          <a:extLst>
+            <a:ext uri="{909E8E84-426E-40DD-AFC4-6F175D3DCCD1}">
+              <a14:hiddenFill xmlns:a14="http://schemas.microsoft.com/office/drawing/2010/main">
+                <a:solidFill>
+                  <a:srgbClr val="FFFFFF"/>
+                </a:solidFill>
+              </a14:hiddenFill>
+            </a:ext>
+          </a:extLst>
+        </p:spPr>
+      </p:pic>
+      <p:pic>
+        <p:nvPicPr>
+          <p:cNvPr id="9" name="Picture 20" descr="C:\Users\CRRuiz\Downloads\bookshelf.png"/>
+          <p:cNvPicPr>
+            <a:picLocks noChangeAspect="1" noChangeArrowheads="1"/>
+          </p:cNvPicPr>
+          <p:nvPr/>
+        </p:nvPicPr>
+        <p:blipFill>
+          <a:blip r:embed="rId4" cstate="print">
+            <a:extLst>
+              <a:ext uri="{28A0092B-C50C-407E-A947-70E740481C1C}">
+                <a14:useLocalDpi xmlns:a14="http://schemas.microsoft.com/office/drawing/2010/main" val="0"/>
+              </a:ext>
+            </a:extLst>
+          </a:blip>
+          <a:srcRect/>
+          <a:stretch>
+            <a:fillRect/>
+          </a:stretch>
+        </p:blipFill>
+        <p:spPr bwMode="auto">
+          <a:xfrm>
+            <a:off x="6171108" y="188640"/>
+            <a:ext cx="720000" cy="720000"/>
+          </a:xfrm>
+          <a:prstGeom prst="rect">
+            <a:avLst/>
+          </a:prstGeom>
+          <a:noFill/>
+          <a:effectLst>
+            <a:outerShdw blurRad="50800" dist="38100" dir="2700000" algn="tl" rotWithShape="0">
+              <a:prstClr val="black">
+                <a:alpha val="40000"/>
+              </a:prstClr>
+            </a:outerShdw>
+          </a:effectLst>
+          <a:extLst>
+            <a:ext uri="{909E8E84-426E-40DD-AFC4-6F175D3DCCD1}">
+              <a14:hiddenFill xmlns:a14="http://schemas.microsoft.com/office/drawing/2010/main">
+                <a:solidFill>
+                  <a:srgbClr val="FFFFFF"/>
+                </a:solidFill>
+              </a14:hiddenFill>
+            </a:ext>
+          </a:extLst>
+        </p:spPr>
+      </p:pic>
+      <p:sp>
+        <p:nvSpPr>
+          <p:cNvPr id="10" name="9 CuadroTexto"/>
+          <p:cNvSpPr txBox="1"/>
+          <p:nvPr/>
+        </p:nvSpPr>
+        <p:spPr>
+          <a:xfrm>
+            <a:off x="4075550" y="1150016"/>
+            <a:ext cx="1433406" cy="369332"/>
+          </a:xfrm>
+          <a:prstGeom prst="rect">
+            <a:avLst/>
+          </a:prstGeom>
+          <a:noFill/>
+        </p:spPr>
+        <p:txBody>
+          <a:bodyPr wrap="none" rtlCol="0">
+            <a:spAutoFit/>
+          </a:bodyPr>
+          <a:lstStyle/>
+          <a:p>
+            <a:pPr algn="ctr"/>
+            <a:r>
+              <a:rPr lang="es-SV" dirty="0" smtClean="0">
+                <a:solidFill>
+                  <a:schemeClr val="accent4">
+                    <a:lumMod val="50000"/>
+                  </a:schemeClr>
+                </a:solidFill>
+                <a:latin typeface="Berlin Sans FB" pitchFamily="34" charset="0"/>
+              </a:rPr>
+              <a:t>Contabilidad</a:t>
+            </a:r>
+            <a:endParaRPr lang="es-SV" dirty="0">
+              <a:solidFill>
+                <a:schemeClr val="accent4">
+                  <a:lumMod val="50000"/>
+                </a:schemeClr>
+              </a:solidFill>
+              <a:latin typeface="Berlin Sans FB" pitchFamily="34" charset="0"/>
+            </a:endParaRPr>
+          </a:p>
+        </p:txBody>
+      </p:sp>
+      <p:sp>
+        <p:nvSpPr>
+          <p:cNvPr id="11" name="10 CuadroTexto"/>
+          <p:cNvSpPr txBox="1"/>
+          <p:nvPr/>
+        </p:nvSpPr>
+        <p:spPr>
+          <a:xfrm>
+            <a:off x="5932229" y="1150016"/>
+            <a:ext cx="1197764" cy="369332"/>
+          </a:xfrm>
+          <a:prstGeom prst="rect">
+            <a:avLst/>
+          </a:prstGeom>
+          <a:noFill/>
+        </p:spPr>
+        <p:txBody>
+          <a:bodyPr wrap="none" rtlCol="0">
+            <a:spAutoFit/>
+          </a:bodyPr>
+          <a:lstStyle/>
+          <a:p>
+            <a:pPr algn="ctr"/>
+            <a:r>
+              <a:rPr lang="es-SV" dirty="0" smtClean="0">
+                <a:solidFill>
+                  <a:schemeClr val="accent4">
+                    <a:lumMod val="50000"/>
+                  </a:schemeClr>
+                </a:solidFill>
+                <a:latin typeface="Berlin Sans FB" pitchFamily="34" charset="0"/>
+              </a:rPr>
+              <a:t>Activo Fijo</a:t>
+            </a:r>
+            <a:endParaRPr lang="es-SV" dirty="0">
+              <a:solidFill>
+                <a:schemeClr val="accent4">
+                  <a:lumMod val="50000"/>
+                </a:schemeClr>
+              </a:solidFill>
+              <a:latin typeface="Berlin Sans FB" pitchFamily="34" charset="0"/>
+            </a:endParaRPr>
+          </a:p>
+        </p:txBody>
+      </p:sp>
+      <p:pic>
+        <p:nvPicPr>
+          <p:cNvPr id="12" name="Picture 2" descr="C:\Users\CRRuiz\Downloads\piggy-bank.png"/>
+          <p:cNvPicPr>
+            <a:picLocks noChangeAspect="1" noChangeArrowheads="1"/>
+          </p:cNvPicPr>
+          <p:nvPr/>
+        </p:nvPicPr>
+        <p:blipFill>
+          <a:blip r:embed="rId5" cstate="print">
+            <a:extLst>
+              <a:ext uri="{28A0092B-C50C-407E-A947-70E740481C1C}">
+                <a14:useLocalDpi xmlns:a14="http://schemas.microsoft.com/office/drawing/2010/main" val="0"/>
+              </a:ext>
+            </a:extLst>
+          </a:blip>
+          <a:srcRect/>
+          <a:stretch>
+            <a:fillRect/>
+          </a:stretch>
+        </p:blipFill>
+        <p:spPr bwMode="auto">
+          <a:xfrm>
+            <a:off x="7611268" y="188640"/>
+            <a:ext cx="720000" cy="720000"/>
+          </a:xfrm>
+          <a:prstGeom prst="rect">
+            <a:avLst/>
+          </a:prstGeom>
+          <a:noFill/>
+          <a:effectLst>
+            <a:outerShdw blurRad="50800" dist="38100" dir="2700000" algn="tl" rotWithShape="0">
+              <a:prstClr val="black">
+                <a:alpha val="40000"/>
+              </a:prstClr>
+            </a:outerShdw>
+          </a:effectLst>
+          <a:extLst>
+            <a:ext uri="{909E8E84-426E-40DD-AFC4-6F175D3DCCD1}">
+              <a14:hiddenFill xmlns:a14="http://schemas.microsoft.com/office/drawing/2010/main">
+                <a:solidFill>
+                  <a:srgbClr val="FFFFFF"/>
+                </a:solidFill>
+              </a14:hiddenFill>
+            </a:ext>
+          </a:extLst>
+        </p:spPr>
+      </p:pic>
+      <p:sp>
+        <p:nvSpPr>
+          <p:cNvPr id="13" name="12 CuadroTexto"/>
+          <p:cNvSpPr txBox="1"/>
+          <p:nvPr/>
+        </p:nvSpPr>
+        <p:spPr>
+          <a:xfrm>
+            <a:off x="7388417" y="1011517"/>
+            <a:ext cx="1165705" cy="646331"/>
+          </a:xfrm>
+          <a:prstGeom prst="rect">
+            <a:avLst/>
+          </a:prstGeom>
+          <a:noFill/>
+        </p:spPr>
+        <p:txBody>
+          <a:bodyPr wrap="none" rtlCol="0">
+            <a:spAutoFit/>
+          </a:bodyPr>
+          <a:lstStyle/>
+          <a:p>
+            <a:pPr algn="ctr"/>
+            <a:r>
+              <a:rPr lang="es-SV" dirty="0" smtClean="0">
+                <a:solidFill>
+                  <a:schemeClr val="accent4">
+                    <a:lumMod val="50000"/>
+                  </a:schemeClr>
+                </a:solidFill>
+                <a:latin typeface="Berlin Sans FB" pitchFamily="34" charset="0"/>
+              </a:rPr>
+              <a:t>Cuentas</a:t>
+            </a:r>
+          </a:p>
+          <a:p>
+            <a:pPr algn="ctr"/>
+            <a:r>
+              <a:rPr lang="es-SV" dirty="0" smtClean="0">
+                <a:solidFill>
+                  <a:schemeClr val="accent4">
+                    <a:lumMod val="50000"/>
+                  </a:schemeClr>
+                </a:solidFill>
+                <a:latin typeface="Berlin Sans FB" pitchFamily="34" charset="0"/>
+              </a:rPr>
+              <a:t>Por pagar</a:t>
+            </a:r>
+            <a:endParaRPr lang="es-SV" dirty="0">
+              <a:solidFill>
+                <a:schemeClr val="accent4">
+                  <a:lumMod val="50000"/>
+                </a:schemeClr>
+              </a:solidFill>
+              <a:latin typeface="Berlin Sans FB" pitchFamily="34" charset="0"/>
+            </a:endParaRPr>
+          </a:p>
+        </p:txBody>
+      </p:sp>
+      <p:pic>
+        <p:nvPicPr>
+          <p:cNvPr id="14" name="Picture 3" descr="C:\Users\CRRuiz\Downloads\trolley.png"/>
+          <p:cNvPicPr>
+            <a:picLocks noChangeAspect="1" noChangeArrowheads="1"/>
+          </p:cNvPicPr>
+          <p:nvPr/>
+        </p:nvPicPr>
+        <p:blipFill>
+          <a:blip r:embed="rId6" cstate="print">
+            <a:extLst>
+              <a:ext uri="{28A0092B-C50C-407E-A947-70E740481C1C}">
+                <a14:useLocalDpi xmlns:a14="http://schemas.microsoft.com/office/drawing/2010/main" val="0"/>
+              </a:ext>
+            </a:extLst>
+          </a:blip>
+          <a:srcRect/>
+          <a:stretch>
+            <a:fillRect/>
+          </a:stretch>
+        </p:blipFill>
+        <p:spPr bwMode="auto">
+          <a:xfrm>
+            <a:off x="1166534" y="1879348"/>
+            <a:ext cx="720000" cy="720000"/>
+          </a:xfrm>
+          <a:prstGeom prst="rect">
+            <a:avLst/>
+          </a:prstGeom>
+          <a:noFill/>
+          <a:effectLst>
+            <a:outerShdw blurRad="50800" dist="38100" dir="2700000" algn="tl" rotWithShape="0">
+              <a:prstClr val="black">
+                <a:alpha val="40000"/>
+              </a:prstClr>
+            </a:outerShdw>
+          </a:effectLst>
+          <a:extLst>
+            <a:ext uri="{909E8E84-426E-40DD-AFC4-6F175D3DCCD1}">
+              <a14:hiddenFill xmlns:a14="http://schemas.microsoft.com/office/drawing/2010/main">
+                <a:solidFill>
+                  <a:srgbClr val="FFFFFF"/>
+                </a:solidFill>
+              </a14:hiddenFill>
+            </a:ext>
+          </a:extLst>
+        </p:spPr>
+      </p:pic>
+      <p:sp>
+        <p:nvSpPr>
+          <p:cNvPr id="15" name="14 CuadroTexto"/>
+          <p:cNvSpPr txBox="1"/>
+          <p:nvPr/>
+        </p:nvSpPr>
+        <p:spPr>
+          <a:xfrm>
+            <a:off x="843494" y="2800515"/>
+            <a:ext cx="1366080" cy="369332"/>
+          </a:xfrm>
+          <a:prstGeom prst="rect">
+            <a:avLst/>
+          </a:prstGeom>
+          <a:noFill/>
+        </p:spPr>
+        <p:txBody>
+          <a:bodyPr wrap="none" rtlCol="0">
+            <a:spAutoFit/>
+          </a:bodyPr>
+          <a:lstStyle/>
+          <a:p>
+            <a:pPr algn="ctr"/>
+            <a:r>
+              <a:rPr lang="es-SV" dirty="0" smtClean="0">
+                <a:solidFill>
+                  <a:schemeClr val="accent4">
+                    <a:lumMod val="50000"/>
+                  </a:schemeClr>
+                </a:solidFill>
+                <a:latin typeface="Berlin Sans FB" pitchFamily="34" charset="0"/>
+              </a:rPr>
+              <a:t>Proveedores</a:t>
+            </a:r>
+            <a:endParaRPr lang="es-SV" dirty="0">
+              <a:solidFill>
+                <a:schemeClr val="accent4">
+                  <a:lumMod val="50000"/>
+                </a:schemeClr>
+              </a:solidFill>
+              <a:latin typeface="Berlin Sans FB" pitchFamily="34" charset="0"/>
+            </a:endParaRPr>
+          </a:p>
+        </p:txBody>
+      </p:sp>
+      <p:pic>
+        <p:nvPicPr>
+          <p:cNvPr id="16" name="Picture 6" descr="C:\Users\CRRuiz\Downloads\placeholder (1).png"/>
+          <p:cNvPicPr>
+            <a:picLocks noChangeAspect="1" noChangeArrowheads="1"/>
+          </p:cNvPicPr>
+          <p:nvPr/>
+        </p:nvPicPr>
+        <p:blipFill>
+          <a:blip r:embed="rId7" cstate="print">
+            <a:extLst>
+              <a:ext uri="{28A0092B-C50C-407E-A947-70E740481C1C}">
+                <a14:useLocalDpi xmlns:a14="http://schemas.microsoft.com/office/drawing/2010/main" val="0"/>
+              </a:ext>
+            </a:extLst>
+          </a:blip>
+          <a:srcRect/>
+          <a:stretch>
+            <a:fillRect/>
+          </a:stretch>
+        </p:blipFill>
+        <p:spPr bwMode="auto">
+          <a:xfrm>
+            <a:off x="2875689" y="1879348"/>
+            <a:ext cx="720000" cy="720000"/>
+          </a:xfrm>
+          <a:prstGeom prst="rect">
+            <a:avLst/>
+          </a:prstGeom>
+          <a:noFill/>
+          <a:effectLst>
+            <a:outerShdw blurRad="50800" dist="38100" dir="2700000" algn="tl" rotWithShape="0">
+              <a:prstClr val="black">
+                <a:alpha val="40000"/>
+              </a:prstClr>
+            </a:outerShdw>
+          </a:effectLst>
+          <a:extLst>
+            <a:ext uri="{909E8E84-426E-40DD-AFC4-6F175D3DCCD1}">
+              <a14:hiddenFill xmlns:a14="http://schemas.microsoft.com/office/drawing/2010/main">
+                <a:solidFill>
+                  <a:srgbClr val="FFFFFF"/>
+                </a:solidFill>
+              </a14:hiddenFill>
+            </a:ext>
+          </a:extLst>
+        </p:spPr>
+      </p:pic>
+      <p:sp>
+        <p:nvSpPr>
+          <p:cNvPr id="17" name="16 CuadroTexto"/>
+          <p:cNvSpPr txBox="1"/>
+          <p:nvPr/>
+        </p:nvSpPr>
+        <p:spPr>
+          <a:xfrm>
+            <a:off x="2585513" y="2806761"/>
+            <a:ext cx="1300356" cy="369332"/>
+          </a:xfrm>
+          <a:prstGeom prst="rect">
+            <a:avLst/>
+          </a:prstGeom>
+          <a:noFill/>
+        </p:spPr>
+        <p:txBody>
+          <a:bodyPr wrap="none" rtlCol="0">
+            <a:spAutoFit/>
+          </a:bodyPr>
+          <a:lstStyle/>
+          <a:p>
+            <a:pPr algn="ctr"/>
+            <a:r>
+              <a:rPr lang="es-SV" dirty="0" smtClean="0">
+                <a:solidFill>
+                  <a:schemeClr val="accent4">
+                    <a:lumMod val="50000"/>
+                  </a:schemeClr>
+                </a:solidFill>
+                <a:latin typeface="Berlin Sans FB" pitchFamily="34" charset="0"/>
+              </a:rPr>
+              <a:t>Ubicaciones</a:t>
+            </a:r>
+            <a:endParaRPr lang="es-SV" dirty="0">
+              <a:solidFill>
+                <a:schemeClr val="accent4">
+                  <a:lumMod val="50000"/>
+                </a:schemeClr>
+              </a:solidFill>
+              <a:latin typeface="Berlin Sans FB" pitchFamily="34" charset="0"/>
+            </a:endParaRPr>
+          </a:p>
+        </p:txBody>
+      </p:sp>
+      <p:pic>
+        <p:nvPicPr>
+          <p:cNvPr id="18" name="Picture 4" descr="C:\Users\CRRuiz\Downloads\documentation.png"/>
+          <p:cNvPicPr>
+            <a:picLocks noChangeAspect="1" noChangeArrowheads="1"/>
+          </p:cNvPicPr>
+          <p:nvPr/>
+        </p:nvPicPr>
+        <p:blipFill>
+          <a:blip r:embed="rId8" cstate="print">
+            <a:extLst>
+              <a:ext uri="{28A0092B-C50C-407E-A947-70E740481C1C}">
+                <a14:useLocalDpi xmlns:a14="http://schemas.microsoft.com/office/drawing/2010/main" val="0"/>
+              </a:ext>
+            </a:extLst>
+          </a:blip>
+          <a:srcRect/>
+          <a:stretch>
+            <a:fillRect/>
+          </a:stretch>
+        </p:blipFill>
+        <p:spPr bwMode="auto">
+          <a:xfrm>
+            <a:off x="4445448" y="1902095"/>
+            <a:ext cx="720000" cy="720000"/>
+          </a:xfrm>
+          <a:prstGeom prst="rect">
+            <a:avLst/>
+          </a:prstGeom>
+          <a:noFill/>
+          <a:effectLst>
+            <a:outerShdw blurRad="50800" dist="38100" dir="2700000" algn="tl" rotWithShape="0">
+              <a:prstClr val="black">
+                <a:alpha val="40000"/>
+              </a:prstClr>
+            </a:outerShdw>
+          </a:effectLst>
+          <a:extLst>
+            <a:ext uri="{909E8E84-426E-40DD-AFC4-6F175D3DCCD1}">
+              <a14:hiddenFill xmlns:a14="http://schemas.microsoft.com/office/drawing/2010/main">
+                <a:solidFill>
+                  <a:srgbClr val="FFFFFF"/>
+                </a:solidFill>
+              </a14:hiddenFill>
+            </a:ext>
+          </a:extLst>
+        </p:spPr>
+      </p:pic>
+      <p:sp>
+        <p:nvSpPr>
+          <p:cNvPr id="19" name="18 CuadroTexto"/>
+          <p:cNvSpPr txBox="1"/>
+          <p:nvPr/>
+        </p:nvSpPr>
+        <p:spPr>
+          <a:xfrm>
+            <a:off x="4134936" y="2800515"/>
+            <a:ext cx="1370888" cy="369332"/>
+          </a:xfrm>
+          <a:prstGeom prst="rect">
+            <a:avLst/>
+          </a:prstGeom>
+          <a:noFill/>
+        </p:spPr>
+        <p:txBody>
+          <a:bodyPr wrap="none" rtlCol="0">
+            <a:spAutoFit/>
+          </a:bodyPr>
+          <a:lstStyle/>
+          <a:p>
+            <a:pPr algn="ctr"/>
+            <a:r>
+              <a:rPr lang="es-SV" dirty="0" smtClean="0">
+                <a:solidFill>
+                  <a:schemeClr val="accent4">
+                    <a:lumMod val="50000"/>
+                  </a:schemeClr>
+                </a:solidFill>
+                <a:latin typeface="Berlin Sans FB" pitchFamily="34" charset="0"/>
+              </a:rPr>
+              <a:t>Documentos</a:t>
+            </a:r>
+            <a:endParaRPr lang="es-SV" dirty="0">
+              <a:solidFill>
+                <a:schemeClr val="accent4">
+                  <a:lumMod val="50000"/>
+                </a:schemeClr>
+              </a:solidFill>
+              <a:latin typeface="Berlin Sans FB" pitchFamily="34" charset="0"/>
+            </a:endParaRPr>
+          </a:p>
+        </p:txBody>
+      </p:sp>
+      <p:sp>
+        <p:nvSpPr>
+          <p:cNvPr id="21" name="20 CuadroTexto"/>
+          <p:cNvSpPr txBox="1"/>
+          <p:nvPr/>
+        </p:nvSpPr>
+        <p:spPr>
+          <a:xfrm>
+            <a:off x="6012383" y="2800515"/>
+            <a:ext cx="1037463" cy="369332"/>
+          </a:xfrm>
+          <a:prstGeom prst="rect">
+            <a:avLst/>
+          </a:prstGeom>
+          <a:noFill/>
+        </p:spPr>
+        <p:txBody>
+          <a:bodyPr wrap="none" rtlCol="0">
+            <a:spAutoFit/>
+          </a:bodyPr>
+          <a:lstStyle/>
+          <a:p>
+            <a:pPr algn="ctr"/>
+            <a:r>
+              <a:rPr lang="es-SV" dirty="0" smtClean="0">
+                <a:solidFill>
+                  <a:schemeClr val="accent4">
+                    <a:lumMod val="50000"/>
+                  </a:schemeClr>
+                </a:solidFill>
+                <a:latin typeface="Berlin Sans FB" pitchFamily="34" charset="0"/>
+              </a:rPr>
+              <a:t>Entradas</a:t>
+            </a:r>
+            <a:endParaRPr lang="es-SV" dirty="0">
+              <a:solidFill>
+                <a:schemeClr val="accent4">
+                  <a:lumMod val="50000"/>
+                </a:schemeClr>
+              </a:solidFill>
+              <a:latin typeface="Berlin Sans FB" pitchFamily="34" charset="0"/>
+            </a:endParaRPr>
+          </a:p>
+        </p:txBody>
+      </p:sp>
+      <p:pic>
+        <p:nvPicPr>
+          <p:cNvPr id="22" name="Picture 5" descr="C:\Users\CRRuiz\Downloads\locked.png"/>
+          <p:cNvPicPr>
+            <a:picLocks noChangeAspect="1" noChangeArrowheads="1"/>
+          </p:cNvPicPr>
+          <p:nvPr/>
+        </p:nvPicPr>
+        <p:blipFill>
+          <a:blip r:embed="rId9" cstate="print">
+            <a:extLst>
+              <a:ext uri="{28A0092B-C50C-407E-A947-70E740481C1C}">
+                <a14:useLocalDpi xmlns:a14="http://schemas.microsoft.com/office/drawing/2010/main" val="0"/>
+              </a:ext>
+            </a:extLst>
+          </a:blip>
+          <a:srcRect/>
+          <a:stretch>
+            <a:fillRect/>
+          </a:stretch>
+        </p:blipFill>
+        <p:spPr bwMode="auto">
+          <a:xfrm>
+            <a:off x="7667058" y="1902095"/>
+            <a:ext cx="720000" cy="720000"/>
+          </a:xfrm>
+          <a:prstGeom prst="rect">
+            <a:avLst/>
+          </a:prstGeom>
+          <a:noFill/>
+          <a:effectLst>
+            <a:outerShdw blurRad="50800" dist="38100" dir="2700000" algn="tl" rotWithShape="0">
+              <a:prstClr val="black">
+                <a:alpha val="40000"/>
+              </a:prstClr>
+            </a:outerShdw>
+          </a:effectLst>
+          <a:extLst>
+            <a:ext uri="{909E8E84-426E-40DD-AFC4-6F175D3DCCD1}">
+              <a14:hiddenFill xmlns:a14="http://schemas.microsoft.com/office/drawing/2010/main">
+                <a:solidFill>
+                  <a:srgbClr val="FFFFFF"/>
+                </a:solidFill>
+              </a14:hiddenFill>
+            </a:ext>
+          </a:extLst>
+        </p:spPr>
+      </p:pic>
+      <p:sp>
+        <p:nvSpPr>
+          <p:cNvPr id="24" name="23 CuadroTexto"/>
+          <p:cNvSpPr txBox="1"/>
+          <p:nvPr/>
+        </p:nvSpPr>
+        <p:spPr>
+          <a:xfrm>
+            <a:off x="7416955" y="2806761"/>
+            <a:ext cx="1220206" cy="369332"/>
+          </a:xfrm>
+          <a:prstGeom prst="rect">
+            <a:avLst/>
+          </a:prstGeom>
+          <a:noFill/>
+        </p:spPr>
+        <p:txBody>
+          <a:bodyPr wrap="none" rtlCol="0">
+            <a:spAutoFit/>
+          </a:bodyPr>
+          <a:lstStyle/>
+          <a:p>
+            <a:pPr algn="ctr"/>
+            <a:r>
+              <a:rPr lang="es-SV" dirty="0" smtClean="0">
+                <a:solidFill>
+                  <a:schemeClr val="accent4">
+                    <a:lumMod val="50000"/>
+                  </a:schemeClr>
+                </a:solidFill>
+                <a:latin typeface="Berlin Sans FB" pitchFamily="34" charset="0"/>
+              </a:rPr>
+              <a:t>Seguridad </a:t>
+            </a:r>
+          </a:p>
+        </p:txBody>
+      </p:sp>
+      <p:sp>
+        <p:nvSpPr>
+          <p:cNvPr id="26" name="25 CuadroTexto"/>
+          <p:cNvSpPr txBox="1"/>
+          <p:nvPr/>
+        </p:nvSpPr>
+        <p:spPr>
+          <a:xfrm>
+            <a:off x="1087449" y="4433336"/>
+            <a:ext cx="848310" cy="369332"/>
+          </a:xfrm>
+          <a:prstGeom prst="rect">
+            <a:avLst/>
+          </a:prstGeom>
+          <a:noFill/>
+        </p:spPr>
+        <p:txBody>
+          <a:bodyPr wrap="none" rtlCol="0">
+            <a:spAutoFit/>
+          </a:bodyPr>
+          <a:lstStyle/>
+          <a:p>
+            <a:pPr algn="ctr"/>
+            <a:r>
+              <a:rPr lang="es-SV" dirty="0" smtClean="0">
+                <a:solidFill>
+                  <a:schemeClr val="accent4">
+                    <a:lumMod val="50000"/>
+                  </a:schemeClr>
+                </a:solidFill>
+                <a:latin typeface="Berlin Sans FB" pitchFamily="34" charset="0"/>
+              </a:rPr>
+              <a:t>Salidas</a:t>
+            </a:r>
+            <a:endParaRPr lang="es-SV" dirty="0">
+              <a:solidFill>
+                <a:schemeClr val="accent4">
+                  <a:lumMod val="50000"/>
+                </a:schemeClr>
+              </a:solidFill>
+              <a:latin typeface="Berlin Sans FB" pitchFamily="34" charset="0"/>
+            </a:endParaRPr>
+          </a:p>
+        </p:txBody>
+      </p:sp>
+      <p:pic>
+        <p:nvPicPr>
+          <p:cNvPr id="27" name="Picture 17" descr="C:\Users\CRRuiz\Downloads\x-rays.png"/>
+          <p:cNvPicPr>
+            <a:picLocks noChangeAspect="1" noChangeArrowheads="1"/>
+          </p:cNvPicPr>
+          <p:nvPr/>
+        </p:nvPicPr>
+        <p:blipFill>
+          <a:blip r:embed="rId10" cstate="print">
+            <a:extLst>
+              <a:ext uri="{28A0092B-C50C-407E-A947-70E740481C1C}">
+                <a14:useLocalDpi xmlns:a14="http://schemas.microsoft.com/office/drawing/2010/main" val="0"/>
+              </a:ext>
+            </a:extLst>
+          </a:blip>
+          <a:srcRect/>
+          <a:stretch>
+            <a:fillRect/>
+          </a:stretch>
+        </p:blipFill>
+        <p:spPr bwMode="auto">
+          <a:xfrm>
+            <a:off x="4430516" y="3471960"/>
+            <a:ext cx="720000" cy="720000"/>
+          </a:xfrm>
+          <a:prstGeom prst="rect">
+            <a:avLst/>
+          </a:prstGeom>
+          <a:noFill/>
+          <a:effectLst>
+            <a:outerShdw blurRad="50800" dist="38100" dir="2700000" algn="tl" rotWithShape="0">
+              <a:prstClr val="black">
+                <a:alpha val="40000"/>
+              </a:prstClr>
+            </a:outerShdw>
+          </a:effectLst>
+          <a:extLst>
+            <a:ext uri="{909E8E84-426E-40DD-AFC4-6F175D3DCCD1}">
+              <a14:hiddenFill xmlns:a14="http://schemas.microsoft.com/office/drawing/2010/main">
+                <a:solidFill>
+                  <a:srgbClr val="FFFFFF"/>
+                </a:solidFill>
+              </a14:hiddenFill>
+            </a:ext>
+          </a:extLst>
+        </p:spPr>
+      </p:pic>
+      <p:pic>
+        <p:nvPicPr>
+          <p:cNvPr id="28" name="Picture 16" descr="C:\Users\CRRuiz\Downloads\microscope (2).png"/>
+          <p:cNvPicPr>
+            <a:picLocks noChangeAspect="1" noChangeArrowheads="1"/>
+          </p:cNvPicPr>
+          <p:nvPr/>
+        </p:nvPicPr>
+        <p:blipFill>
+          <a:blip r:embed="rId11" cstate="print">
+            <a:extLst>
+              <a:ext uri="{28A0092B-C50C-407E-A947-70E740481C1C}">
+                <a14:useLocalDpi xmlns:a14="http://schemas.microsoft.com/office/drawing/2010/main" val="0"/>
+              </a:ext>
+            </a:extLst>
+          </a:blip>
+          <a:srcRect/>
+          <a:stretch>
+            <a:fillRect/>
+          </a:stretch>
+        </p:blipFill>
+        <p:spPr bwMode="auto">
+          <a:xfrm>
+            <a:off x="2843888" y="3471960"/>
+            <a:ext cx="720000" cy="720000"/>
+          </a:xfrm>
+          <a:prstGeom prst="rect">
+            <a:avLst/>
+          </a:prstGeom>
+          <a:noFill/>
+          <a:effectLst>
+            <a:outerShdw blurRad="50800" dist="38100" dir="2700000" algn="tl" rotWithShape="0">
+              <a:prstClr val="black">
+                <a:alpha val="40000"/>
+              </a:prstClr>
+            </a:outerShdw>
+          </a:effectLst>
+          <a:extLst>
+            <a:ext uri="{909E8E84-426E-40DD-AFC4-6F175D3DCCD1}">
+              <a14:hiddenFill xmlns:a14="http://schemas.microsoft.com/office/drawing/2010/main">
+                <a:solidFill>
+                  <a:srgbClr val="FFFFFF"/>
+                </a:solidFill>
+              </a14:hiddenFill>
+            </a:ext>
+          </a:extLst>
+        </p:spPr>
+      </p:pic>
+      <p:pic>
+        <p:nvPicPr>
+          <p:cNvPr id="29" name="Picture 18" descr="C:\Users\CRRuiz\Downloads\sonography.png"/>
+          <p:cNvPicPr>
+            <a:picLocks noChangeAspect="1" noChangeArrowheads="1"/>
+          </p:cNvPicPr>
+          <p:nvPr/>
+        </p:nvPicPr>
+        <p:blipFill>
+          <a:blip r:embed="rId12" cstate="print">
+            <a:extLst>
+              <a:ext uri="{28A0092B-C50C-407E-A947-70E740481C1C}">
+                <a14:useLocalDpi xmlns:a14="http://schemas.microsoft.com/office/drawing/2010/main" val="0"/>
+              </a:ext>
+            </a:extLst>
+          </a:blip>
+          <a:srcRect/>
+          <a:stretch>
+            <a:fillRect/>
+          </a:stretch>
+        </p:blipFill>
+        <p:spPr bwMode="auto">
+          <a:xfrm>
+            <a:off x="6156176" y="3471960"/>
+            <a:ext cx="720000" cy="720000"/>
+          </a:xfrm>
+          <a:prstGeom prst="rect">
+            <a:avLst/>
+          </a:prstGeom>
+          <a:noFill/>
+          <a:effectLst>
+            <a:outerShdw blurRad="50800" dist="38100" dir="2700000" algn="tl" rotWithShape="0">
+              <a:prstClr val="black">
+                <a:alpha val="40000"/>
+              </a:prstClr>
+            </a:outerShdw>
+          </a:effectLst>
+          <a:extLst>
+            <a:ext uri="{909E8E84-426E-40DD-AFC4-6F175D3DCCD1}">
+              <a14:hiddenFill xmlns:a14="http://schemas.microsoft.com/office/drawing/2010/main">
+                <a:solidFill>
+                  <a:srgbClr val="FFFFFF"/>
+                </a:solidFill>
+              </a14:hiddenFill>
+            </a:ext>
+          </a:extLst>
+        </p:spPr>
+      </p:pic>
+      <p:sp>
+        <p:nvSpPr>
+          <p:cNvPr id="30" name="29 CuadroTexto"/>
+          <p:cNvSpPr txBox="1"/>
+          <p:nvPr/>
+        </p:nvSpPr>
+        <p:spPr>
+          <a:xfrm>
+            <a:off x="2540086" y="4294837"/>
+            <a:ext cx="1327608" cy="646331"/>
+          </a:xfrm>
+          <a:prstGeom prst="rect">
+            <a:avLst/>
+          </a:prstGeom>
+          <a:noFill/>
+        </p:spPr>
+        <p:txBody>
+          <a:bodyPr wrap="none" rtlCol="0">
+            <a:spAutoFit/>
+          </a:bodyPr>
+          <a:lstStyle/>
+          <a:p>
+            <a:pPr algn="ctr"/>
+            <a:r>
+              <a:rPr lang="es-SV" dirty="0" smtClean="0">
+                <a:solidFill>
+                  <a:schemeClr val="accent4">
+                    <a:lumMod val="50000"/>
+                  </a:schemeClr>
+                </a:solidFill>
+                <a:latin typeface="Berlin Sans FB" pitchFamily="34" charset="0"/>
+              </a:rPr>
+              <a:t>Laboratorio</a:t>
+            </a:r>
+          </a:p>
+          <a:p>
+            <a:pPr algn="ctr"/>
+            <a:r>
+              <a:rPr lang="es-SV" dirty="0" smtClean="0">
+                <a:solidFill>
+                  <a:schemeClr val="accent4">
+                    <a:lumMod val="50000"/>
+                  </a:schemeClr>
+                </a:solidFill>
+                <a:latin typeface="Berlin Sans FB" pitchFamily="34" charset="0"/>
+              </a:rPr>
+              <a:t>Clínico</a:t>
+            </a:r>
+            <a:endParaRPr lang="es-SV" dirty="0">
+              <a:solidFill>
+                <a:schemeClr val="accent4">
+                  <a:lumMod val="50000"/>
+                </a:schemeClr>
+              </a:solidFill>
+              <a:latin typeface="Berlin Sans FB" pitchFamily="34" charset="0"/>
+            </a:endParaRPr>
+          </a:p>
+        </p:txBody>
+      </p:sp>
+      <p:sp>
+        <p:nvSpPr>
+          <p:cNvPr id="31" name="30 CuadroTexto"/>
+          <p:cNvSpPr txBox="1"/>
+          <p:nvPr/>
+        </p:nvSpPr>
+        <p:spPr>
+          <a:xfrm>
+            <a:off x="4304442" y="4433336"/>
+            <a:ext cx="939681" cy="369332"/>
+          </a:xfrm>
+          <a:prstGeom prst="rect">
+            <a:avLst/>
+          </a:prstGeom>
+          <a:noFill/>
+        </p:spPr>
+        <p:txBody>
+          <a:bodyPr wrap="none" rtlCol="0">
+            <a:spAutoFit/>
+          </a:bodyPr>
+          <a:lstStyle/>
+          <a:p>
+            <a:pPr algn="ctr"/>
+            <a:r>
+              <a:rPr lang="es-SV" dirty="0" smtClean="0">
+                <a:solidFill>
+                  <a:schemeClr val="accent4">
+                    <a:lumMod val="50000"/>
+                  </a:schemeClr>
+                </a:solidFill>
+                <a:latin typeface="Berlin Sans FB" pitchFamily="34" charset="0"/>
+              </a:rPr>
+              <a:t>Rayos X</a:t>
+            </a:r>
+            <a:endParaRPr lang="es-SV" dirty="0">
+              <a:solidFill>
+                <a:schemeClr val="accent4">
+                  <a:lumMod val="50000"/>
+                </a:schemeClr>
+              </a:solidFill>
+              <a:latin typeface="Berlin Sans FB" pitchFamily="34" charset="0"/>
+            </a:endParaRPr>
+          </a:p>
+        </p:txBody>
+      </p:sp>
+      <p:sp>
+        <p:nvSpPr>
+          <p:cNvPr id="32" name="31 CuadroTexto"/>
+          <p:cNvSpPr txBox="1"/>
+          <p:nvPr/>
+        </p:nvSpPr>
+        <p:spPr>
+          <a:xfrm>
+            <a:off x="5680854" y="4433336"/>
+            <a:ext cx="1670650" cy="369332"/>
+          </a:xfrm>
+          <a:prstGeom prst="rect">
+            <a:avLst/>
+          </a:prstGeom>
+          <a:noFill/>
+        </p:spPr>
+        <p:txBody>
+          <a:bodyPr wrap="none" rtlCol="0">
+            <a:spAutoFit/>
+          </a:bodyPr>
+          <a:lstStyle/>
+          <a:p>
+            <a:pPr algn="ctr"/>
+            <a:r>
+              <a:rPr lang="es-SV" dirty="0" smtClean="0">
+                <a:solidFill>
+                  <a:schemeClr val="accent4">
+                    <a:lumMod val="50000"/>
+                  </a:schemeClr>
+                </a:solidFill>
+                <a:latin typeface="Berlin Sans FB" pitchFamily="34" charset="0"/>
+              </a:rPr>
+              <a:t>Ultrasonografía</a:t>
+            </a:r>
+            <a:endParaRPr lang="es-SV" dirty="0">
+              <a:solidFill>
+                <a:schemeClr val="accent4">
+                  <a:lumMod val="50000"/>
+                </a:schemeClr>
+              </a:solidFill>
+              <a:latin typeface="Berlin Sans FB" pitchFamily="34" charset="0"/>
+            </a:endParaRPr>
+          </a:p>
+        </p:txBody>
+      </p:sp>
+      <p:grpSp>
+        <p:nvGrpSpPr>
+          <p:cNvPr id="33" name="32 Grupo"/>
+          <p:cNvGrpSpPr/>
+          <p:nvPr/>
+        </p:nvGrpSpPr>
+        <p:grpSpPr>
+          <a:xfrm>
+            <a:off x="7820285" y="3471960"/>
+            <a:ext cx="720000" cy="720000"/>
+            <a:chOff x="4166708" y="4777816"/>
+            <a:chExt cx="1080000" cy="1080000"/>
+          </a:xfrm>
+          <a:effectLst>
+            <a:outerShdw blurRad="50800" dist="38100" dir="2700000" algn="tl" rotWithShape="0">
+              <a:prstClr val="black">
+                <a:alpha val="40000"/>
+              </a:prstClr>
+            </a:outerShdw>
+          </a:effectLst>
+        </p:grpSpPr>
+        <p:sp>
+          <p:nvSpPr>
+            <p:cNvPr id="34" name="33 Elipse"/>
+            <p:cNvSpPr/>
+            <p:nvPr/>
+          </p:nvSpPr>
+          <p:spPr>
+            <a:xfrm>
+              <a:off x="4166708" y="4777816"/>
+              <a:ext cx="1080000" cy="1080000"/>
+            </a:xfrm>
+            <a:prstGeom prst="ellipse">
+              <a:avLst/>
+            </a:prstGeom>
+            <a:solidFill>
+              <a:schemeClr val="accent4">
+                <a:lumMod val="60000"/>
+                <a:lumOff val="40000"/>
+              </a:schemeClr>
+            </a:solidFill>
+            <a:ln>
+              <a:noFill/>
+            </a:ln>
+          </p:spPr>
+          <p:style>
+            <a:lnRef idx="2">
+              <a:schemeClr val="accent1">
+                <a:shade val="50000"/>
+              </a:schemeClr>
+            </a:lnRef>
+            <a:fillRef idx="1">
+              <a:schemeClr val="accent1"/>
+            </a:fillRef>
+            <a:effectRef idx="0">
+              <a:schemeClr val="accent1"/>
+            </a:effectRef>
+            <a:fontRef idx="minor">
+              <a:schemeClr val="lt1"/>
+            </a:fontRef>
+          </p:style>
+          <p:txBody>
+            <a:bodyPr rtlCol="0" anchor="ctr"/>
+            <a:lstStyle/>
+            <a:p>
+              <a:pPr algn="ctr"/>
+              <a:endParaRPr lang="es-SV"/>
+            </a:p>
+          </p:txBody>
+        </p:sp>
+        <p:pic>
+          <p:nvPicPr>
+            <p:cNvPr id="35" name="Picture 7" descr="C:\Users\CRRuiz\Downloads\stretcher.png"/>
+            <p:cNvPicPr>
+              <a:picLocks noChangeAspect="1" noChangeArrowheads="1"/>
+            </p:cNvPicPr>
+            <p:nvPr/>
+          </p:nvPicPr>
+          <p:blipFill>
+            <a:blip r:embed="rId13" cstate="print">
+              <a:extLst>
+                <a:ext uri="{28A0092B-C50C-407E-A947-70E740481C1C}">
+                  <a14:useLocalDpi xmlns:a14="http://schemas.microsoft.com/office/drawing/2010/main" val="0"/>
+                </a:ext>
+              </a:extLst>
+            </a:blip>
+            <a:srcRect/>
+            <a:stretch>
+              <a:fillRect/>
+            </a:stretch>
+          </p:blipFill>
+          <p:spPr bwMode="auto">
+            <a:xfrm>
+              <a:off x="4355816" y="4958262"/>
+              <a:ext cx="720240" cy="720240"/>
+            </a:xfrm>
+            <a:prstGeom prst="rect">
+              <a:avLst/>
+            </a:prstGeom>
+            <a:noFill/>
+            <a:extLst>
+              <a:ext uri="{909E8E84-426E-40DD-AFC4-6F175D3DCCD1}">
+                <a14:hiddenFill xmlns:a14="http://schemas.microsoft.com/office/drawing/2010/main">
+                  <a:solidFill>
+                    <a:srgbClr val="FFFFFF"/>
+                  </a:solidFill>
+                </a14:hiddenFill>
+              </a:ext>
+            </a:extLst>
+          </p:spPr>
+        </p:pic>
+      </p:grpSp>
+      <p:sp>
+        <p:nvSpPr>
+          <p:cNvPr id="36" name="35 CuadroTexto"/>
+          <p:cNvSpPr txBox="1"/>
+          <p:nvPr/>
+        </p:nvSpPr>
+        <p:spPr>
+          <a:xfrm>
+            <a:off x="7500451" y="4294837"/>
+            <a:ext cx="1359668" cy="646331"/>
+          </a:xfrm>
+          <a:prstGeom prst="rect">
+            <a:avLst/>
+          </a:prstGeom>
+          <a:noFill/>
+        </p:spPr>
+        <p:txBody>
+          <a:bodyPr wrap="none" rtlCol="0">
+            <a:spAutoFit/>
+          </a:bodyPr>
+          <a:lstStyle/>
+          <a:p>
+            <a:pPr algn="ctr"/>
+            <a:r>
+              <a:rPr lang="es-SV" dirty="0" smtClean="0">
+                <a:solidFill>
+                  <a:schemeClr val="accent4">
+                    <a:lumMod val="50000"/>
+                  </a:schemeClr>
+                </a:solidFill>
+                <a:latin typeface="Berlin Sans FB" pitchFamily="34" charset="0"/>
+              </a:rPr>
+              <a:t>Sala de</a:t>
+            </a:r>
+          </a:p>
+          <a:p>
+            <a:pPr algn="ctr"/>
+            <a:r>
+              <a:rPr lang="es-SV" dirty="0" smtClean="0">
+                <a:solidFill>
+                  <a:schemeClr val="accent4">
+                    <a:lumMod val="50000"/>
+                  </a:schemeClr>
+                </a:solidFill>
+                <a:latin typeface="Berlin Sans FB" pitchFamily="34" charset="0"/>
+              </a:rPr>
+              <a:t>Operaciones</a:t>
+            </a:r>
+            <a:endParaRPr lang="es-SV" dirty="0">
+              <a:solidFill>
+                <a:schemeClr val="accent4">
+                  <a:lumMod val="50000"/>
+                </a:schemeClr>
+              </a:solidFill>
+              <a:latin typeface="Berlin Sans FB" pitchFamily="34" charset="0"/>
+            </a:endParaRPr>
+          </a:p>
+        </p:txBody>
+      </p:sp>
+      <p:sp>
+        <p:nvSpPr>
+          <p:cNvPr id="37" name="36 CuadroTexto"/>
+          <p:cNvSpPr txBox="1"/>
+          <p:nvPr/>
+        </p:nvSpPr>
+        <p:spPr>
+          <a:xfrm>
+            <a:off x="829364" y="5931334"/>
+            <a:ext cx="1364476" cy="646331"/>
+          </a:xfrm>
+          <a:prstGeom prst="rect">
+            <a:avLst/>
+          </a:prstGeom>
+          <a:noFill/>
+        </p:spPr>
+        <p:txBody>
+          <a:bodyPr wrap="none" rtlCol="0">
+            <a:spAutoFit/>
+          </a:bodyPr>
+          <a:lstStyle/>
+          <a:p>
+            <a:pPr algn="ctr"/>
+            <a:r>
+              <a:rPr lang="es-SV" dirty="0" smtClean="0">
+                <a:solidFill>
+                  <a:schemeClr val="accent4">
+                    <a:lumMod val="50000"/>
+                  </a:schemeClr>
+                </a:solidFill>
+                <a:latin typeface="Berlin Sans FB" pitchFamily="34" charset="0"/>
+              </a:rPr>
+              <a:t>Sala de</a:t>
+            </a:r>
+          </a:p>
+          <a:p>
+            <a:pPr algn="ctr"/>
+            <a:r>
+              <a:rPr lang="es-SV" dirty="0" smtClean="0">
+                <a:solidFill>
+                  <a:schemeClr val="accent4">
+                    <a:lumMod val="50000"/>
+                  </a:schemeClr>
+                </a:solidFill>
+                <a:latin typeface="Berlin Sans FB" pitchFamily="34" charset="0"/>
+              </a:rPr>
+              <a:t>Observación</a:t>
+            </a:r>
+            <a:endParaRPr lang="es-SV" dirty="0">
+              <a:solidFill>
+                <a:schemeClr val="accent4">
+                  <a:lumMod val="50000"/>
+                </a:schemeClr>
+              </a:solidFill>
+              <a:latin typeface="Berlin Sans FB" pitchFamily="34" charset="0"/>
+            </a:endParaRPr>
+          </a:p>
+        </p:txBody>
+      </p:sp>
+      <p:pic>
+        <p:nvPicPr>
+          <p:cNvPr id="38" name="Picture 3" descr="C:\Users\CRRuiz\Downloads\magnifying-glass.png"/>
+          <p:cNvPicPr>
+            <a:picLocks noChangeAspect="1" noChangeArrowheads="1"/>
+          </p:cNvPicPr>
+          <p:nvPr/>
+        </p:nvPicPr>
+        <p:blipFill>
+          <a:blip r:embed="rId14" cstate="print">
+            <a:extLst>
+              <a:ext uri="{28A0092B-C50C-407E-A947-70E740481C1C}">
+                <a14:useLocalDpi xmlns:a14="http://schemas.microsoft.com/office/drawing/2010/main" val="0"/>
+              </a:ext>
+            </a:extLst>
+          </a:blip>
+          <a:srcRect/>
+          <a:stretch>
+            <a:fillRect/>
+          </a:stretch>
+        </p:blipFill>
+        <p:spPr bwMode="auto">
+          <a:xfrm>
+            <a:off x="1177627" y="5132996"/>
+            <a:ext cx="720000" cy="720000"/>
+          </a:xfrm>
+          <a:prstGeom prst="rect">
+            <a:avLst/>
+          </a:prstGeom>
+          <a:noFill/>
+          <a:effectLst>
+            <a:outerShdw blurRad="50800" dist="38100" dir="2700000" algn="tl" rotWithShape="0">
+              <a:prstClr val="black">
+                <a:alpha val="40000"/>
+              </a:prstClr>
+            </a:outerShdw>
+          </a:effectLst>
+          <a:extLst>
+            <a:ext uri="{909E8E84-426E-40DD-AFC4-6F175D3DCCD1}">
+              <a14:hiddenFill xmlns:a14="http://schemas.microsoft.com/office/drawing/2010/main">
+                <a:solidFill>
+                  <a:srgbClr val="FFFFFF"/>
+                </a:solidFill>
+              </a14:hiddenFill>
+            </a:ext>
+          </a:extLst>
+        </p:spPr>
+      </p:pic>
+      <p:pic>
+        <p:nvPicPr>
+          <p:cNvPr id="39" name="Picture 5" descr="C:\Users\CRRuiz\Downloads\bed.png"/>
+          <p:cNvPicPr>
+            <a:picLocks noChangeAspect="1" noChangeArrowheads="1"/>
+          </p:cNvPicPr>
+          <p:nvPr/>
+        </p:nvPicPr>
+        <p:blipFill>
+          <a:blip r:embed="rId15" cstate="print">
+            <a:extLst>
+              <a:ext uri="{28A0092B-C50C-407E-A947-70E740481C1C}">
+                <a14:useLocalDpi xmlns:a14="http://schemas.microsoft.com/office/drawing/2010/main" val="0"/>
+              </a:ext>
+            </a:extLst>
+          </a:blip>
+          <a:srcRect/>
+          <a:stretch>
+            <a:fillRect/>
+          </a:stretch>
+        </p:blipFill>
+        <p:spPr bwMode="auto">
+          <a:xfrm>
+            <a:off x="2764253" y="5155444"/>
+            <a:ext cx="720000" cy="720000"/>
+          </a:xfrm>
+          <a:prstGeom prst="rect">
+            <a:avLst/>
+          </a:prstGeom>
+          <a:noFill/>
+          <a:effectLst>
+            <a:outerShdw blurRad="50800" dist="38100" dir="2700000" algn="tl" rotWithShape="0">
+              <a:prstClr val="black">
+                <a:alpha val="40000"/>
+              </a:prstClr>
+            </a:outerShdw>
+          </a:effectLst>
+          <a:extLst>
+            <a:ext uri="{909E8E84-426E-40DD-AFC4-6F175D3DCCD1}">
+              <a14:hiddenFill xmlns:a14="http://schemas.microsoft.com/office/drawing/2010/main">
+                <a:solidFill>
+                  <a:srgbClr val="FFFFFF"/>
+                </a:solidFill>
+              </a14:hiddenFill>
+            </a:ext>
+          </a:extLst>
+        </p:spPr>
+      </p:pic>
+      <p:sp>
+        <p:nvSpPr>
+          <p:cNvPr id="40" name="39 CuadroTexto"/>
+          <p:cNvSpPr txBox="1"/>
+          <p:nvPr/>
+        </p:nvSpPr>
+        <p:spPr>
+          <a:xfrm>
+            <a:off x="2305762" y="6069834"/>
+            <a:ext cx="1636988" cy="369332"/>
+          </a:xfrm>
+          <a:prstGeom prst="rect">
+            <a:avLst/>
+          </a:prstGeom>
+          <a:noFill/>
+        </p:spPr>
+        <p:txBody>
+          <a:bodyPr wrap="none" rtlCol="0">
+            <a:spAutoFit/>
+          </a:bodyPr>
+          <a:lstStyle/>
+          <a:p>
+            <a:pPr algn="ctr"/>
+            <a:r>
+              <a:rPr lang="es-SV" dirty="0" smtClean="0">
+                <a:solidFill>
+                  <a:schemeClr val="accent4">
+                    <a:lumMod val="50000"/>
+                  </a:schemeClr>
+                </a:solidFill>
+                <a:latin typeface="Berlin Sans FB" pitchFamily="34" charset="0"/>
+              </a:rPr>
+              <a:t>Hospitalización</a:t>
+            </a:r>
+            <a:endParaRPr lang="es-SV" dirty="0">
+              <a:solidFill>
+                <a:schemeClr val="accent4">
+                  <a:lumMod val="50000"/>
+                </a:schemeClr>
+              </a:solidFill>
+              <a:latin typeface="Berlin Sans FB" pitchFamily="34" charset="0"/>
+            </a:endParaRPr>
+          </a:p>
+        </p:txBody>
+      </p:sp>
+      <p:pic>
+        <p:nvPicPr>
+          <p:cNvPr id="41" name="Picture 4" descr="C:\Users\CRRuiz\Downloads\notebook.png"/>
+          <p:cNvPicPr>
+            <a:picLocks noChangeAspect="1" noChangeArrowheads="1"/>
+          </p:cNvPicPr>
+          <p:nvPr/>
+        </p:nvPicPr>
+        <p:blipFill>
+          <a:blip r:embed="rId16" cstate="print">
+            <a:extLst>
+              <a:ext uri="{28A0092B-C50C-407E-A947-70E740481C1C}">
+                <a14:useLocalDpi xmlns:a14="http://schemas.microsoft.com/office/drawing/2010/main" val="0"/>
+              </a:ext>
+            </a:extLst>
+          </a:blip>
+          <a:srcRect/>
+          <a:stretch>
+            <a:fillRect/>
+          </a:stretch>
+        </p:blipFill>
+        <p:spPr bwMode="auto">
+          <a:xfrm>
+            <a:off x="7826437" y="5211334"/>
+            <a:ext cx="720000" cy="720000"/>
+          </a:xfrm>
+          <a:prstGeom prst="rect">
+            <a:avLst/>
+          </a:prstGeom>
+          <a:noFill/>
+          <a:effectLst>
+            <a:outerShdw blurRad="50800" dist="38100" dir="2700000" algn="tl" rotWithShape="0">
+              <a:prstClr val="black">
+                <a:alpha val="40000"/>
+              </a:prstClr>
+            </a:outerShdw>
+          </a:effectLst>
+          <a:extLst>
+            <a:ext uri="{909E8E84-426E-40DD-AFC4-6F175D3DCCD1}">
+              <a14:hiddenFill xmlns:a14="http://schemas.microsoft.com/office/drawing/2010/main">
+                <a:solidFill>
+                  <a:srgbClr val="FFFFFF"/>
+                </a:solidFill>
+              </a14:hiddenFill>
+            </a:ext>
+          </a:extLst>
+        </p:spPr>
+      </p:pic>
+      <p:pic>
+        <p:nvPicPr>
+          <p:cNvPr id="42" name="Picture 4" descr="C:\Users\CRRuiz\Downloads\nurse.png"/>
+          <p:cNvPicPr>
+            <a:picLocks noChangeAspect="1" noChangeArrowheads="1"/>
+          </p:cNvPicPr>
+          <p:nvPr/>
+        </p:nvPicPr>
+        <p:blipFill>
+          <a:blip r:embed="rId17" cstate="print">
+            <a:extLst>
+              <a:ext uri="{28A0092B-C50C-407E-A947-70E740481C1C}">
+                <a14:useLocalDpi xmlns:a14="http://schemas.microsoft.com/office/drawing/2010/main" val="0"/>
+              </a:ext>
+            </a:extLst>
+          </a:blip>
+          <a:srcRect/>
+          <a:stretch>
+            <a:fillRect/>
+          </a:stretch>
+        </p:blipFill>
+        <p:spPr bwMode="auto">
+          <a:xfrm>
+            <a:off x="4430516" y="5155444"/>
+            <a:ext cx="720000" cy="720000"/>
+          </a:xfrm>
+          <a:prstGeom prst="rect">
+            <a:avLst/>
+          </a:prstGeom>
+          <a:noFill/>
+          <a:effectLst>
+            <a:outerShdw blurRad="50800" dist="38100" dir="2700000" algn="tl" rotWithShape="0">
+              <a:prstClr val="black">
+                <a:alpha val="40000"/>
+              </a:prstClr>
+            </a:outerShdw>
+          </a:effectLst>
+          <a:extLst>
+            <a:ext uri="{909E8E84-426E-40DD-AFC4-6F175D3DCCD1}">
+              <a14:hiddenFill xmlns:a14="http://schemas.microsoft.com/office/drawing/2010/main">
+                <a:solidFill>
+                  <a:srgbClr val="FFFFFF"/>
+                </a:solidFill>
+              </a14:hiddenFill>
+            </a:ext>
+          </a:extLst>
+        </p:spPr>
+      </p:pic>
+      <p:pic>
+        <p:nvPicPr>
+          <p:cNvPr id="43" name="Picture 2" descr="C:\Users\CRRuiz\Downloads\doctor.png"/>
+          <p:cNvPicPr>
+            <a:picLocks noChangeAspect="1" noChangeArrowheads="1"/>
+          </p:cNvPicPr>
+          <p:nvPr/>
+        </p:nvPicPr>
+        <p:blipFill>
+          <a:blip r:embed="rId18" cstate="print">
+            <a:extLst>
+              <a:ext uri="{28A0092B-C50C-407E-A947-70E740481C1C}">
+                <a14:useLocalDpi xmlns:a14="http://schemas.microsoft.com/office/drawing/2010/main" val="0"/>
+              </a:ext>
+            </a:extLst>
+          </a:blip>
+          <a:srcRect/>
+          <a:stretch>
+            <a:fillRect/>
+          </a:stretch>
+        </p:blipFill>
+        <p:spPr bwMode="auto">
+          <a:xfrm>
+            <a:off x="6156179" y="5155444"/>
+            <a:ext cx="720000" cy="720000"/>
+          </a:xfrm>
+          <a:prstGeom prst="rect">
+            <a:avLst/>
+          </a:prstGeom>
+          <a:noFill/>
+          <a:effectLst>
+            <a:outerShdw blurRad="50800" dist="38100" dir="2700000" algn="tl" rotWithShape="0">
+              <a:prstClr val="black">
+                <a:alpha val="40000"/>
+              </a:prstClr>
+            </a:outerShdw>
+          </a:effectLst>
+          <a:extLst>
+            <a:ext uri="{909E8E84-426E-40DD-AFC4-6F175D3DCCD1}">
+              <a14:hiddenFill xmlns:a14="http://schemas.microsoft.com/office/drawing/2010/main">
+                <a:solidFill>
+                  <a:srgbClr val="FFFFFF"/>
+                </a:solidFill>
+              </a14:hiddenFill>
+            </a:ext>
+          </a:extLst>
+        </p:spPr>
+      </p:pic>
+      <p:sp>
+        <p:nvSpPr>
+          <p:cNvPr id="44" name="43 CuadroTexto"/>
+          <p:cNvSpPr txBox="1"/>
+          <p:nvPr/>
+        </p:nvSpPr>
+        <p:spPr>
+          <a:xfrm>
+            <a:off x="4168392" y="6069833"/>
+            <a:ext cx="1244251" cy="369332"/>
+          </a:xfrm>
+          <a:prstGeom prst="rect">
+            <a:avLst/>
+          </a:prstGeom>
+          <a:noFill/>
+        </p:spPr>
+        <p:txBody>
+          <a:bodyPr wrap="none" rtlCol="0">
+            <a:spAutoFit/>
+          </a:bodyPr>
+          <a:lstStyle/>
+          <a:p>
+            <a:pPr algn="ctr"/>
+            <a:r>
+              <a:rPr lang="es-SV" dirty="0" smtClean="0">
+                <a:solidFill>
+                  <a:schemeClr val="accent4">
+                    <a:lumMod val="50000"/>
+                  </a:schemeClr>
+                </a:solidFill>
+                <a:latin typeface="Berlin Sans FB" pitchFamily="34" charset="0"/>
+              </a:rPr>
+              <a:t>Enfermería</a:t>
+            </a:r>
+            <a:endParaRPr lang="es-SV" dirty="0">
+              <a:solidFill>
+                <a:schemeClr val="accent4">
+                  <a:lumMod val="50000"/>
+                </a:schemeClr>
+              </a:solidFill>
+              <a:latin typeface="Berlin Sans FB" pitchFamily="34" charset="0"/>
+            </a:endParaRPr>
+          </a:p>
+        </p:txBody>
+      </p:sp>
+      <p:sp>
+        <p:nvSpPr>
+          <p:cNvPr id="45" name="44 CuadroTexto"/>
+          <p:cNvSpPr txBox="1"/>
+          <p:nvPr/>
+        </p:nvSpPr>
+        <p:spPr>
+          <a:xfrm>
+            <a:off x="6009471" y="5931333"/>
+            <a:ext cx="1013418" cy="646331"/>
+          </a:xfrm>
+          <a:prstGeom prst="rect">
+            <a:avLst/>
+          </a:prstGeom>
+          <a:noFill/>
+        </p:spPr>
+        <p:txBody>
+          <a:bodyPr wrap="none" rtlCol="0">
+            <a:spAutoFit/>
+          </a:bodyPr>
+          <a:lstStyle/>
+          <a:p>
+            <a:pPr algn="ctr"/>
+            <a:r>
+              <a:rPr lang="es-SV" dirty="0" smtClean="0">
+                <a:solidFill>
+                  <a:schemeClr val="accent4">
+                    <a:lumMod val="50000"/>
+                  </a:schemeClr>
+                </a:solidFill>
+                <a:latin typeface="Berlin Sans FB" pitchFamily="34" charset="0"/>
+              </a:rPr>
+              <a:t>Consulta</a:t>
+            </a:r>
+          </a:p>
+          <a:p>
+            <a:pPr algn="ctr"/>
+            <a:r>
+              <a:rPr lang="es-SV" dirty="0" smtClean="0">
+                <a:solidFill>
+                  <a:schemeClr val="accent4">
+                    <a:lumMod val="50000"/>
+                  </a:schemeClr>
+                </a:solidFill>
+                <a:latin typeface="Berlin Sans FB" pitchFamily="34" charset="0"/>
+              </a:rPr>
+              <a:t>Médica</a:t>
+            </a:r>
+            <a:endParaRPr lang="es-SV" dirty="0">
+              <a:solidFill>
+                <a:schemeClr val="accent4">
+                  <a:lumMod val="50000"/>
+                </a:schemeClr>
+              </a:solidFill>
+              <a:latin typeface="Berlin Sans FB" pitchFamily="34" charset="0"/>
+            </a:endParaRPr>
+          </a:p>
+        </p:txBody>
+      </p:sp>
+      <p:sp>
+        <p:nvSpPr>
+          <p:cNvPr id="46" name="45 CuadroTexto"/>
+          <p:cNvSpPr txBox="1"/>
+          <p:nvPr/>
+        </p:nvSpPr>
+        <p:spPr>
+          <a:xfrm>
+            <a:off x="7862471" y="6069834"/>
+            <a:ext cx="647934" cy="369332"/>
+          </a:xfrm>
+          <a:prstGeom prst="rect">
+            <a:avLst/>
+          </a:prstGeom>
+          <a:noFill/>
+        </p:spPr>
+        <p:txBody>
+          <a:bodyPr wrap="none" rtlCol="0">
+            <a:spAutoFit/>
+          </a:bodyPr>
+          <a:lstStyle/>
+          <a:p>
+            <a:pPr algn="ctr"/>
+            <a:r>
+              <a:rPr lang="es-SV" dirty="0" smtClean="0">
+                <a:solidFill>
+                  <a:schemeClr val="accent4">
+                    <a:lumMod val="50000"/>
+                  </a:schemeClr>
+                </a:solidFill>
+                <a:latin typeface="Berlin Sans FB" pitchFamily="34" charset="0"/>
+              </a:rPr>
+              <a:t>Citas</a:t>
+            </a:r>
+            <a:endParaRPr lang="es-SV" dirty="0">
+              <a:solidFill>
+                <a:schemeClr val="accent4">
+                  <a:lumMod val="50000"/>
+                </a:schemeClr>
+              </a:solidFill>
+              <a:latin typeface="Berlin Sans FB" pitchFamily="34" charset="0"/>
+            </a:endParaRPr>
+          </a:p>
+        </p:txBody>
+      </p:sp>
+      <p:pic>
+        <p:nvPicPr>
+          <p:cNvPr id="47" name="Picture 6" descr="C:\Users\CRRuiz\Downloads\drugs.png"/>
+          <p:cNvPicPr>
+            <a:picLocks noChangeAspect="1" noChangeArrowheads="1"/>
+          </p:cNvPicPr>
+          <p:nvPr/>
+        </p:nvPicPr>
+        <p:blipFill>
+          <a:blip r:embed="rId19" cstate="print">
+            <a:extLst>
+              <a:ext uri="{28A0092B-C50C-407E-A947-70E740481C1C}">
+                <a14:useLocalDpi xmlns:a14="http://schemas.microsoft.com/office/drawing/2010/main" val="0"/>
+              </a:ext>
+            </a:extLst>
+          </a:blip>
+          <a:srcRect/>
+          <a:stretch>
+            <a:fillRect/>
+          </a:stretch>
+        </p:blipFill>
+        <p:spPr bwMode="auto">
+          <a:xfrm>
+            <a:off x="1208543" y="291517"/>
+            <a:ext cx="720000" cy="720000"/>
+          </a:xfrm>
+          <a:prstGeom prst="rect">
+            <a:avLst/>
+          </a:prstGeom>
+          <a:noFill/>
+          <a:effectLst>
+            <a:outerShdw blurRad="50800" dist="38100" dir="2700000" algn="tl" rotWithShape="0">
+              <a:prstClr val="black">
+                <a:alpha val="40000"/>
+              </a:prstClr>
+            </a:outerShdw>
+          </a:effectLst>
+          <a:extLst>
+            <a:ext uri="{909E8E84-426E-40DD-AFC4-6F175D3DCCD1}">
+              <a14:hiddenFill xmlns:a14="http://schemas.microsoft.com/office/drawing/2010/main">
+                <a:solidFill>
+                  <a:srgbClr val="FFFFFF"/>
+                </a:solidFill>
+              </a14:hiddenFill>
+            </a:ext>
+          </a:extLst>
+        </p:spPr>
+      </p:pic>
+      <p:pic>
+        <p:nvPicPr>
+          <p:cNvPr id="48" name="Picture 2" descr="C:\Users\CRRuiz\Downloads\shopping-cart.png"/>
+          <p:cNvPicPr>
+            <a:picLocks noChangeAspect="1" noChangeArrowheads="1"/>
+          </p:cNvPicPr>
+          <p:nvPr/>
+        </p:nvPicPr>
+        <p:blipFill>
+          <a:blip r:embed="rId20" cstate="print">
+            <a:extLst>
+              <a:ext uri="{28A0092B-C50C-407E-A947-70E740481C1C}">
+                <a14:useLocalDpi xmlns:a14="http://schemas.microsoft.com/office/drawing/2010/main" val="0"/>
+              </a:ext>
+            </a:extLst>
+          </a:blip>
+          <a:srcRect/>
+          <a:stretch>
+            <a:fillRect/>
+          </a:stretch>
+        </p:blipFill>
+        <p:spPr bwMode="auto">
+          <a:xfrm>
+            <a:off x="1151602" y="3472337"/>
+            <a:ext cx="720000" cy="720000"/>
+          </a:xfrm>
+          <a:prstGeom prst="rect">
+            <a:avLst/>
+          </a:prstGeom>
+          <a:noFill/>
+          <a:effectLst>
+            <a:outerShdw blurRad="50800" dist="38100" dir="2700000" algn="tl" rotWithShape="0">
+              <a:prstClr val="black">
+                <a:alpha val="40000"/>
+              </a:prstClr>
+            </a:outerShdw>
+          </a:effectLst>
+          <a:extLst>
+            <a:ext uri="{909E8E84-426E-40DD-AFC4-6F175D3DCCD1}">
+              <a14:hiddenFill xmlns:a14="http://schemas.microsoft.com/office/drawing/2010/main">
+                <a:solidFill>
+                  <a:srgbClr val="FFFFFF"/>
+                </a:solidFill>
+              </a14:hiddenFill>
+            </a:ext>
+          </a:extLst>
+        </p:spPr>
+      </p:pic>
+      <p:pic>
+        <p:nvPicPr>
+          <p:cNvPr id="49" name="Picture 2" descr="C:\Users\CRRuiz\Downloads\basket.png"/>
+          <p:cNvPicPr>
+            <a:picLocks noChangeAspect="1" noChangeArrowheads="1"/>
+          </p:cNvPicPr>
+          <p:nvPr/>
+        </p:nvPicPr>
+        <p:blipFill>
+          <a:blip r:embed="rId21" cstate="print">
+            <a:extLst>
+              <a:ext uri="{28A0092B-C50C-407E-A947-70E740481C1C}">
+                <a14:useLocalDpi xmlns:a14="http://schemas.microsoft.com/office/drawing/2010/main" val="0"/>
+              </a:ext>
+            </a:extLst>
+          </a:blip>
+          <a:srcRect/>
+          <a:stretch>
+            <a:fillRect/>
+          </a:stretch>
+        </p:blipFill>
+        <p:spPr bwMode="auto">
+          <a:xfrm>
+            <a:off x="6236474" y="1967456"/>
+            <a:ext cx="589277" cy="589277"/>
+          </a:xfrm>
+          <a:prstGeom prst="rect">
+            <a:avLst/>
+          </a:prstGeom>
+          <a:noFill/>
+          <a:extLst>
+            <a:ext uri="{909E8E84-426E-40DD-AFC4-6F175D3DCCD1}">
+              <a14:hiddenFill xmlns:a14="http://schemas.microsoft.com/office/drawing/2010/main">
+                <a:solidFill>
+                  <a:srgbClr val="FFFFFF"/>
+                </a:solidFill>
+              </a14:hiddenFill>
+            </a:ext>
+          </a:extLst>
+        </p:spPr>
+      </p:pic>
+    </p:spTree>
+    <p:extLst>
+      <p:ext uri="{BB962C8B-B14F-4D97-AF65-F5344CB8AC3E}">
+        <p14:creationId xmlns:p14="http://schemas.microsoft.com/office/powerpoint/2010/main" val="3931981283"/>
+      </p:ext>
+    </p:extLst>
+  </p:cSld>
+  <p:clrMapOvr>
+    <a:masterClrMapping/>
+  </p:clrMapOvr>
+</p:sld>
+</file>
+
+<file path=ppt/slides/slide35.xml><?xml version="1.0" encoding="utf-8"?>
+<p:sld xmlns:a="http://schemas.openxmlformats.org/drawingml/2006/main" xmlns:r="http://schemas.openxmlformats.org/officeDocument/2006/relationships" xmlns:p="http://schemas.openxmlformats.org/presentationml/2006/main">
+  <p:cSld>
+    <p:spTree>
+      <p:nvGrpSpPr>
+        <p:cNvPr id="1" name=""/>
+        <p:cNvGrpSpPr/>
+        <p:nvPr/>
+      </p:nvGrpSpPr>
+      <p:grpSpPr>
+        <a:xfrm>
+          <a:off x="0" y="0"/>
+          <a:ext cx="0" cy="0"/>
+          <a:chOff x="0" y="0"/>
+          <a:chExt cx="0" cy="0"/>
+        </a:xfrm>
+      </p:grpSpPr>
+      <p:sp>
+        <p:nvSpPr>
+          <p:cNvPr id="2" name="1 Título"/>
+          <p:cNvSpPr>
+            <a:spLocks noGrp="1"/>
+          </p:cNvSpPr>
+          <p:nvPr>
+            <p:ph type="title"/>
+          </p:nvPr>
+        </p:nvSpPr>
+        <p:spPr/>
+        <p:txBody>
+          <a:bodyPr/>
+          <a:lstStyle/>
+          <a:p>
+            <a:r>
+              <a:rPr lang="es-SV" dirty="0" smtClean="0">
+                <a:solidFill>
+                  <a:schemeClr val="accent4"/>
+                </a:solidFill>
+                <a:latin typeface="Berlin Sans FB" pitchFamily="34" charset="0"/>
+              </a:rPr>
+              <a:t>Limitaciones y Observaciones</a:t>
+            </a:r>
+            <a:endParaRPr lang="es-SV" dirty="0">
+              <a:solidFill>
+                <a:schemeClr val="accent4"/>
+              </a:solidFill>
+              <a:latin typeface="Berlin Sans FB" pitchFamily="34" charset="0"/>
+            </a:endParaRPr>
+          </a:p>
+        </p:txBody>
+      </p:sp>
+      <p:sp>
+        <p:nvSpPr>
+          <p:cNvPr id="3" name="2 Marcador de contenido"/>
+          <p:cNvSpPr>
+            <a:spLocks noGrp="1"/>
+          </p:cNvSpPr>
+          <p:nvPr>
+            <p:ph idx="1"/>
+          </p:nvPr>
+        </p:nvSpPr>
+        <p:spPr/>
+        <p:txBody>
+          <a:bodyPr>
+            <a:normAutofit lnSpcReduction="10000"/>
+          </a:bodyPr>
+          <a:lstStyle/>
+          <a:p>
+            <a:pPr marL="0" indent="0">
+              <a:buNone/>
+            </a:pPr>
+            <a:r>
+              <a:rPr lang="es-SV" dirty="0" smtClean="0">
+                <a:solidFill>
+                  <a:schemeClr val="accent4"/>
+                </a:solidFill>
+                <a:latin typeface="Berlin Sans FB" pitchFamily="34" charset="0"/>
+              </a:rPr>
+              <a:t>Limitación:</a:t>
+            </a:r>
+          </a:p>
+          <a:p>
+            <a:pPr lvl="1"/>
+            <a:r>
+              <a:rPr lang="es-SV" dirty="0">
+                <a:latin typeface="Berlin Sans FB" pitchFamily="34" charset="0"/>
+              </a:rPr>
+              <a:t>El </a:t>
+            </a:r>
+            <a:r>
+              <a:rPr lang="es-SV" dirty="0" smtClean="0">
+                <a:latin typeface="Berlin Sans FB" pitchFamily="34" charset="0"/>
+              </a:rPr>
+              <a:t>sistema </a:t>
+            </a:r>
+            <a:r>
+              <a:rPr lang="es-SV" dirty="0">
+                <a:latin typeface="Berlin Sans FB" pitchFamily="34" charset="0"/>
+              </a:rPr>
+              <a:t>aplica estándares propios del Grupo Promesa.</a:t>
+            </a:r>
+          </a:p>
+          <a:p>
+            <a:endParaRPr lang="es-SV" dirty="0" smtClean="0">
+              <a:latin typeface="Berlin Sans FB" pitchFamily="34" charset="0"/>
+            </a:endParaRPr>
+          </a:p>
+          <a:p>
+            <a:pPr marL="0" indent="0">
+              <a:buNone/>
+            </a:pPr>
+            <a:r>
+              <a:rPr lang="es-SV" dirty="0" smtClean="0">
+                <a:solidFill>
+                  <a:schemeClr val="accent4"/>
+                </a:solidFill>
+                <a:latin typeface="Berlin Sans FB" pitchFamily="34" charset="0"/>
+              </a:rPr>
+              <a:t>Observaciones:</a:t>
+            </a:r>
+          </a:p>
+          <a:p>
+            <a:pPr lvl="1"/>
+            <a:r>
+              <a:rPr lang="es-SV" dirty="0">
+                <a:latin typeface="Berlin Sans FB" pitchFamily="34" charset="0"/>
+              </a:rPr>
+              <a:t>La institución dispone de 8 computadores en total y no cuentan con un servidor.</a:t>
+            </a:r>
+          </a:p>
+          <a:p>
+            <a:pPr lvl="1"/>
+            <a:r>
+              <a:rPr lang="es-SV" dirty="0">
+                <a:latin typeface="Berlin Sans FB" pitchFamily="34" charset="0"/>
+              </a:rPr>
+              <a:t>La dirección ha avalado la ejecución del proyecto y se cuenta con apoyo en brindar la información.</a:t>
+            </a:r>
+          </a:p>
+          <a:p>
+            <a:endParaRPr lang="es-SV" dirty="0">
+              <a:latin typeface="Berlin Sans FB" pitchFamily="34" charset="0"/>
+            </a:endParaRPr>
+          </a:p>
+        </p:txBody>
+      </p:sp>
+    </p:spTree>
+    <p:extLst>
+      <p:ext uri="{BB962C8B-B14F-4D97-AF65-F5344CB8AC3E}">
+        <p14:creationId xmlns:p14="http://schemas.microsoft.com/office/powerpoint/2010/main" val="4218087425"/>
+      </p:ext>
+    </p:extLst>
+  </p:cSld>
+  <p:clrMapOvr>
+    <a:masterClrMapping/>
+  </p:clrMapOvr>
+</p:sld>
+</file>
+
+<file path=ppt/slides/slide36.xml><?xml version="1.0" encoding="utf-8"?>
+<p:sld xmlns:a="http://schemas.openxmlformats.org/drawingml/2006/main" xmlns:r="http://schemas.openxmlformats.org/officeDocument/2006/relationships" xmlns:p="http://schemas.openxmlformats.org/presentationml/2006/main">
+  <p:cSld>
+    <p:bg>
+      <p:bgPr>
+        <a:blipFill dpi="0" rotWithShape="1">
+          <a:blip r:embed="rId2">
+            <a:lum/>
+          </a:blip>
+          <a:srcRect/>
+          <a:stretch>
+            <a:fillRect/>
+          </a:stretch>
+        </a:blipFill>
+        <a:effectLst/>
+      </p:bgPr>
+    </p:bg>
+    <p:spTree>
+      <p:nvGrpSpPr>
+        <p:cNvPr id="1" name=""/>
+        <p:cNvGrpSpPr/>
+        <p:nvPr/>
+      </p:nvGrpSpPr>
+      <p:grpSpPr>
+        <a:xfrm>
+          <a:off x="0" y="0"/>
+          <a:ext cx="0" cy="0"/>
+          <a:chOff x="0" y="0"/>
+          <a:chExt cx="0" cy="0"/>
+        </a:xfrm>
+      </p:grpSpPr>
+      <p:sp>
+        <p:nvSpPr>
+          <p:cNvPr id="2" name="1 Título"/>
+          <p:cNvSpPr>
+            <a:spLocks noGrp="1"/>
+          </p:cNvSpPr>
+          <p:nvPr>
+            <p:ph type="title"/>
+          </p:nvPr>
+        </p:nvSpPr>
+        <p:spPr>
+          <a:xfrm>
+            <a:off x="467544" y="2924944"/>
+            <a:ext cx="8229600" cy="1143000"/>
+          </a:xfrm>
+        </p:spPr>
+        <p:txBody>
+          <a:bodyPr/>
+          <a:lstStyle/>
+          <a:p>
+            <a:r>
+              <a:rPr lang="es-SV" dirty="0" smtClean="0">
+                <a:solidFill>
+                  <a:schemeClr val="bg1"/>
+                </a:solidFill>
+                <a:latin typeface="Berlin Sans FB" pitchFamily="34" charset="0"/>
+              </a:rPr>
+              <a:t>¡</a:t>
+            </a:r>
+            <a:r>
+              <a:rPr lang="es-SV" dirty="0" smtClean="0">
+                <a:solidFill>
+                  <a:schemeClr val="bg1">
+                    <a:lumMod val="75000"/>
+                  </a:schemeClr>
+                </a:solidFill>
+                <a:latin typeface="Berlin Sans FB" pitchFamily="34" charset="0"/>
+              </a:rPr>
+              <a:t>Gracias</a:t>
+            </a:r>
+            <a:r>
+              <a:rPr lang="es-SV" dirty="0" smtClean="0">
+                <a:solidFill>
+                  <a:schemeClr val="bg1"/>
+                </a:solidFill>
+                <a:latin typeface="Berlin Sans FB" pitchFamily="34" charset="0"/>
+              </a:rPr>
+              <a:t> por su Atención!</a:t>
+            </a:r>
+            <a:endParaRPr lang="es-SV" dirty="0">
+              <a:solidFill>
+                <a:schemeClr val="bg1"/>
+              </a:solidFill>
+              <a:latin typeface="Berlin Sans FB" pitchFamily="34" charset="0"/>
+            </a:endParaRPr>
+          </a:p>
+        </p:txBody>
+      </p:sp>
+    </p:spTree>
+    <p:extLst>
+      <p:ext uri="{BB962C8B-B14F-4D97-AF65-F5344CB8AC3E}">
+        <p14:creationId xmlns:p14="http://schemas.microsoft.com/office/powerpoint/2010/main" val="3463346077"/>
       </p:ext>
     </p:extLst>
   </p:cSld>
@@ -15961,4 +21689,289 @@
   <a:objectDefaults/>
   <a:extraClrSchemeLst/>
 </a:theme>
+</file>
+
+<file path=ppt/theme/theme2.xml><?xml version="1.0" encoding="utf-8"?>
+<a:theme xmlns:a="http://schemas.openxmlformats.org/drawingml/2006/main" name="Tema de Office">
+  <a:themeElements>
+    <a:clrScheme name="Office">
+      <a:dk1>
+        <a:sysClr val="windowText" lastClr="000000"/>
+      </a:dk1>
+      <a:lt1>
+        <a:sysClr val="window" lastClr="FFFFFF"/>
+      </a:lt1>
+      <a:dk2>
+        <a:srgbClr val="1F497D"/>
+      </a:dk2>
+      <a:lt2>
+        <a:srgbClr val="EEECE1"/>
+      </a:lt2>
+      <a:accent1>
+        <a:srgbClr val="4F81BD"/>
+      </a:accent1>
+      <a:accent2>
+        <a:srgbClr val="C0504D"/>
+      </a:accent2>
+      <a:accent3>
+        <a:srgbClr val="9BBB59"/>
+      </a:accent3>
+      <a:accent4>
+        <a:srgbClr val="8064A2"/>
+      </a:accent4>
+      <a:accent5>
+        <a:srgbClr val="4BACC6"/>
+      </a:accent5>
+      <a:accent6>
+        <a:srgbClr val="F79646"/>
+      </a:accent6>
+      <a:hlink>
+        <a:srgbClr val="0000FF"/>
+      </a:hlink>
+      <a:folHlink>
+        <a:srgbClr val="800080"/>
+      </a:folHlink>
+    </a:clrScheme>
+    <a:fontScheme name="Office">
+      <a:majorFont>
+        <a:latin typeface="Calibri"/>
+        <a:ea typeface=""/>
+        <a:cs typeface=""/>
+        <a:font script="Jpan" typeface="ＭＳ Ｐゴシック"/>
+        <a:font script="Hang" typeface="맑은 고딕"/>
+        <a:font script="Hans" typeface="宋体"/>
+        <a:font script="Hant" typeface="新細明體"/>
+        <a:font script="Arab" typeface="Times New Roman"/>
+        <a:font script="Hebr" typeface="Times New Roman"/>
+        <a:font script="Thai" typeface="Angsana New"/>
+        <a:font script="Ethi" typeface="Nyala"/>
+        <a:font script="Beng" typeface="Vrinda"/>
+        <a:font script="Gujr" typeface="Shruti"/>
+        <a:font script="Khmr" typeface="MoolBoran"/>
+        <a:font script="Knda" typeface="Tunga"/>
+        <a:font script="Guru" typeface="Raavi"/>
+        <a:font script="Cans" typeface="Euphemia"/>
+        <a:font script="Cher" typeface="Plantagenet Cherokee"/>
+        <a:font script="Yiii" typeface="Microsoft Yi Baiti"/>
+        <a:font script="Tibt" typeface="Microsoft Himalaya"/>
+        <a:font script="Thaa" typeface="MV Boli"/>
+        <a:font script="Deva" typeface="Mangal"/>
+        <a:font script="Telu" typeface="Gautami"/>
+        <a:font script="Taml" typeface="Latha"/>
+        <a:font script="Syrc" typeface="Estrangelo Edessa"/>
+        <a:font script="Orya" typeface="Kalinga"/>
+        <a:font script="Mlym" typeface="Kartika"/>
+        <a:font script="Laoo" typeface="DokChampa"/>
+        <a:font script="Sinh" typeface="Iskoola Pota"/>
+        <a:font script="Mong" typeface="Mongolian Baiti"/>
+        <a:font script="Viet" typeface="Times New Roman"/>
+        <a:font script="Uigh" typeface="Microsoft Uighur"/>
+        <a:font script="Geor" typeface="Sylfaen"/>
+      </a:majorFont>
+      <a:minorFont>
+        <a:latin typeface="Calibri"/>
+        <a:ea typeface=""/>
+        <a:cs typeface=""/>
+        <a:font script="Jpan" typeface="ＭＳ Ｐゴシック"/>
+        <a:font script="Hang" typeface="맑은 고딕"/>
+        <a:font script="Hans" typeface="宋体"/>
+        <a:font script="Hant" typeface="新細明體"/>
+        <a:font script="Arab" typeface="Arial"/>
+        <a:font script="Hebr" typeface="Arial"/>
+        <a:font script="Thai" typeface="Cordia New"/>
+        <a:font script="Ethi" typeface="Nyala"/>
+        <a:font script="Beng" typeface="Vrinda"/>
+        <a:font script="Gujr" typeface="Shruti"/>
+        <a:font script="Khmr" typeface="DaunPenh"/>
+        <a:font script="Knda" typeface="Tunga"/>
+        <a:font script="Guru" typeface="Raavi"/>
+        <a:font script="Cans" typeface="Euphemia"/>
+        <a:font script="Cher" typeface="Plantagenet Cherokee"/>
+        <a:font script="Yiii" typeface="Microsoft Yi Baiti"/>
+        <a:font script="Tibt" typeface="Microsoft Himalaya"/>
+        <a:font script="Thaa" typeface="MV Boli"/>
+        <a:font script="Deva" typeface="Mangal"/>
+        <a:font script="Telu" typeface="Gautami"/>
+        <a:font script="Taml" typeface="Latha"/>
+        <a:font script="Syrc" typeface="Estrangelo Edessa"/>
+        <a:font script="Orya" typeface="Kalinga"/>
+        <a:font script="Mlym" typeface="Kartika"/>
+        <a:font script="Laoo" typeface="DokChampa"/>
+        <a:font script="Sinh" typeface="Iskoola Pota"/>
+        <a:font script="Mong" typeface="Mongolian Baiti"/>
+        <a:font script="Viet" typeface="Arial"/>
+        <a:font script="Uigh" typeface="Microsoft Uighur"/>
+        <a:font script="Geor" typeface="Sylfaen"/>
+      </a:minorFont>
+    </a:fontScheme>
+    <a:fmtScheme name="Office">
+      <a:fillStyleLst>
+        <a:solidFill>
+          <a:schemeClr val="phClr"/>
+        </a:solidFill>
+        <a:gradFill rotWithShape="1">
+          <a:gsLst>
+            <a:gs pos="0">
+              <a:schemeClr val="phClr">
+                <a:tint val="50000"/>
+                <a:satMod val="300000"/>
+              </a:schemeClr>
+            </a:gs>
+            <a:gs pos="35000">
+              <a:schemeClr val="phClr">
+                <a:tint val="37000"/>
+                <a:satMod val="300000"/>
+              </a:schemeClr>
+            </a:gs>
+            <a:gs pos="100000">
+              <a:schemeClr val="phClr">
+                <a:tint val="15000"/>
+                <a:satMod val="350000"/>
+              </a:schemeClr>
+            </a:gs>
+          </a:gsLst>
+          <a:lin ang="16200000" scaled="1"/>
+        </a:gradFill>
+        <a:gradFill rotWithShape="1">
+          <a:gsLst>
+            <a:gs pos="0">
+              <a:schemeClr val="phClr">
+                <a:shade val="51000"/>
+                <a:satMod val="130000"/>
+              </a:schemeClr>
+            </a:gs>
+            <a:gs pos="80000">
+              <a:schemeClr val="phClr">
+                <a:shade val="93000"/>
+                <a:satMod val="130000"/>
+              </a:schemeClr>
+            </a:gs>
+            <a:gs pos="100000">
+              <a:schemeClr val="phClr">
+                <a:shade val="94000"/>
+                <a:satMod val="135000"/>
+              </a:schemeClr>
+            </a:gs>
+          </a:gsLst>
+          <a:lin ang="16200000" scaled="0"/>
+        </a:gradFill>
+      </a:fillStyleLst>
+      <a:lnStyleLst>
+        <a:ln w="9525" cap="flat" cmpd="sng" algn="ctr">
+          <a:solidFill>
+            <a:schemeClr val="phClr">
+              <a:shade val="95000"/>
+              <a:satMod val="105000"/>
+            </a:schemeClr>
+          </a:solidFill>
+          <a:prstDash val="solid"/>
+        </a:ln>
+        <a:ln w="25400" cap="flat" cmpd="sng" algn="ctr">
+          <a:solidFill>
+            <a:schemeClr val="phClr"/>
+          </a:solidFill>
+          <a:prstDash val="solid"/>
+        </a:ln>
+        <a:ln w="38100" cap="flat" cmpd="sng" algn="ctr">
+          <a:solidFill>
+            <a:schemeClr val="phClr"/>
+          </a:solidFill>
+          <a:prstDash val="solid"/>
+        </a:ln>
+      </a:lnStyleLst>
+      <a:effectStyleLst>
+        <a:effectStyle>
+          <a:effectLst>
+            <a:outerShdw blurRad="40000" dist="20000" dir="5400000" rotWithShape="0">
+              <a:srgbClr val="000000">
+                <a:alpha val="38000"/>
+              </a:srgbClr>
+            </a:outerShdw>
+          </a:effectLst>
+        </a:effectStyle>
+        <a:effectStyle>
+          <a:effectLst>
+            <a:outerShdw blurRad="40000" dist="23000" dir="5400000" rotWithShape="0">
+              <a:srgbClr val="000000">
+                <a:alpha val="35000"/>
+              </a:srgbClr>
+            </a:outerShdw>
+          </a:effectLst>
+        </a:effectStyle>
+        <a:effectStyle>
+          <a:effectLst>
+            <a:outerShdw blurRad="40000" dist="23000" dir="5400000" rotWithShape="0">
+              <a:srgbClr val="000000">
+                <a:alpha val="35000"/>
+              </a:srgbClr>
+            </a:outerShdw>
+          </a:effectLst>
+          <a:scene3d>
+            <a:camera prst="orthographicFront">
+              <a:rot lat="0" lon="0" rev="0"/>
+            </a:camera>
+            <a:lightRig rig="threePt" dir="t">
+              <a:rot lat="0" lon="0" rev="1200000"/>
+            </a:lightRig>
+          </a:scene3d>
+          <a:sp3d>
+            <a:bevelT w="63500" h="25400"/>
+          </a:sp3d>
+        </a:effectStyle>
+      </a:effectStyleLst>
+      <a:bgFillStyleLst>
+        <a:solidFill>
+          <a:schemeClr val="phClr"/>
+        </a:solidFill>
+        <a:gradFill rotWithShape="1">
+          <a:gsLst>
+            <a:gs pos="0">
+              <a:schemeClr val="phClr">
+                <a:tint val="40000"/>
+                <a:satMod val="350000"/>
+              </a:schemeClr>
+            </a:gs>
+            <a:gs pos="40000">
+              <a:schemeClr val="phClr">
+                <a:tint val="45000"/>
+                <a:shade val="99000"/>
+                <a:satMod val="350000"/>
+              </a:schemeClr>
+            </a:gs>
+            <a:gs pos="100000">
+              <a:schemeClr val="phClr">
+                <a:shade val="20000"/>
+                <a:satMod val="255000"/>
+              </a:schemeClr>
+            </a:gs>
+          </a:gsLst>
+          <a:path path="circle">
+            <a:fillToRect l="50000" t="-80000" r="50000" b="180000"/>
+          </a:path>
+        </a:gradFill>
+        <a:gradFill rotWithShape="1">
+          <a:gsLst>
+            <a:gs pos="0">
+              <a:schemeClr val="phClr">
+                <a:tint val="80000"/>
+                <a:satMod val="300000"/>
+              </a:schemeClr>
+            </a:gs>
+            <a:gs pos="100000">
+              <a:schemeClr val="phClr">
+                <a:shade val="30000"/>
+                <a:satMod val="200000"/>
+              </a:schemeClr>
+            </a:gs>
+          </a:gsLst>
+          <a:path path="circle">
+            <a:fillToRect l="50000" t="50000" r="50000" b="50000"/>
+          </a:path>
+        </a:gradFill>
+      </a:bgFillStyleLst>
+    </a:fmtScheme>
+  </a:themeElements>
+  <a:objectDefaults/>
+  <a:extraClrSchemeLst/>
+</a:theme>
 </file>
--- a/Documentos/Perfil.pptx
+++ b/Documentos/Perfil.pptx
@@ -4135,6 +4135,18 @@
   <p:clrMapOvr>
     <a:masterClrMapping/>
   </p:clrMapOvr>
+  <mc:AlternateContent xmlns:mc="http://schemas.openxmlformats.org/markup-compatibility/2006">
+    <mc:Choice xmlns:p14="http://schemas.microsoft.com/office/powerpoint/2010/main" Requires="p14">
+      <p:transition spd="slow" p14:dur="1200">
+        <p14:prism dir="u"/>
+      </p:transition>
+    </mc:Choice>
+    <mc:Fallback>
+      <p:transition spd="slow">
+        <p:fade/>
+      </p:transition>
+    </mc:Fallback>
+  </mc:AlternateContent>
   <p:timing>
     <p:tnLst>
       <p:par>
@@ -4484,6 +4496,18 @@
   <p:clrMapOvr>
     <a:masterClrMapping/>
   </p:clrMapOvr>
+  <mc:AlternateContent xmlns:mc="http://schemas.openxmlformats.org/markup-compatibility/2006">
+    <mc:Choice xmlns:p14="http://schemas.microsoft.com/office/powerpoint/2010/main" Requires="p14">
+      <p:transition spd="slow" p14:dur="1200">
+        <p14:prism dir="u"/>
+      </p:transition>
+    </mc:Choice>
+    <mc:Fallback>
+      <p:transition spd="slow">
+        <p:fade/>
+      </p:transition>
+    </mc:Fallback>
+  </mc:AlternateContent>
   <p:timing>
     <p:tnLst>
       <p:par>
@@ -4954,6 +4978,18 @@
   <p:clrMapOvr>
     <a:masterClrMapping/>
   </p:clrMapOvr>
+  <mc:AlternateContent xmlns:mc="http://schemas.openxmlformats.org/markup-compatibility/2006">
+    <mc:Choice xmlns:p14="http://schemas.microsoft.com/office/powerpoint/2010/main" Requires="p14">
+      <p:transition spd="slow" p14:dur="1200">
+        <p14:prism dir="u"/>
+      </p:transition>
+    </mc:Choice>
+    <mc:Fallback>
+      <p:transition spd="slow">
+        <p:fade/>
+      </p:transition>
+    </mc:Fallback>
+  </mc:AlternateContent>
   <p:timing>
     <p:tnLst>
       <p:par>
@@ -5377,6 +5413,18 @@
   <p:clrMapOvr>
     <a:masterClrMapping/>
   </p:clrMapOvr>
+  <mc:AlternateContent xmlns:mc="http://schemas.openxmlformats.org/markup-compatibility/2006">
+    <mc:Choice xmlns:p14="http://schemas.microsoft.com/office/powerpoint/2010/main" Requires="p14">
+      <p:transition spd="slow" p14:dur="1200">
+        <p14:prism dir="u"/>
+      </p:transition>
+    </mc:Choice>
+    <mc:Fallback>
+      <p:transition spd="slow">
+        <p:fade/>
+      </p:transition>
+    </mc:Fallback>
+  </mc:AlternateContent>
   <p:timing>
     <p:tnLst>
       <p:par>
@@ -6111,6 +6159,18 @@
   <p:clrMapOvr>
     <a:masterClrMapping/>
   </p:clrMapOvr>
+  <mc:AlternateContent xmlns:mc="http://schemas.openxmlformats.org/markup-compatibility/2006">
+    <mc:Choice xmlns:p14="http://schemas.microsoft.com/office/powerpoint/2010/main" Requires="p14">
+      <p:transition spd="slow" p14:dur="1200">
+        <p14:prism dir="u"/>
+      </p:transition>
+    </mc:Choice>
+    <mc:Fallback>
+      <p:transition spd="slow">
+        <p:fade/>
+      </p:transition>
+    </mc:Fallback>
+  </mc:AlternateContent>
   <p:timing>
     <p:tnLst>
       <p:par>
@@ -6848,6 +6908,18 @@
   <p:clrMapOvr>
     <a:masterClrMapping/>
   </p:clrMapOvr>
+  <mc:AlternateContent xmlns:mc="http://schemas.openxmlformats.org/markup-compatibility/2006">
+    <mc:Choice xmlns:p14="http://schemas.microsoft.com/office/powerpoint/2010/main" Requires="p14">
+      <p:transition spd="slow" p14:dur="1200">
+        <p14:prism dir="u"/>
+      </p:transition>
+    </mc:Choice>
+    <mc:Fallback>
+      <p:transition spd="slow">
+        <p:fade/>
+      </p:transition>
+    </mc:Fallback>
+  </mc:AlternateContent>
   <p:timing>
     <p:tnLst>
       <p:par>
@@ -7362,6 +7434,18 @@
   <p:clrMapOvr>
     <a:masterClrMapping/>
   </p:clrMapOvr>
+  <mc:AlternateContent xmlns:mc="http://schemas.openxmlformats.org/markup-compatibility/2006">
+    <mc:Choice xmlns:p14="http://schemas.microsoft.com/office/powerpoint/2010/main" Requires="p14">
+      <p:transition spd="slow" p14:dur="1200">
+        <p14:prism dir="u"/>
+      </p:transition>
+    </mc:Choice>
+    <mc:Fallback>
+      <p:transition spd="slow">
+        <p:fade/>
+      </p:transition>
+    </mc:Fallback>
+  </mc:AlternateContent>
   <p:timing>
     <p:tnLst>
       <p:par>
@@ -7737,6 +7821,18 @@
   <p:clrMapOvr>
     <a:masterClrMapping/>
   </p:clrMapOvr>
+  <mc:AlternateContent xmlns:mc="http://schemas.openxmlformats.org/markup-compatibility/2006">
+    <mc:Choice xmlns:p14="http://schemas.microsoft.com/office/powerpoint/2010/main" Requires="p14">
+      <p:transition spd="slow" p14:dur="1200">
+        <p14:prism dir="u"/>
+      </p:transition>
+    </mc:Choice>
+    <mc:Fallback>
+      <p:transition spd="slow">
+        <p:fade/>
+      </p:transition>
+    </mc:Fallback>
+  </mc:AlternateContent>
   <p:timing>
     <p:tnLst>
       <p:par>
@@ -8162,6 +8258,18 @@
   <p:clrMapOvr>
     <a:masterClrMapping/>
   </p:clrMapOvr>
+  <mc:AlternateContent xmlns:mc="http://schemas.openxmlformats.org/markup-compatibility/2006">
+    <mc:Choice xmlns:p14="http://schemas.microsoft.com/office/powerpoint/2010/main" Requires="p14">
+      <p:transition spd="slow" p14:dur="1200">
+        <p14:prism dir="u"/>
+      </p:transition>
+    </mc:Choice>
+    <mc:Fallback>
+      <p:transition spd="slow">
+        <p:fade/>
+      </p:transition>
+    </mc:Fallback>
+  </mc:AlternateContent>
   <p:timing>
     <p:tnLst>
       <p:par>
@@ -8321,6 +8429,18 @@
   <p:clrMapOvr>
     <a:masterClrMapping/>
   </p:clrMapOvr>
+  <mc:AlternateContent xmlns:mc="http://schemas.openxmlformats.org/markup-compatibility/2006">
+    <mc:Choice xmlns:p14="http://schemas.microsoft.com/office/powerpoint/2010/main" Requires="p14">
+      <p:transition spd="slow" p14:dur="1200">
+        <p14:prism dir="u"/>
+      </p:transition>
+    </mc:Choice>
+    <mc:Fallback>
+      <p:transition spd="slow">
+        <p:fade/>
+      </p:transition>
+    </mc:Fallback>
+  </mc:AlternateContent>
   <p:timing>
     <p:tnLst>
       <p:par>
@@ -9089,12 +9209,16 @@
   <p:clrMapOvr>
     <a:masterClrMapping/>
   </p:clrMapOvr>
-  <mc:AlternateContent xmlns:mc="http://schemas.openxmlformats.org/markup-compatibility/2006" xmlns:p14="http://schemas.microsoft.com/office/powerpoint/2010/main">
-    <mc:Choice Requires="p14">
-      <p:transition spd="slow" p14:dur="2000"/>
+  <mc:AlternateContent xmlns:mc="http://schemas.openxmlformats.org/markup-compatibility/2006">
+    <mc:Choice xmlns:p14="http://schemas.microsoft.com/office/powerpoint/2010/main" Requires="p14">
+      <p:transition spd="slow" p14:dur="1200">
+        <p14:prism/>
+      </p:transition>
     </mc:Choice>
-    <mc:Fallback xmlns="">
-      <p:transition spd="slow"/>
+    <mc:Fallback>
+      <p:transition spd="slow">
+        <p:fade/>
+      </p:transition>
     </mc:Fallback>
   </mc:AlternateContent>
   <p:timing>
@@ -9395,6 +9519,18 @@
   <p:clrMapOvr>
     <a:masterClrMapping/>
   </p:clrMapOvr>
+  <mc:AlternateContent xmlns:mc="http://schemas.openxmlformats.org/markup-compatibility/2006">
+    <mc:Choice xmlns:p14="http://schemas.microsoft.com/office/powerpoint/2010/main" Requires="p14">
+      <p:transition spd="slow" p14:dur="1200">
+        <p14:prism dir="u"/>
+      </p:transition>
+    </mc:Choice>
+    <mc:Fallback>
+      <p:transition spd="slow">
+        <p:fade/>
+      </p:transition>
+    </mc:Fallback>
+  </mc:AlternateContent>
   <p:timing>
     <p:tnLst>
       <p:par>
@@ -11376,6 +11512,25 @@
   <p:clrMapOvr>
     <a:masterClrMapping/>
   </p:clrMapOvr>
+  <mc:AlternateContent xmlns:mc="http://schemas.openxmlformats.org/markup-compatibility/2006">
+    <mc:Choice xmlns:p14="http://schemas.microsoft.com/office/powerpoint/2010/main" Requires="p14">
+      <p:transition spd="slow" p14:dur="1200">
+        <p14:prism dir="u"/>
+      </p:transition>
+    </mc:Choice>
+    <mc:Fallback>
+      <p:transition spd="slow">
+        <p:fade/>
+      </p:transition>
+    </mc:Fallback>
+  </mc:AlternateContent>
+  <p:timing>
+    <p:tnLst>
+      <p:par>
+        <p:cTn id="1" dur="indefinite" restart="never" nodeType="tmRoot"/>
+      </p:par>
+    </p:tnLst>
+  </p:timing>
 </p:sld>
 </file>
 
@@ -11564,6 +11719,25 @@
   <p:clrMapOvr>
     <a:masterClrMapping/>
   </p:clrMapOvr>
+  <mc:AlternateContent xmlns:mc="http://schemas.openxmlformats.org/markup-compatibility/2006">
+    <mc:Choice xmlns:p14="http://schemas.microsoft.com/office/powerpoint/2010/main" Requires="p14">
+      <p:transition spd="slow" p14:dur="1200">
+        <p14:prism dir="u"/>
+      </p:transition>
+    </mc:Choice>
+    <mc:Fallback>
+      <p:transition spd="slow">
+        <p:fade/>
+      </p:transition>
+    </mc:Fallback>
+  </mc:AlternateContent>
+  <p:timing>
+    <p:tnLst>
+      <p:par>
+        <p:cTn id="1" dur="indefinite" restart="never" nodeType="tmRoot"/>
+      </p:par>
+    </p:tnLst>
+  </p:timing>
 </p:sld>
 </file>
 
@@ -11733,6 +11907,25 @@
   <p:clrMapOvr>
     <a:masterClrMapping/>
   </p:clrMapOvr>
+  <mc:AlternateContent xmlns:mc="http://schemas.openxmlformats.org/markup-compatibility/2006">
+    <mc:Choice xmlns:p14="http://schemas.microsoft.com/office/powerpoint/2010/main" Requires="p14">
+      <p:transition spd="slow" p14:dur="1200">
+        <p14:prism dir="u"/>
+      </p:transition>
+    </mc:Choice>
+    <mc:Fallback>
+      <p:transition spd="slow">
+        <p:fade/>
+      </p:transition>
+    </mc:Fallback>
+  </mc:AlternateContent>
+  <p:timing>
+    <p:tnLst>
+      <p:par>
+        <p:cTn id="1" dur="indefinite" restart="never" nodeType="tmRoot"/>
+      </p:par>
+    </p:tnLst>
+  </p:timing>
 </p:sld>
 </file>
 
@@ -12000,6 +12193,25 @@
   <p:clrMapOvr>
     <a:masterClrMapping/>
   </p:clrMapOvr>
+  <mc:AlternateContent xmlns:mc="http://schemas.openxmlformats.org/markup-compatibility/2006">
+    <mc:Choice xmlns:p14="http://schemas.microsoft.com/office/powerpoint/2010/main" Requires="p14">
+      <p:transition spd="slow" p14:dur="1200">
+        <p14:prism dir="u"/>
+      </p:transition>
+    </mc:Choice>
+    <mc:Fallback>
+      <p:transition spd="slow">
+        <p:fade/>
+      </p:transition>
+    </mc:Fallback>
+  </mc:AlternateContent>
+  <p:timing>
+    <p:tnLst>
+      <p:par>
+        <p:cTn id="1" dur="indefinite" restart="never" nodeType="tmRoot"/>
+      </p:par>
+    </p:tnLst>
+  </p:timing>
 </p:sld>
 </file>
 
@@ -12160,6 +12372,25 @@
   <p:clrMapOvr>
     <a:masterClrMapping/>
   </p:clrMapOvr>
+  <mc:AlternateContent xmlns:mc="http://schemas.openxmlformats.org/markup-compatibility/2006">
+    <mc:Choice xmlns:p14="http://schemas.microsoft.com/office/powerpoint/2010/main" Requires="p14">
+      <p:transition spd="slow" p14:dur="1200">
+        <p14:prism dir="u"/>
+      </p:transition>
+    </mc:Choice>
+    <mc:Fallback>
+      <p:transition spd="slow">
+        <p:fade/>
+      </p:transition>
+    </mc:Fallback>
+  </mc:AlternateContent>
+  <p:timing>
+    <p:tnLst>
+      <p:par>
+        <p:cTn id="1" dur="indefinite" restart="never" nodeType="tmRoot"/>
+      </p:par>
+    </p:tnLst>
+  </p:timing>
 </p:sld>
 </file>
 
@@ -12311,6 +12542,25 @@
   <p:clrMapOvr>
     <a:masterClrMapping/>
   </p:clrMapOvr>
+  <mc:AlternateContent xmlns:mc="http://schemas.openxmlformats.org/markup-compatibility/2006">
+    <mc:Choice xmlns:p14="http://schemas.microsoft.com/office/powerpoint/2010/main" Requires="p14">
+      <p:transition spd="slow" p14:dur="1200">
+        <p14:prism dir="u"/>
+      </p:transition>
+    </mc:Choice>
+    <mc:Fallback>
+      <p:transition spd="slow">
+        <p:fade/>
+      </p:transition>
+    </mc:Fallback>
+  </mc:AlternateContent>
+  <p:timing>
+    <p:tnLst>
+      <p:par>
+        <p:cTn id="1" dur="indefinite" restart="never" nodeType="tmRoot"/>
+      </p:par>
+    </p:tnLst>
+  </p:timing>
 </p:sld>
 </file>
 
@@ -12490,6 +12740,25 @@
   <p:clrMapOvr>
     <a:masterClrMapping/>
   </p:clrMapOvr>
+  <mc:AlternateContent xmlns:mc="http://schemas.openxmlformats.org/markup-compatibility/2006">
+    <mc:Choice xmlns:p14="http://schemas.microsoft.com/office/powerpoint/2010/main" Requires="p14">
+      <p:transition spd="slow" p14:dur="1200">
+        <p14:prism dir="u"/>
+      </p:transition>
+    </mc:Choice>
+    <mc:Fallback>
+      <p:transition spd="slow">
+        <p:fade/>
+      </p:transition>
+    </mc:Fallback>
+  </mc:AlternateContent>
+  <p:timing>
+    <p:tnLst>
+      <p:par>
+        <p:cTn id="1" dur="indefinite" restart="never" nodeType="tmRoot"/>
+      </p:par>
+    </p:tnLst>
+  </p:timing>
 </p:sld>
 </file>
 
@@ -12642,6 +12911,25 @@
   <p:clrMapOvr>
     <a:masterClrMapping/>
   </p:clrMapOvr>
+  <mc:AlternateContent xmlns:mc="http://schemas.openxmlformats.org/markup-compatibility/2006">
+    <mc:Choice xmlns:p14="http://schemas.microsoft.com/office/powerpoint/2010/main" Requires="p14">
+      <p:transition spd="slow" p14:dur="1200">
+        <p14:prism dir="u"/>
+      </p:transition>
+    </mc:Choice>
+    <mc:Fallback>
+      <p:transition spd="slow">
+        <p:fade/>
+      </p:transition>
+    </mc:Fallback>
+  </mc:AlternateContent>
+  <p:timing>
+    <p:tnLst>
+      <p:par>
+        <p:cTn id="1" dur="indefinite" restart="never" nodeType="tmRoot"/>
+      </p:par>
+    </p:tnLst>
+  </p:timing>
 </p:sld>
 </file>
 
@@ -12740,6 +13028,18 @@
   <p:clrMapOvr>
     <a:masterClrMapping/>
   </p:clrMapOvr>
+  <mc:AlternateContent xmlns:mc="http://schemas.openxmlformats.org/markup-compatibility/2006">
+    <mc:Choice xmlns:p14="http://schemas.microsoft.com/office/powerpoint/2010/main" Requires="p14">
+      <p:transition spd="slow" p14:dur="1200">
+        <p14:prism dir="u"/>
+      </p:transition>
+    </mc:Choice>
+    <mc:Fallback>
+      <p:transition spd="slow">
+        <p:fade/>
+      </p:transition>
+    </mc:Fallback>
+  </mc:AlternateContent>
 </p:sld>
 </file>
 
@@ -13185,6 +13485,18 @@
   <p:clrMapOvr>
     <a:masterClrMapping/>
   </p:clrMapOvr>
+  <mc:AlternateContent xmlns:mc="http://schemas.openxmlformats.org/markup-compatibility/2006">
+    <mc:Choice xmlns:p14="http://schemas.microsoft.com/office/powerpoint/2010/main" Requires="p14">
+      <p:transition spd="slow" p14:dur="1200">
+        <p14:prism dir="u"/>
+      </p:transition>
+    </mc:Choice>
+    <mc:Fallback>
+      <p:transition spd="slow">
+        <p:fade/>
+      </p:transition>
+    </mc:Fallback>
+  </mc:AlternateContent>
   <p:timing>
     <p:tnLst>
       <p:par>
@@ -14407,6 +14719,18 @@
   <p:clrMapOvr>
     <a:masterClrMapping/>
   </p:clrMapOvr>
+  <mc:AlternateContent xmlns:mc="http://schemas.openxmlformats.org/markup-compatibility/2006">
+    <mc:Choice xmlns:p14="http://schemas.microsoft.com/office/powerpoint/2010/main" Requires="p14">
+      <p:transition spd="slow" p14:dur="1200">
+        <p14:prism dir="u"/>
+      </p:transition>
+    </mc:Choice>
+    <mc:Fallback>
+      <p:transition spd="slow">
+        <p:fade/>
+      </p:transition>
+    </mc:Fallback>
+  </mc:AlternateContent>
 </p:sld>
 </file>
 
@@ -15656,6 +15980,18 @@
   <p:clrMapOvr>
     <a:masterClrMapping/>
   </p:clrMapOvr>
+  <mc:AlternateContent xmlns:mc="http://schemas.openxmlformats.org/markup-compatibility/2006">
+    <mc:Choice xmlns:p14="http://schemas.microsoft.com/office/powerpoint/2010/main" Requires="p14">
+      <p:transition spd="slow" p14:dur="1200">
+        <p14:prism dir="u"/>
+      </p:transition>
+    </mc:Choice>
+    <mc:Fallback>
+      <p:transition spd="slow">
+        <p:fade/>
+      </p:transition>
+    </mc:Fallback>
+  </mc:AlternateContent>
 </p:sld>
 </file>
 
@@ -16051,6 +16387,18 @@
   <p:clrMapOvr>
     <a:masterClrMapping/>
   </p:clrMapOvr>
+  <mc:AlternateContent xmlns:mc="http://schemas.openxmlformats.org/markup-compatibility/2006">
+    <mc:Choice xmlns:p14="http://schemas.microsoft.com/office/powerpoint/2010/main" Requires="p14">
+      <p:transition spd="slow" p14:dur="1200">
+        <p14:prism dir="u"/>
+      </p:transition>
+    </mc:Choice>
+    <mc:Fallback>
+      <p:transition spd="slow">
+        <p:fade/>
+      </p:transition>
+    </mc:Fallback>
+  </mc:AlternateContent>
 </p:sld>
 </file>
 
@@ -16174,6 +16522,18 @@
   <p:clrMapOvr>
     <a:masterClrMapping/>
   </p:clrMapOvr>
+  <mc:AlternateContent xmlns:mc="http://schemas.openxmlformats.org/markup-compatibility/2006">
+    <mc:Choice xmlns:p14="http://schemas.microsoft.com/office/powerpoint/2010/main" Requires="p14">
+      <p:transition spd="slow" p14:dur="1200">
+        <p14:prism dir="u"/>
+      </p:transition>
+    </mc:Choice>
+    <mc:Fallback>
+      <p:transition spd="slow">
+        <p:fade/>
+      </p:transition>
+    </mc:Fallback>
+  </mc:AlternateContent>
 </p:sld>
 </file>
 
@@ -18197,6 +18557,18 @@
   <p:clrMapOvr>
     <a:masterClrMapping/>
   </p:clrMapOvr>
+  <mc:AlternateContent xmlns:mc="http://schemas.openxmlformats.org/markup-compatibility/2006">
+    <mc:Choice xmlns:p14="http://schemas.microsoft.com/office/powerpoint/2010/main" Requires="p14">
+      <p:transition spd="slow" p14:dur="1200">
+        <p14:prism dir="u"/>
+      </p:transition>
+    </mc:Choice>
+    <mc:Fallback>
+      <p:transition spd="slow">
+        <p:fade/>
+      </p:transition>
+    </mc:Fallback>
+  </mc:AlternateContent>
 </p:sld>
 </file>
 
@@ -18355,6 +18727,25 @@
   <p:clrMapOvr>
     <a:masterClrMapping/>
   </p:clrMapOvr>
+  <mc:AlternateContent xmlns:mc="http://schemas.openxmlformats.org/markup-compatibility/2006">
+    <mc:Choice xmlns:p14="http://schemas.microsoft.com/office/powerpoint/2010/main" Requires="p14">
+      <p:transition spd="slow" p14:dur="1200">
+        <p14:prism dir="u"/>
+      </p:transition>
+    </mc:Choice>
+    <mc:Fallback>
+      <p:transition spd="slow">
+        <p:fade/>
+      </p:transition>
+    </mc:Fallback>
+  </mc:AlternateContent>
+  <p:timing>
+    <p:tnLst>
+      <p:par>
+        <p:cTn id="1" dur="indefinite" restart="never" nodeType="tmRoot"/>
+      </p:par>
+    </p:tnLst>
+  </p:timing>
 </p:sld>
 </file>
 
@@ -18457,6 +18848,25 @@
   <p:clrMapOvr>
     <a:masterClrMapping/>
   </p:clrMapOvr>
+  <mc:AlternateContent xmlns:mc="http://schemas.openxmlformats.org/markup-compatibility/2006">
+    <mc:Choice xmlns:p14="http://schemas.microsoft.com/office/powerpoint/2010/main" Requires="p14">
+      <p:transition spd="slow" p14:dur="1200">
+        <p14:prism dir="r"/>
+      </p:transition>
+    </mc:Choice>
+    <mc:Fallback>
+      <p:transition spd="slow">
+        <p:fade/>
+      </p:transition>
+    </mc:Fallback>
+  </mc:AlternateContent>
+  <p:timing>
+    <p:tnLst>
+      <p:par>
+        <p:cTn id="1" dur="indefinite" restart="never" nodeType="tmRoot"/>
+      </p:par>
+    </p:tnLst>
+  </p:timing>
 </p:sld>
 </file>
 
@@ -18913,6 +19323,18 @@
   <p:clrMapOvr>
     <a:masterClrMapping/>
   </p:clrMapOvr>
+  <mc:AlternateContent xmlns:mc="http://schemas.openxmlformats.org/markup-compatibility/2006">
+    <mc:Choice xmlns:p14="http://schemas.microsoft.com/office/powerpoint/2010/main" Requires="p14">
+      <p:transition spd="slow" p14:dur="1200">
+        <p14:prism dir="u"/>
+      </p:transition>
+    </mc:Choice>
+    <mc:Fallback>
+      <p:transition spd="slow">
+        <p:fade/>
+      </p:transition>
+    </mc:Fallback>
+  </mc:AlternateContent>
   <p:timing>
     <p:tnLst>
       <p:par>
@@ -19329,6 +19751,18 @@
   <p:clrMapOvr>
     <a:masterClrMapping/>
   </p:clrMapOvr>
+  <mc:AlternateContent xmlns:mc="http://schemas.openxmlformats.org/markup-compatibility/2006">
+    <mc:Choice xmlns:p14="http://schemas.microsoft.com/office/powerpoint/2010/main" Requires="p14">
+      <p:transition spd="slow" p14:dur="1200">
+        <p14:prism dir="u"/>
+      </p:transition>
+    </mc:Choice>
+    <mc:Fallback>
+      <p:transition spd="slow">
+        <p:fade/>
+      </p:transition>
+    </mc:Fallback>
+  </mc:AlternateContent>
   <p:timing>
     <p:tnLst>
       <p:par>
@@ -20081,6 +20515,18 @@
   <p:clrMapOvr>
     <a:masterClrMapping/>
   </p:clrMapOvr>
+  <mc:AlternateContent xmlns:mc="http://schemas.openxmlformats.org/markup-compatibility/2006">
+    <mc:Choice xmlns:p14="http://schemas.microsoft.com/office/powerpoint/2010/main" Requires="p14">
+      <p:transition spd="slow" p14:dur="1200">
+        <p14:prism dir="u"/>
+      </p:transition>
+    </mc:Choice>
+    <mc:Fallback>
+      <p:transition spd="slow">
+        <p:fade/>
+      </p:transition>
+    </mc:Fallback>
+  </mc:AlternateContent>
   <p:timing>
     <p:tnLst>
       <p:par>
@@ -20656,6 +21102,18 @@
   <p:clrMapOvr>
     <a:masterClrMapping/>
   </p:clrMapOvr>
+  <mc:AlternateContent xmlns:mc="http://schemas.openxmlformats.org/markup-compatibility/2006">
+    <mc:Choice xmlns:p14="http://schemas.microsoft.com/office/powerpoint/2010/main" Requires="p14">
+      <p:transition spd="slow" p14:dur="1200">
+        <p14:prism dir="u"/>
+      </p:transition>
+    </mc:Choice>
+    <mc:Fallback>
+      <p:transition spd="slow">
+        <p:fade/>
+      </p:transition>
+    </mc:Fallback>
+  </mc:AlternateContent>
   <p:timing>
     <p:tnLst>
       <p:par>
@@ -21122,6 +21580,18 @@
   <p:clrMapOvr>
     <a:masterClrMapping/>
   </p:clrMapOvr>
+  <mc:AlternateContent xmlns:mc="http://schemas.openxmlformats.org/markup-compatibility/2006">
+    <mc:Choice xmlns:p14="http://schemas.microsoft.com/office/powerpoint/2010/main" Requires="p14">
+      <p:transition spd="slow" p14:dur="1200">
+        <p14:prism dir="u"/>
+      </p:transition>
+    </mc:Choice>
+    <mc:Fallback>
+      <p:transition spd="slow">
+        <p:fade/>
+      </p:transition>
+    </mc:Fallback>
+  </mc:AlternateContent>
   <p:timing>
     <p:tnLst>
       <p:par>
@@ -21396,6 +21866,18 @@
   <p:clrMapOvr>
     <a:masterClrMapping/>
   </p:clrMapOvr>
+  <mc:AlternateContent xmlns:mc="http://schemas.openxmlformats.org/markup-compatibility/2006">
+    <mc:Choice xmlns:p14="http://schemas.microsoft.com/office/powerpoint/2010/main" Requires="p14">
+      <p:transition spd="slow" p14:dur="1200">
+        <p14:prism dir="u"/>
+      </p:transition>
+    </mc:Choice>
+    <mc:Fallback>
+      <p:transition spd="slow">
+        <p:fade/>
+      </p:transition>
+    </mc:Fallback>
+  </mc:AlternateContent>
   <p:timing>
     <p:tnLst>
       <p:par>

--- a/Documentos/Perfil.pptx
+++ b/Documentos/Perfil.pptx
@@ -227,7 +227,7 @@
           <a:p>
             <a:fld id="{45640EB2-0A08-4C14-98F4-51B308B111E5}" type="datetimeFigureOut">
               <a:rPr lang="es-SV" smtClean="0"/>
-              <a:t>27 Sept. 2016</a:t>
+              <a:t>27/09/2016</a:t>
             </a:fld>
             <a:endParaRPr lang="es-SV"/>
           </a:p>
@@ -760,7 +760,7 @@
           <a:p>
             <a:fld id="{E3241D4D-4B10-48AC-875D-88555169AD32}" type="datetimeFigureOut">
               <a:rPr lang="es-SV" smtClean="0"/>
-              <a:t>27 Sept. 2016</a:t>
+              <a:t>27/09/2016</a:t>
             </a:fld>
             <a:endParaRPr lang="es-SV"/>
           </a:p>
@@ -930,7 +930,7 @@
           <a:p>
             <a:fld id="{E3241D4D-4B10-48AC-875D-88555169AD32}" type="datetimeFigureOut">
               <a:rPr lang="es-SV" smtClean="0"/>
-              <a:t>27 Sept. 2016</a:t>
+              <a:t>27/09/2016</a:t>
             </a:fld>
             <a:endParaRPr lang="es-SV"/>
           </a:p>
@@ -1110,7 +1110,7 @@
           <a:p>
             <a:fld id="{E3241D4D-4B10-48AC-875D-88555169AD32}" type="datetimeFigureOut">
               <a:rPr lang="es-SV" smtClean="0"/>
-              <a:t>27 Sept. 2016</a:t>
+              <a:t>27/09/2016</a:t>
             </a:fld>
             <a:endParaRPr lang="es-SV"/>
           </a:p>
@@ -1280,7 +1280,7 @@
           <a:p>
             <a:fld id="{E3241D4D-4B10-48AC-875D-88555169AD32}" type="datetimeFigureOut">
               <a:rPr lang="es-SV" smtClean="0"/>
-              <a:t>27 Sept. 2016</a:t>
+              <a:t>27/09/2016</a:t>
             </a:fld>
             <a:endParaRPr lang="es-SV"/>
           </a:p>
@@ -1526,7 +1526,7 @@
           <a:p>
             <a:fld id="{E3241D4D-4B10-48AC-875D-88555169AD32}" type="datetimeFigureOut">
               <a:rPr lang="es-SV" smtClean="0"/>
-              <a:t>27 Sept. 2016</a:t>
+              <a:t>27/09/2016</a:t>
             </a:fld>
             <a:endParaRPr lang="es-SV"/>
           </a:p>
@@ -1814,7 +1814,7 @@
           <a:p>
             <a:fld id="{E3241D4D-4B10-48AC-875D-88555169AD32}" type="datetimeFigureOut">
               <a:rPr lang="es-SV" smtClean="0"/>
-              <a:t>27 Sept. 2016</a:t>
+              <a:t>27/09/2016</a:t>
             </a:fld>
             <a:endParaRPr lang="es-SV"/>
           </a:p>
@@ -2236,7 +2236,7 @@
           <a:p>
             <a:fld id="{E3241D4D-4B10-48AC-875D-88555169AD32}" type="datetimeFigureOut">
               <a:rPr lang="es-SV" smtClean="0"/>
-              <a:t>27 Sept. 2016</a:t>
+              <a:t>27/09/2016</a:t>
             </a:fld>
             <a:endParaRPr lang="es-SV"/>
           </a:p>
@@ -2354,7 +2354,7 @@
           <a:p>
             <a:fld id="{E3241D4D-4B10-48AC-875D-88555169AD32}" type="datetimeFigureOut">
               <a:rPr lang="es-SV" smtClean="0"/>
-              <a:t>27 Sept. 2016</a:t>
+              <a:t>27/09/2016</a:t>
             </a:fld>
             <a:endParaRPr lang="es-SV"/>
           </a:p>
@@ -2449,7 +2449,7 @@
           <a:p>
             <a:fld id="{E3241D4D-4B10-48AC-875D-88555169AD32}" type="datetimeFigureOut">
               <a:rPr lang="es-SV" smtClean="0"/>
-              <a:t>27 Sept. 2016</a:t>
+              <a:t>27/09/2016</a:t>
             </a:fld>
             <a:endParaRPr lang="es-SV"/>
           </a:p>
@@ -2726,7 +2726,7 @@
           <a:p>
             <a:fld id="{E3241D4D-4B10-48AC-875D-88555169AD32}" type="datetimeFigureOut">
               <a:rPr lang="es-SV" smtClean="0"/>
-              <a:t>27 Sept. 2016</a:t>
+              <a:t>27/09/2016</a:t>
             </a:fld>
             <a:endParaRPr lang="es-SV"/>
           </a:p>
@@ -2979,7 +2979,7 @@
           <a:p>
             <a:fld id="{E3241D4D-4B10-48AC-875D-88555169AD32}" type="datetimeFigureOut">
               <a:rPr lang="es-SV" smtClean="0"/>
-              <a:t>27 Sept. 2016</a:t>
+              <a:t>27/09/2016</a:t>
             </a:fld>
             <a:endParaRPr lang="es-SV"/>
           </a:p>
@@ -3201,7 +3201,7 @@
           <a:p>
             <a:fld id="{E3241D4D-4B10-48AC-875D-88555169AD32}" type="datetimeFigureOut">
               <a:rPr lang="es-SV" smtClean="0"/>
-              <a:t>27 Sept. 2016</a:t>
+              <a:t>27/09/2016</a:t>
             </a:fld>
             <a:endParaRPr lang="es-SV"/>
           </a:p>
@@ -4135,13 +4135,13 @@
   <p:clrMapOvr>
     <a:masterClrMapping/>
   </p:clrMapOvr>
-  <mc:AlternateContent xmlns:mc="http://schemas.openxmlformats.org/markup-compatibility/2006">
-    <mc:Choice xmlns:p14="http://schemas.microsoft.com/office/powerpoint/2010/main" Requires="p14">
+  <mc:AlternateContent xmlns:mc="http://schemas.openxmlformats.org/markup-compatibility/2006" xmlns:p14="http://schemas.microsoft.com/office/powerpoint/2010/main">
+    <mc:Choice Requires="p14">
       <p:transition spd="slow" p14:dur="1200">
         <p14:prism dir="u"/>
       </p:transition>
     </mc:Choice>
-    <mc:Fallback>
+    <mc:Fallback xmlns="">
       <p:transition spd="slow">
         <p:fade/>
       </p:transition>
@@ -4496,13 +4496,13 @@
   <p:clrMapOvr>
     <a:masterClrMapping/>
   </p:clrMapOvr>
-  <mc:AlternateContent xmlns:mc="http://schemas.openxmlformats.org/markup-compatibility/2006">
-    <mc:Choice xmlns:p14="http://schemas.microsoft.com/office/powerpoint/2010/main" Requires="p14">
+  <mc:AlternateContent xmlns:mc="http://schemas.openxmlformats.org/markup-compatibility/2006" xmlns:p14="http://schemas.microsoft.com/office/powerpoint/2010/main">
+    <mc:Choice Requires="p14">
       <p:transition spd="slow" p14:dur="1200">
         <p14:prism dir="u"/>
       </p:transition>
     </mc:Choice>
-    <mc:Fallback>
+    <mc:Fallback xmlns="">
       <p:transition spd="slow">
         <p:fade/>
       </p:transition>
@@ -4978,13 +4978,13 @@
   <p:clrMapOvr>
     <a:masterClrMapping/>
   </p:clrMapOvr>
-  <mc:AlternateContent xmlns:mc="http://schemas.openxmlformats.org/markup-compatibility/2006">
-    <mc:Choice xmlns:p14="http://schemas.microsoft.com/office/powerpoint/2010/main" Requires="p14">
+  <mc:AlternateContent xmlns:mc="http://schemas.openxmlformats.org/markup-compatibility/2006" xmlns:p14="http://schemas.microsoft.com/office/powerpoint/2010/main">
+    <mc:Choice Requires="p14">
       <p:transition spd="slow" p14:dur="1200">
         <p14:prism dir="u"/>
       </p:transition>
     </mc:Choice>
-    <mc:Fallback>
+    <mc:Fallback xmlns="">
       <p:transition spd="slow">
         <p:fade/>
       </p:transition>
@@ -5413,13 +5413,13 @@
   <p:clrMapOvr>
     <a:masterClrMapping/>
   </p:clrMapOvr>
-  <mc:AlternateContent xmlns:mc="http://schemas.openxmlformats.org/markup-compatibility/2006">
-    <mc:Choice xmlns:p14="http://schemas.microsoft.com/office/powerpoint/2010/main" Requires="p14">
+  <mc:AlternateContent xmlns:mc="http://schemas.openxmlformats.org/markup-compatibility/2006" xmlns:p14="http://schemas.microsoft.com/office/powerpoint/2010/main">
+    <mc:Choice Requires="p14">
       <p:transition spd="slow" p14:dur="1200">
         <p14:prism dir="u"/>
       </p:transition>
     </mc:Choice>
-    <mc:Fallback>
+    <mc:Fallback xmlns="">
       <p:transition spd="slow">
         <p:fade/>
       </p:transition>
@@ -6159,13 +6159,13 @@
   <p:clrMapOvr>
     <a:masterClrMapping/>
   </p:clrMapOvr>
-  <mc:AlternateContent xmlns:mc="http://schemas.openxmlformats.org/markup-compatibility/2006">
-    <mc:Choice xmlns:p14="http://schemas.microsoft.com/office/powerpoint/2010/main" Requires="p14">
+  <mc:AlternateContent xmlns:mc="http://schemas.openxmlformats.org/markup-compatibility/2006" xmlns:p14="http://schemas.microsoft.com/office/powerpoint/2010/main">
+    <mc:Choice Requires="p14">
       <p:transition spd="slow" p14:dur="1200">
         <p14:prism dir="u"/>
       </p:transition>
     </mc:Choice>
-    <mc:Fallback>
+    <mc:Fallback xmlns="">
       <p:transition spd="slow">
         <p:fade/>
       </p:transition>
@@ -6908,13 +6908,13 @@
   <p:clrMapOvr>
     <a:masterClrMapping/>
   </p:clrMapOvr>
-  <mc:AlternateContent xmlns:mc="http://schemas.openxmlformats.org/markup-compatibility/2006">
-    <mc:Choice xmlns:p14="http://schemas.microsoft.com/office/powerpoint/2010/main" Requires="p14">
+  <mc:AlternateContent xmlns:mc="http://schemas.openxmlformats.org/markup-compatibility/2006" xmlns:p14="http://schemas.microsoft.com/office/powerpoint/2010/main">
+    <mc:Choice Requires="p14">
       <p:transition spd="slow" p14:dur="1200">
         <p14:prism dir="u"/>
       </p:transition>
     </mc:Choice>
-    <mc:Fallback>
+    <mc:Fallback xmlns="">
       <p:transition spd="slow">
         <p:fade/>
       </p:transition>
@@ -7434,13 +7434,13 @@
   <p:clrMapOvr>
     <a:masterClrMapping/>
   </p:clrMapOvr>
-  <mc:AlternateContent xmlns:mc="http://schemas.openxmlformats.org/markup-compatibility/2006">
-    <mc:Choice xmlns:p14="http://schemas.microsoft.com/office/powerpoint/2010/main" Requires="p14">
+  <mc:AlternateContent xmlns:mc="http://schemas.openxmlformats.org/markup-compatibility/2006" xmlns:p14="http://schemas.microsoft.com/office/powerpoint/2010/main">
+    <mc:Choice Requires="p14">
       <p:transition spd="slow" p14:dur="1200">
         <p14:prism dir="u"/>
       </p:transition>
     </mc:Choice>
-    <mc:Fallback>
+    <mc:Fallback xmlns="">
       <p:transition spd="slow">
         <p:fade/>
       </p:transition>
@@ -7821,13 +7821,13 @@
   <p:clrMapOvr>
     <a:masterClrMapping/>
   </p:clrMapOvr>
-  <mc:AlternateContent xmlns:mc="http://schemas.openxmlformats.org/markup-compatibility/2006">
-    <mc:Choice xmlns:p14="http://schemas.microsoft.com/office/powerpoint/2010/main" Requires="p14">
+  <mc:AlternateContent xmlns:mc="http://schemas.openxmlformats.org/markup-compatibility/2006" xmlns:p14="http://schemas.microsoft.com/office/powerpoint/2010/main">
+    <mc:Choice Requires="p14">
       <p:transition spd="slow" p14:dur="1200">
         <p14:prism dir="u"/>
       </p:transition>
     </mc:Choice>
-    <mc:Fallback>
+    <mc:Fallback xmlns="">
       <p:transition spd="slow">
         <p:fade/>
       </p:transition>
@@ -8258,13 +8258,13 @@
   <p:clrMapOvr>
     <a:masterClrMapping/>
   </p:clrMapOvr>
-  <mc:AlternateContent xmlns:mc="http://schemas.openxmlformats.org/markup-compatibility/2006">
-    <mc:Choice xmlns:p14="http://schemas.microsoft.com/office/powerpoint/2010/main" Requires="p14">
+  <mc:AlternateContent xmlns:mc="http://schemas.openxmlformats.org/markup-compatibility/2006" xmlns:p14="http://schemas.microsoft.com/office/powerpoint/2010/main">
+    <mc:Choice Requires="p14">
       <p:transition spd="slow" p14:dur="1200">
         <p14:prism dir="u"/>
       </p:transition>
     </mc:Choice>
-    <mc:Fallback>
+    <mc:Fallback xmlns="">
       <p:transition spd="slow">
         <p:fade/>
       </p:transition>
@@ -8429,13 +8429,13 @@
   <p:clrMapOvr>
     <a:masterClrMapping/>
   </p:clrMapOvr>
-  <mc:AlternateContent xmlns:mc="http://schemas.openxmlformats.org/markup-compatibility/2006">
-    <mc:Choice xmlns:p14="http://schemas.microsoft.com/office/powerpoint/2010/main" Requires="p14">
+  <mc:AlternateContent xmlns:mc="http://schemas.openxmlformats.org/markup-compatibility/2006" xmlns:p14="http://schemas.microsoft.com/office/powerpoint/2010/main">
+    <mc:Choice Requires="p14">
       <p:transition spd="slow" p14:dur="1200">
         <p14:prism dir="u"/>
       </p:transition>
     </mc:Choice>
-    <mc:Fallback>
+    <mc:Fallback xmlns="">
       <p:transition spd="slow">
         <p:fade/>
       </p:transition>
@@ -9209,13 +9209,13 @@
   <p:clrMapOvr>
     <a:masterClrMapping/>
   </p:clrMapOvr>
-  <mc:AlternateContent xmlns:mc="http://schemas.openxmlformats.org/markup-compatibility/2006">
-    <mc:Choice xmlns:p14="http://schemas.microsoft.com/office/powerpoint/2010/main" Requires="p14">
+  <mc:AlternateContent xmlns:mc="http://schemas.openxmlformats.org/markup-compatibility/2006" xmlns:p14="http://schemas.microsoft.com/office/powerpoint/2010/main">
+    <mc:Choice Requires="p14">
       <p:transition spd="slow" p14:dur="1200">
         <p14:prism/>
       </p:transition>
     </mc:Choice>
-    <mc:Fallback>
+    <mc:Fallback xmlns="">
       <p:transition spd="slow">
         <p:fade/>
       </p:transition>
@@ -9519,13 +9519,13 @@
   <p:clrMapOvr>
     <a:masterClrMapping/>
   </p:clrMapOvr>
-  <mc:AlternateContent xmlns:mc="http://schemas.openxmlformats.org/markup-compatibility/2006">
-    <mc:Choice xmlns:p14="http://schemas.microsoft.com/office/powerpoint/2010/main" Requires="p14">
+  <mc:AlternateContent xmlns:mc="http://schemas.openxmlformats.org/markup-compatibility/2006" xmlns:p14="http://schemas.microsoft.com/office/powerpoint/2010/main">
+    <mc:Choice Requires="p14">
       <p:transition spd="slow" p14:dur="1200">
         <p14:prism dir="u"/>
       </p:transition>
     </mc:Choice>
-    <mc:Fallback>
+    <mc:Fallback xmlns="">
       <p:transition spd="slow">
         <p:fade/>
       </p:transition>
@@ -11512,13 +11512,13 @@
   <p:clrMapOvr>
     <a:masterClrMapping/>
   </p:clrMapOvr>
-  <mc:AlternateContent xmlns:mc="http://schemas.openxmlformats.org/markup-compatibility/2006">
-    <mc:Choice xmlns:p14="http://schemas.microsoft.com/office/powerpoint/2010/main" Requires="p14">
+  <mc:AlternateContent xmlns:mc="http://schemas.openxmlformats.org/markup-compatibility/2006" xmlns:p14="http://schemas.microsoft.com/office/powerpoint/2010/main">
+    <mc:Choice Requires="p14">
       <p:transition spd="slow" p14:dur="1200">
         <p14:prism dir="u"/>
       </p:transition>
     </mc:Choice>
-    <mc:Fallback>
+    <mc:Fallback xmlns="">
       <p:transition spd="slow">
         <p:fade/>
       </p:transition>
@@ -11719,13 +11719,13 @@
   <p:clrMapOvr>
     <a:masterClrMapping/>
   </p:clrMapOvr>
-  <mc:AlternateContent xmlns:mc="http://schemas.openxmlformats.org/markup-compatibility/2006">
-    <mc:Choice xmlns:p14="http://schemas.microsoft.com/office/powerpoint/2010/main" Requires="p14">
+  <mc:AlternateContent xmlns:mc="http://schemas.openxmlformats.org/markup-compatibility/2006" xmlns:p14="http://schemas.microsoft.com/office/powerpoint/2010/main">
+    <mc:Choice Requires="p14">
       <p:transition spd="slow" p14:dur="1200">
         <p14:prism dir="u"/>
       </p:transition>
     </mc:Choice>
-    <mc:Fallback>
+    <mc:Fallback xmlns="">
       <p:transition spd="slow">
         <p:fade/>
       </p:transition>
@@ -11907,13 +11907,13 @@
   <p:clrMapOvr>
     <a:masterClrMapping/>
   </p:clrMapOvr>
-  <mc:AlternateContent xmlns:mc="http://schemas.openxmlformats.org/markup-compatibility/2006">
-    <mc:Choice xmlns:p14="http://schemas.microsoft.com/office/powerpoint/2010/main" Requires="p14">
+  <mc:AlternateContent xmlns:mc="http://schemas.openxmlformats.org/markup-compatibility/2006" xmlns:p14="http://schemas.microsoft.com/office/powerpoint/2010/main">
+    <mc:Choice Requires="p14">
       <p:transition spd="slow" p14:dur="1200">
         <p14:prism dir="u"/>
       </p:transition>
     </mc:Choice>
-    <mc:Fallback>
+    <mc:Fallback xmlns="">
       <p:transition spd="slow">
         <p:fade/>
       </p:transition>
@@ -12056,8 +12056,29 @@
               <a:rPr lang="es-SV" dirty="0">
                 <a:latin typeface="Berlin Sans FB" pitchFamily="34" charset="0"/>
               </a:rPr>
-              <a:t>Formularios especializados para que se llenen con los datos de los exámenes y así en poder imprimir de mejor manera la información </a:t>
-            </a:r>
+              <a:t>Formularios especializados para que se llenen con los datos de los exámenes y </a:t>
+            </a:r>
+            <a:r>
+              <a:rPr lang="es-SV" dirty="0" smtClean="0">
+                <a:latin typeface="Berlin Sans FB" pitchFamily="34" charset="0"/>
+              </a:rPr>
+              <a:t>así </a:t>
+            </a:r>
+            <a:r>
+              <a:rPr lang="es-SV" dirty="0">
+                <a:latin typeface="Berlin Sans FB" pitchFamily="34" charset="0"/>
+              </a:rPr>
+              <a:t>poder imprimir de mejor manera la </a:t>
+            </a:r>
+            <a:r>
+              <a:rPr lang="es-SV" dirty="0" smtClean="0">
+                <a:latin typeface="Berlin Sans FB" pitchFamily="34" charset="0"/>
+              </a:rPr>
+              <a:t>información. </a:t>
+            </a:r>
+            <a:endParaRPr lang="es-SV" dirty="0">
+              <a:latin typeface="Berlin Sans FB" pitchFamily="34" charset="0"/>
+            </a:endParaRPr>
           </a:p>
           <a:p>
             <a:pPr lvl="0"/>
@@ -12193,13 +12214,13 @@
   <p:clrMapOvr>
     <a:masterClrMapping/>
   </p:clrMapOvr>
-  <mc:AlternateContent xmlns:mc="http://schemas.openxmlformats.org/markup-compatibility/2006">
-    <mc:Choice xmlns:p14="http://schemas.microsoft.com/office/powerpoint/2010/main" Requires="p14">
+  <mc:AlternateContent xmlns:mc="http://schemas.openxmlformats.org/markup-compatibility/2006" xmlns:p14="http://schemas.microsoft.com/office/powerpoint/2010/main">
+    <mc:Choice Requires="p14">
       <p:transition spd="slow" p14:dur="1200">
         <p14:prism dir="u"/>
       </p:transition>
     </mc:Choice>
-    <mc:Fallback>
+    <mc:Fallback xmlns="">
       <p:transition spd="slow">
         <p:fade/>
       </p:transition>
@@ -12357,8 +12378,17 @@
               <a:rPr lang="es-SV" dirty="0">
                 <a:latin typeface="Berlin Sans FB" pitchFamily="34" charset="0"/>
               </a:rPr>
-              <a:t>Registro de signos vitales en la parte de consulta médica</a:t>
-            </a:r>
+              <a:t>Registro de signos vitales en la parte de consulta </a:t>
+            </a:r>
+            <a:r>
+              <a:rPr lang="es-SV" dirty="0" smtClean="0">
+                <a:latin typeface="Berlin Sans FB" pitchFamily="34" charset="0"/>
+              </a:rPr>
+              <a:t>médica.</a:t>
+            </a:r>
+            <a:endParaRPr lang="es-SV" dirty="0">
+              <a:latin typeface="Berlin Sans FB" pitchFamily="34" charset="0"/>
+            </a:endParaRPr>
           </a:p>
         </p:txBody>
       </p:sp>
@@ -12372,13 +12402,13 @@
   <p:clrMapOvr>
     <a:masterClrMapping/>
   </p:clrMapOvr>
-  <mc:AlternateContent xmlns:mc="http://schemas.openxmlformats.org/markup-compatibility/2006">
-    <mc:Choice xmlns:p14="http://schemas.microsoft.com/office/powerpoint/2010/main" Requires="p14">
+  <mc:AlternateContent xmlns:mc="http://schemas.openxmlformats.org/markup-compatibility/2006" xmlns:p14="http://schemas.microsoft.com/office/powerpoint/2010/main">
+    <mc:Choice Requires="p14">
       <p:transition spd="slow" p14:dur="1200">
         <p14:prism dir="u"/>
       </p:transition>
     </mc:Choice>
-    <mc:Fallback>
+    <mc:Fallback xmlns="">
       <p:transition spd="slow">
         <p:fade/>
       </p:transition>
@@ -12542,13 +12572,13 @@
   <p:clrMapOvr>
     <a:masterClrMapping/>
   </p:clrMapOvr>
-  <mc:AlternateContent xmlns:mc="http://schemas.openxmlformats.org/markup-compatibility/2006">
-    <mc:Choice xmlns:p14="http://schemas.microsoft.com/office/powerpoint/2010/main" Requires="p14">
+  <mc:AlternateContent xmlns:mc="http://schemas.openxmlformats.org/markup-compatibility/2006" xmlns:p14="http://schemas.microsoft.com/office/powerpoint/2010/main">
+    <mc:Choice Requires="p14">
       <p:transition spd="slow" p14:dur="1200">
         <p14:prism dir="u"/>
       </p:transition>
     </mc:Choice>
-    <mc:Fallback>
+    <mc:Fallback xmlns="">
       <p:transition spd="slow">
         <p:fade/>
       </p:transition>
@@ -12740,13 +12770,13 @@
   <p:clrMapOvr>
     <a:masterClrMapping/>
   </p:clrMapOvr>
-  <mc:AlternateContent xmlns:mc="http://schemas.openxmlformats.org/markup-compatibility/2006">
-    <mc:Choice xmlns:p14="http://schemas.microsoft.com/office/powerpoint/2010/main" Requires="p14">
+  <mc:AlternateContent xmlns:mc="http://schemas.openxmlformats.org/markup-compatibility/2006" xmlns:p14="http://schemas.microsoft.com/office/powerpoint/2010/main">
+    <mc:Choice Requires="p14">
       <p:transition spd="slow" p14:dur="1200">
         <p14:prism dir="u"/>
       </p:transition>
     </mc:Choice>
-    <mc:Fallback>
+    <mc:Fallback xmlns="">
       <p:transition spd="slow">
         <p:fade/>
       </p:transition>
@@ -12887,8 +12917,17 @@
               <a:rPr lang="es-SV" dirty="0">
                 <a:latin typeface="Berlin Sans FB" pitchFamily="34" charset="0"/>
               </a:rPr>
-              <a:t>Centralizará la información de las diversas áreas</a:t>
-            </a:r>
+              <a:t>Centralizará la información de las diversas </a:t>
+            </a:r>
+            <a:r>
+              <a:rPr lang="es-SV" dirty="0" smtClean="0">
+                <a:latin typeface="Berlin Sans FB" pitchFamily="34" charset="0"/>
+              </a:rPr>
+              <a:t>áreas.</a:t>
+            </a:r>
+            <a:endParaRPr lang="es-SV" dirty="0">
+              <a:latin typeface="Berlin Sans FB" pitchFamily="34" charset="0"/>
+            </a:endParaRPr>
           </a:p>
           <a:p>
             <a:pPr lvl="0"/>
@@ -12911,13 +12950,13 @@
   <p:clrMapOvr>
     <a:masterClrMapping/>
   </p:clrMapOvr>
-  <mc:AlternateContent xmlns:mc="http://schemas.openxmlformats.org/markup-compatibility/2006">
-    <mc:Choice xmlns:p14="http://schemas.microsoft.com/office/powerpoint/2010/main" Requires="p14">
+  <mc:AlternateContent xmlns:mc="http://schemas.openxmlformats.org/markup-compatibility/2006" xmlns:p14="http://schemas.microsoft.com/office/powerpoint/2010/main">
+    <mc:Choice Requires="p14">
       <p:transition spd="slow" p14:dur="1200">
         <p14:prism dir="u"/>
       </p:transition>
     </mc:Choice>
-    <mc:Fallback>
+    <mc:Fallback xmlns="">
       <p:transition spd="slow">
         <p:fade/>
       </p:transition>
@@ -13028,13 +13067,13 @@
   <p:clrMapOvr>
     <a:masterClrMapping/>
   </p:clrMapOvr>
-  <mc:AlternateContent xmlns:mc="http://schemas.openxmlformats.org/markup-compatibility/2006">
-    <mc:Choice xmlns:p14="http://schemas.microsoft.com/office/powerpoint/2010/main" Requires="p14">
+  <mc:AlternateContent xmlns:mc="http://schemas.openxmlformats.org/markup-compatibility/2006" xmlns:p14="http://schemas.microsoft.com/office/powerpoint/2010/main">
+    <mc:Choice Requires="p14">
       <p:transition spd="slow" p14:dur="1200">
         <p14:prism dir="u"/>
       </p:transition>
     </mc:Choice>
-    <mc:Fallback>
+    <mc:Fallback xmlns="">
       <p:transition spd="slow">
         <p:fade/>
       </p:transition>
@@ -13082,16 +13121,7 @@
                 </a:solidFill>
                 <a:latin typeface="Berlin Sans FB" pitchFamily="34" charset="0"/>
               </a:rPr>
-              <a:t>DESCRIPCIÓN DEL </a:t>
-            </a:r>
-            <a:r>
-              <a:rPr lang="es-SV" dirty="0" smtClean="0">
-                <a:solidFill>
-                  <a:srgbClr val="7030A0"/>
-                </a:solidFill>
-                <a:latin typeface="Berlin Sans FB" pitchFamily="34" charset="0"/>
-              </a:rPr>
-              <a:t>TEMA</a:t>
+              <a:t>DESCRIPCIÓN DEL TEMA</a:t>
             </a:r>
             <a:endParaRPr lang="es-SV" dirty="0">
               <a:solidFill>
@@ -13485,13 +13515,13 @@
   <p:clrMapOvr>
     <a:masterClrMapping/>
   </p:clrMapOvr>
-  <mc:AlternateContent xmlns:mc="http://schemas.openxmlformats.org/markup-compatibility/2006">
-    <mc:Choice xmlns:p14="http://schemas.microsoft.com/office/powerpoint/2010/main" Requires="p14">
+  <mc:AlternateContent xmlns:mc="http://schemas.openxmlformats.org/markup-compatibility/2006" xmlns:p14="http://schemas.microsoft.com/office/powerpoint/2010/main">
+    <mc:Choice Requires="p14">
       <p:transition spd="slow" p14:dur="1200">
         <p14:prism dir="u"/>
       </p:transition>
     </mc:Choice>
-    <mc:Fallback>
+    <mc:Fallback xmlns="">
       <p:transition spd="slow">
         <p:fade/>
       </p:transition>
@@ -14719,13 +14749,13 @@
   <p:clrMapOvr>
     <a:masterClrMapping/>
   </p:clrMapOvr>
-  <mc:AlternateContent xmlns:mc="http://schemas.openxmlformats.org/markup-compatibility/2006">
-    <mc:Choice xmlns:p14="http://schemas.microsoft.com/office/powerpoint/2010/main" Requires="p14">
+  <mc:AlternateContent xmlns:mc="http://schemas.openxmlformats.org/markup-compatibility/2006" xmlns:p14="http://schemas.microsoft.com/office/powerpoint/2010/main">
+    <mc:Choice Requires="p14">
       <p:transition spd="slow" p14:dur="1200">
         <p14:prism dir="u"/>
       </p:transition>
     </mc:Choice>
-    <mc:Fallback>
+    <mc:Fallback xmlns="">
       <p:transition spd="slow">
         <p:fade/>
       </p:transition>
@@ -15980,13 +16010,13 @@
   <p:clrMapOvr>
     <a:masterClrMapping/>
   </p:clrMapOvr>
-  <mc:AlternateContent xmlns:mc="http://schemas.openxmlformats.org/markup-compatibility/2006">
-    <mc:Choice xmlns:p14="http://schemas.microsoft.com/office/powerpoint/2010/main" Requires="p14">
+  <mc:AlternateContent xmlns:mc="http://schemas.openxmlformats.org/markup-compatibility/2006" xmlns:p14="http://schemas.microsoft.com/office/powerpoint/2010/main">
+    <mc:Choice Requires="p14">
       <p:transition spd="slow" p14:dur="1200">
         <p14:prism dir="u"/>
       </p:transition>
     </mc:Choice>
-    <mc:Fallback>
+    <mc:Fallback xmlns="">
       <p:transition spd="slow">
         <p:fade/>
       </p:transition>
@@ -16387,13 +16417,13 @@
   <p:clrMapOvr>
     <a:masterClrMapping/>
   </p:clrMapOvr>
-  <mc:AlternateContent xmlns:mc="http://schemas.openxmlformats.org/markup-compatibility/2006">
-    <mc:Choice xmlns:p14="http://schemas.microsoft.com/office/powerpoint/2010/main" Requires="p14">
+  <mc:AlternateContent xmlns:mc="http://schemas.openxmlformats.org/markup-compatibility/2006" xmlns:p14="http://schemas.microsoft.com/office/powerpoint/2010/main">
+    <mc:Choice Requires="p14">
       <p:transition spd="slow" p14:dur="1200">
         <p14:prism dir="u"/>
       </p:transition>
     </mc:Choice>
-    <mc:Fallback>
+    <mc:Fallback xmlns="">
       <p:transition spd="slow">
         <p:fade/>
       </p:transition>
@@ -16522,13 +16552,13 @@
   <p:clrMapOvr>
     <a:masterClrMapping/>
   </p:clrMapOvr>
-  <mc:AlternateContent xmlns:mc="http://schemas.openxmlformats.org/markup-compatibility/2006">
-    <mc:Choice xmlns:p14="http://schemas.microsoft.com/office/powerpoint/2010/main" Requires="p14">
+  <mc:AlternateContent xmlns:mc="http://schemas.openxmlformats.org/markup-compatibility/2006" xmlns:p14="http://schemas.microsoft.com/office/powerpoint/2010/main">
+    <mc:Choice Requires="p14">
       <p:transition spd="slow" p14:dur="1200">
         <p14:prism dir="u"/>
       </p:transition>
     </mc:Choice>
-    <mc:Fallback>
+    <mc:Fallback xmlns="">
       <p:transition spd="slow">
         <p:fade/>
       </p:transition>
@@ -18557,13 +18587,13 @@
   <p:clrMapOvr>
     <a:masterClrMapping/>
   </p:clrMapOvr>
-  <mc:AlternateContent xmlns:mc="http://schemas.openxmlformats.org/markup-compatibility/2006">
-    <mc:Choice xmlns:p14="http://schemas.microsoft.com/office/powerpoint/2010/main" Requires="p14">
+  <mc:AlternateContent xmlns:mc="http://schemas.openxmlformats.org/markup-compatibility/2006" xmlns:p14="http://schemas.microsoft.com/office/powerpoint/2010/main">
+    <mc:Choice Requires="p14">
       <p:transition spd="slow" p14:dur="1200">
         <p14:prism dir="u"/>
       </p:transition>
     </mc:Choice>
-    <mc:Fallback>
+    <mc:Fallback xmlns="">
       <p:transition spd="slow">
         <p:fade/>
       </p:transition>
@@ -18727,13 +18757,13 @@
   <p:clrMapOvr>
     <a:masterClrMapping/>
   </p:clrMapOvr>
-  <mc:AlternateContent xmlns:mc="http://schemas.openxmlformats.org/markup-compatibility/2006">
-    <mc:Choice xmlns:p14="http://schemas.microsoft.com/office/powerpoint/2010/main" Requires="p14">
+  <mc:AlternateContent xmlns:mc="http://schemas.openxmlformats.org/markup-compatibility/2006" xmlns:p14="http://schemas.microsoft.com/office/powerpoint/2010/main">
+    <mc:Choice Requires="p14">
       <p:transition spd="slow" p14:dur="1200">
         <p14:prism dir="u"/>
       </p:transition>
     </mc:Choice>
-    <mc:Fallback>
+    <mc:Fallback xmlns="">
       <p:transition spd="slow">
         <p:fade/>
       </p:transition>
@@ -18848,13 +18878,13 @@
   <p:clrMapOvr>
     <a:masterClrMapping/>
   </p:clrMapOvr>
-  <mc:AlternateContent xmlns:mc="http://schemas.openxmlformats.org/markup-compatibility/2006">
-    <mc:Choice xmlns:p14="http://schemas.microsoft.com/office/powerpoint/2010/main" Requires="p14">
+  <mc:AlternateContent xmlns:mc="http://schemas.openxmlformats.org/markup-compatibility/2006" xmlns:p14="http://schemas.microsoft.com/office/powerpoint/2010/main">
+    <mc:Choice Requires="p14">
       <p:transition spd="slow" p14:dur="1200">
         <p14:prism dir="r"/>
       </p:transition>
     </mc:Choice>
-    <mc:Fallback>
+    <mc:Fallback xmlns="">
       <p:transition spd="slow">
         <p:fade/>
       </p:transition>
@@ -19323,13 +19353,13 @@
   <p:clrMapOvr>
     <a:masterClrMapping/>
   </p:clrMapOvr>
-  <mc:AlternateContent xmlns:mc="http://schemas.openxmlformats.org/markup-compatibility/2006">
-    <mc:Choice xmlns:p14="http://schemas.microsoft.com/office/powerpoint/2010/main" Requires="p14">
+  <mc:AlternateContent xmlns:mc="http://schemas.openxmlformats.org/markup-compatibility/2006" xmlns:p14="http://schemas.microsoft.com/office/powerpoint/2010/main">
+    <mc:Choice Requires="p14">
       <p:transition spd="slow" p14:dur="1200">
         <p14:prism dir="u"/>
       </p:transition>
     </mc:Choice>
-    <mc:Fallback>
+    <mc:Fallback xmlns="">
       <p:transition spd="slow">
         <p:fade/>
       </p:transition>
@@ -19751,13 +19781,13 @@
   <p:clrMapOvr>
     <a:masterClrMapping/>
   </p:clrMapOvr>
-  <mc:AlternateContent xmlns:mc="http://schemas.openxmlformats.org/markup-compatibility/2006">
-    <mc:Choice xmlns:p14="http://schemas.microsoft.com/office/powerpoint/2010/main" Requires="p14">
+  <mc:AlternateContent xmlns:mc="http://schemas.openxmlformats.org/markup-compatibility/2006" xmlns:p14="http://schemas.microsoft.com/office/powerpoint/2010/main">
+    <mc:Choice Requires="p14">
       <p:transition spd="slow" p14:dur="1200">
         <p14:prism dir="u"/>
       </p:transition>
     </mc:Choice>
-    <mc:Fallback>
+    <mc:Fallback xmlns="">
       <p:transition spd="slow">
         <p:fade/>
       </p:transition>
@@ -20515,13 +20545,13 @@
   <p:clrMapOvr>
     <a:masterClrMapping/>
   </p:clrMapOvr>
-  <mc:AlternateContent xmlns:mc="http://schemas.openxmlformats.org/markup-compatibility/2006">
-    <mc:Choice xmlns:p14="http://schemas.microsoft.com/office/powerpoint/2010/main" Requires="p14">
+  <mc:AlternateContent xmlns:mc="http://schemas.openxmlformats.org/markup-compatibility/2006" xmlns:p14="http://schemas.microsoft.com/office/powerpoint/2010/main">
+    <mc:Choice Requires="p14">
       <p:transition spd="slow" p14:dur="1200">
         <p14:prism dir="u"/>
       </p:transition>
     </mc:Choice>
-    <mc:Fallback>
+    <mc:Fallback xmlns="">
       <p:transition spd="slow">
         <p:fade/>
       </p:transition>
@@ -21102,13 +21132,13 @@
   <p:clrMapOvr>
     <a:masterClrMapping/>
   </p:clrMapOvr>
-  <mc:AlternateContent xmlns:mc="http://schemas.openxmlformats.org/markup-compatibility/2006">
-    <mc:Choice xmlns:p14="http://schemas.microsoft.com/office/powerpoint/2010/main" Requires="p14">
+  <mc:AlternateContent xmlns:mc="http://schemas.openxmlformats.org/markup-compatibility/2006" xmlns:p14="http://schemas.microsoft.com/office/powerpoint/2010/main">
+    <mc:Choice Requires="p14">
       <p:transition spd="slow" p14:dur="1200">
         <p14:prism dir="u"/>
       </p:transition>
     </mc:Choice>
-    <mc:Fallback>
+    <mc:Fallback xmlns="">
       <p:transition spd="slow">
         <p:fade/>
       </p:transition>
@@ -21580,13 +21610,13 @@
   <p:clrMapOvr>
     <a:masterClrMapping/>
   </p:clrMapOvr>
-  <mc:AlternateContent xmlns:mc="http://schemas.openxmlformats.org/markup-compatibility/2006">
-    <mc:Choice xmlns:p14="http://schemas.microsoft.com/office/powerpoint/2010/main" Requires="p14">
+  <mc:AlternateContent xmlns:mc="http://schemas.openxmlformats.org/markup-compatibility/2006" xmlns:p14="http://schemas.microsoft.com/office/powerpoint/2010/main">
+    <mc:Choice Requires="p14">
       <p:transition spd="slow" p14:dur="1200">
         <p14:prism dir="u"/>
       </p:transition>
     </mc:Choice>
-    <mc:Fallback>
+    <mc:Fallback xmlns="">
       <p:transition spd="slow">
         <p:fade/>
       </p:transition>
@@ -21866,13 +21896,13 @@
   <p:clrMapOvr>
     <a:masterClrMapping/>
   </p:clrMapOvr>
-  <mc:AlternateContent xmlns:mc="http://schemas.openxmlformats.org/markup-compatibility/2006">
-    <mc:Choice xmlns:p14="http://schemas.microsoft.com/office/powerpoint/2010/main" Requires="p14">
+  <mc:AlternateContent xmlns:mc="http://schemas.openxmlformats.org/markup-compatibility/2006" xmlns:p14="http://schemas.microsoft.com/office/powerpoint/2010/main">
+    <mc:Choice Requires="p14">
       <p:transition spd="slow" p14:dur="1200">
         <p14:prism dir="u"/>
       </p:transition>
     </mc:Choice>
-    <mc:Fallback>
+    <mc:Fallback xmlns="">
       <p:transition spd="slow">
         <p:fade/>
       </p:transition>
